--- a/Hextris 아트 리소스.pptx
+++ b/Hextris 아트 리소스.pptx
@@ -7423,7 +7423,7 @@
             <a:lstStyle/>
             <a:p>
               <a:pPr algn="ctr"/>
-              <a:endParaRPr lang="ko-KR" altLang="en-US"/>
+              <a:endParaRPr lang="ko-KR" altLang="en-US" dirty="0"/>
             </a:p>
           </p:txBody>
         </p:sp>
@@ -7933,6 +7933,528 @@
                 </a:gs>
                 <a:gs pos="100000">
                   <a:srgbClr val="FFFF9B"/>
+                </a:gs>
+              </a:gsLst>
+              <a:lin ang="5400000" scaled="1"/>
+              <a:tileRect/>
+            </a:gradFill>
+            <a:ln>
+              <a:noFill/>
+            </a:ln>
+          </p:spPr>
+          <p:style>
+            <a:lnRef idx="2">
+              <a:schemeClr val="accent1">
+                <a:shade val="50000"/>
+              </a:schemeClr>
+            </a:lnRef>
+            <a:fillRef idx="1">
+              <a:schemeClr val="accent1"/>
+            </a:fillRef>
+            <a:effectRef idx="0">
+              <a:schemeClr val="accent1"/>
+            </a:effectRef>
+            <a:fontRef idx="minor">
+              <a:schemeClr val="lt1"/>
+            </a:fontRef>
+          </p:style>
+          <p:txBody>
+            <a:bodyPr rtlCol="0" anchor="ctr"/>
+            <a:lstStyle/>
+            <a:p>
+              <a:pPr algn="ctr"/>
+              <a:endParaRPr lang="ko-KR" altLang="en-US"/>
+            </a:p>
+          </p:txBody>
+        </p:sp>
+      </p:grpSp>
+      <p:grpSp>
+        <p:nvGrpSpPr>
+          <p:cNvPr id="2" name="그룹 1"/>
+          <p:cNvGrpSpPr/>
+          <p:nvPr/>
+        </p:nvGrpSpPr>
+        <p:grpSpPr>
+          <a:xfrm>
+            <a:off x="6804545" y="252872"/>
+            <a:ext cx="5469620" cy="5386090"/>
+            <a:chOff x="6804545" y="252872"/>
+            <a:chExt cx="5469620" cy="5386090"/>
+          </a:xfrm>
+        </p:grpSpPr>
+        <p:sp>
+          <p:nvSpPr>
+            <p:cNvPr id="28" name="육각형 27"/>
+            <p:cNvSpPr>
+              <a:spLocks noChangeAspect="1"/>
+            </p:cNvSpPr>
+            <p:nvPr/>
+          </p:nvSpPr>
+          <p:spPr>
+            <a:xfrm>
+              <a:off x="6804545" y="736477"/>
+              <a:ext cx="5469620" cy="4682136"/>
+            </a:xfrm>
+            <a:prstGeom prst="hexagon">
+              <a:avLst>
+                <a:gd name="adj" fmla="val 28379"/>
+                <a:gd name="vf" fmla="val 115470"/>
+              </a:avLst>
+            </a:prstGeom>
+            <a:solidFill>
+              <a:srgbClr val="DCDCDC"/>
+            </a:solidFill>
+            <a:ln w="635000">
+              <a:noFill/>
+            </a:ln>
+          </p:spPr>
+          <p:style>
+            <a:lnRef idx="2">
+              <a:schemeClr val="accent1">
+                <a:shade val="50000"/>
+              </a:schemeClr>
+            </a:lnRef>
+            <a:fillRef idx="1">
+              <a:schemeClr val="accent1"/>
+            </a:fillRef>
+            <a:effectRef idx="0">
+              <a:schemeClr val="accent1"/>
+            </a:effectRef>
+            <a:fontRef idx="minor">
+              <a:schemeClr val="lt1"/>
+            </a:fontRef>
+          </p:style>
+          <p:txBody>
+            <a:bodyPr rtlCol="0" anchor="ctr"/>
+            <a:lstStyle/>
+            <a:p>
+              <a:pPr algn="ctr"/>
+              <a:endParaRPr lang="ko-KR" altLang="en-US"/>
+            </a:p>
+          </p:txBody>
+        </p:sp>
+        <p:sp>
+          <p:nvSpPr>
+            <p:cNvPr id="30" name="직사각형 29"/>
+            <p:cNvSpPr/>
+            <p:nvPr/>
+          </p:nvSpPr>
+          <p:spPr>
+            <a:xfrm>
+              <a:off x="7766505" y="252872"/>
+              <a:ext cx="3504486" cy="5386090"/>
+            </a:xfrm>
+            <a:prstGeom prst="rect">
+              <a:avLst/>
+            </a:prstGeom>
+            <a:noFill/>
+          </p:spPr>
+          <p:txBody>
+            <a:bodyPr wrap="none" lIns="91440" tIns="45720" rIns="91440" bIns="45720">
+              <a:spAutoFit/>
+            </a:bodyPr>
+            <a:lstStyle/>
+            <a:p>
+              <a:pPr algn="ctr"/>
+              <a:r>
+                <a:rPr lang="en-US" altLang="ko-KR" sz="34400" b="1" dirty="0">
+                  <a:ln w="13462">
+                    <a:solidFill>
+                      <a:schemeClr val="bg1"/>
+                    </a:solidFill>
+                    <a:prstDash val="solid"/>
+                  </a:ln>
+                  <a:solidFill>
+                    <a:schemeClr val="bg1">
+                      <a:lumMod val="85000"/>
+                    </a:schemeClr>
+                  </a:solidFill>
+                  <a:effectLst>
+                    <a:outerShdw dist="38100" dir="2700000" algn="bl" rotWithShape="0">
+                      <a:schemeClr val="accent5"/>
+                    </a:outerShdw>
+                  </a:effectLst>
+                  <a:latin typeface="Bauhaus 93" panose="04030905020B02020C02" pitchFamily="82" charset="0"/>
+                </a:rPr>
+                <a:t>C</a:t>
+              </a:r>
+              <a:endParaRPr lang="en-US" altLang="ko-KR" sz="34400" b="1" cap="none" spc="0" dirty="0">
+                <a:ln w="12700">
+                  <a:solidFill>
+                    <a:schemeClr val="tx2">
+                      <a:lumMod val="75000"/>
+                    </a:schemeClr>
+                  </a:solidFill>
+                  <a:prstDash val="solid"/>
+                </a:ln>
+                <a:solidFill>
+                  <a:schemeClr val="bg1">
+                    <a:lumMod val="85000"/>
+                  </a:schemeClr>
+                </a:solidFill>
+                <a:effectLst>
+                  <a:outerShdw dist="38100" dir="2640000" algn="bl" rotWithShape="0">
+                    <a:schemeClr val="tx2">
+                      <a:lumMod val="75000"/>
+                    </a:schemeClr>
+                  </a:outerShdw>
+                </a:effectLst>
+                <a:latin typeface="Bauhaus 93" panose="04030905020B02020C02" pitchFamily="82" charset="0"/>
+              </a:endParaRPr>
+            </a:p>
+          </p:txBody>
+        </p:sp>
+        <p:sp>
+          <p:nvSpPr>
+            <p:cNvPr id="34" name="직사각형 33"/>
+            <p:cNvSpPr/>
+            <p:nvPr/>
+          </p:nvSpPr>
+          <p:spPr>
+            <a:xfrm rot="10800000">
+              <a:off x="8130671" y="5308085"/>
+              <a:ext cx="2810906" cy="110528"/>
+            </a:xfrm>
+            <a:prstGeom prst="rect">
+              <a:avLst/>
+            </a:prstGeom>
+            <a:gradFill flip="none" rotWithShape="1">
+              <a:gsLst>
+                <a:gs pos="0">
+                  <a:srgbClr val="737373"/>
+                </a:gs>
+                <a:gs pos="100000">
+                  <a:srgbClr val="DCDCDC"/>
+                </a:gs>
+              </a:gsLst>
+              <a:lin ang="5400000" scaled="1"/>
+              <a:tileRect/>
+            </a:gradFill>
+            <a:ln>
+              <a:noFill/>
+            </a:ln>
+          </p:spPr>
+          <p:style>
+            <a:lnRef idx="2">
+              <a:schemeClr val="accent1">
+                <a:shade val="50000"/>
+              </a:schemeClr>
+            </a:lnRef>
+            <a:fillRef idx="1">
+              <a:schemeClr val="accent1"/>
+            </a:fillRef>
+            <a:effectRef idx="0">
+              <a:schemeClr val="accent1"/>
+            </a:effectRef>
+            <a:fontRef idx="minor">
+              <a:schemeClr val="lt1"/>
+            </a:fontRef>
+          </p:style>
+          <p:txBody>
+            <a:bodyPr rtlCol="0" anchor="ctr"/>
+            <a:lstStyle/>
+            <a:p>
+              <a:pPr algn="ctr"/>
+              <a:endParaRPr lang="ko-KR" altLang="en-US"/>
+            </a:p>
+          </p:txBody>
+        </p:sp>
+        <p:sp>
+          <p:nvSpPr>
+            <p:cNvPr id="35" name="직사각형 34"/>
+            <p:cNvSpPr/>
+            <p:nvPr/>
+          </p:nvSpPr>
+          <p:spPr>
+            <a:xfrm rot="7200000">
+              <a:off x="10227079" y="4170153"/>
+              <a:ext cx="2689683" cy="110528"/>
+            </a:xfrm>
+            <a:prstGeom prst="rect">
+              <a:avLst/>
+            </a:prstGeom>
+            <a:gradFill flip="none" rotWithShape="1">
+              <a:gsLst>
+                <a:gs pos="0">
+                  <a:srgbClr val="737373"/>
+                </a:gs>
+                <a:gs pos="100000">
+                  <a:srgbClr val="DCDCDC"/>
+                </a:gs>
+              </a:gsLst>
+              <a:lin ang="5400000" scaled="1"/>
+              <a:tileRect/>
+            </a:gradFill>
+            <a:ln>
+              <a:noFill/>
+            </a:ln>
+          </p:spPr>
+          <p:style>
+            <a:lnRef idx="2">
+              <a:schemeClr val="accent1">
+                <a:shade val="50000"/>
+              </a:schemeClr>
+            </a:lnRef>
+            <a:fillRef idx="1">
+              <a:schemeClr val="accent1"/>
+            </a:fillRef>
+            <a:effectRef idx="0">
+              <a:schemeClr val="accent1"/>
+            </a:effectRef>
+            <a:fontRef idx="minor">
+              <a:schemeClr val="lt1"/>
+            </a:fontRef>
+          </p:style>
+          <p:txBody>
+            <a:bodyPr rtlCol="0" anchor="ctr"/>
+            <a:lstStyle/>
+            <a:p>
+              <a:pPr algn="ctr"/>
+              <a:endParaRPr lang="ko-KR" altLang="en-US"/>
+            </a:p>
+          </p:txBody>
+        </p:sp>
+        <p:sp>
+          <p:nvSpPr>
+            <p:cNvPr id="36" name="직사각형 35"/>
+            <p:cNvSpPr/>
+            <p:nvPr/>
+          </p:nvSpPr>
+          <p:spPr>
+            <a:xfrm rot="10800000">
+              <a:off x="8126211" y="5307188"/>
+              <a:ext cx="2810906" cy="110528"/>
+            </a:xfrm>
+            <a:prstGeom prst="rect">
+              <a:avLst/>
+            </a:prstGeom>
+            <a:gradFill flip="none" rotWithShape="1">
+              <a:gsLst>
+                <a:gs pos="0">
+                  <a:srgbClr val="737373"/>
+                </a:gs>
+                <a:gs pos="100000">
+                  <a:srgbClr val="DCDCDC"/>
+                </a:gs>
+              </a:gsLst>
+              <a:lin ang="5400000" scaled="1"/>
+              <a:tileRect/>
+            </a:gradFill>
+            <a:ln>
+              <a:noFill/>
+            </a:ln>
+          </p:spPr>
+          <p:style>
+            <a:lnRef idx="2">
+              <a:schemeClr val="accent1">
+                <a:shade val="50000"/>
+              </a:schemeClr>
+            </a:lnRef>
+            <a:fillRef idx="1">
+              <a:schemeClr val="accent1"/>
+            </a:fillRef>
+            <a:effectRef idx="0">
+              <a:schemeClr val="accent1"/>
+            </a:effectRef>
+            <a:fontRef idx="minor">
+              <a:schemeClr val="lt1"/>
+            </a:fontRef>
+          </p:style>
+          <p:txBody>
+            <a:bodyPr rtlCol="0" anchor="ctr"/>
+            <a:lstStyle/>
+            <a:p>
+              <a:pPr algn="ctr"/>
+              <a:endParaRPr lang="ko-KR" altLang="en-US"/>
+            </a:p>
+          </p:txBody>
+        </p:sp>
+        <p:sp>
+          <p:nvSpPr>
+            <p:cNvPr id="38" name="직사각형 37"/>
+            <p:cNvSpPr/>
+            <p:nvPr/>
+          </p:nvSpPr>
+          <p:spPr>
+            <a:xfrm rot="3600000">
+              <a:off x="10210520" y="1886955"/>
+              <a:ext cx="2722800" cy="110528"/>
+            </a:xfrm>
+            <a:prstGeom prst="rect">
+              <a:avLst/>
+            </a:prstGeom>
+            <a:gradFill flip="none" rotWithShape="1">
+              <a:gsLst>
+                <a:gs pos="0">
+                  <a:srgbClr val="737373"/>
+                </a:gs>
+                <a:gs pos="100000">
+                  <a:srgbClr val="DCDCDC"/>
+                </a:gs>
+              </a:gsLst>
+              <a:lin ang="5400000" scaled="1"/>
+              <a:tileRect/>
+            </a:gradFill>
+            <a:ln>
+              <a:noFill/>
+            </a:ln>
+          </p:spPr>
+          <p:style>
+            <a:lnRef idx="2">
+              <a:schemeClr val="accent1">
+                <a:shade val="50000"/>
+              </a:schemeClr>
+            </a:lnRef>
+            <a:fillRef idx="1">
+              <a:schemeClr val="accent1"/>
+            </a:fillRef>
+            <a:effectRef idx="0">
+              <a:schemeClr val="accent1"/>
+            </a:effectRef>
+            <a:fontRef idx="minor">
+              <a:schemeClr val="lt1"/>
+            </a:fontRef>
+          </p:style>
+          <p:txBody>
+            <a:bodyPr rtlCol="0" anchor="ctr"/>
+            <a:lstStyle/>
+            <a:p>
+              <a:pPr algn="ctr"/>
+              <a:endParaRPr lang="ko-KR" altLang="en-US"/>
+            </a:p>
+          </p:txBody>
+        </p:sp>
+        <p:sp>
+          <p:nvSpPr>
+            <p:cNvPr id="39" name="직사각형 38"/>
+            <p:cNvSpPr/>
+            <p:nvPr/>
+          </p:nvSpPr>
+          <p:spPr>
+            <a:xfrm rot="14400000">
+              <a:off x="6171693" y="4166284"/>
+              <a:ext cx="2700692" cy="110528"/>
+            </a:xfrm>
+            <a:prstGeom prst="rect">
+              <a:avLst/>
+            </a:prstGeom>
+            <a:gradFill flip="none" rotWithShape="1">
+              <a:gsLst>
+                <a:gs pos="0">
+                  <a:srgbClr val="737373"/>
+                </a:gs>
+                <a:gs pos="100000">
+                  <a:srgbClr val="DCDCDC"/>
+                </a:gs>
+              </a:gsLst>
+              <a:lin ang="5400000" scaled="1"/>
+              <a:tileRect/>
+            </a:gradFill>
+            <a:ln>
+              <a:noFill/>
+            </a:ln>
+          </p:spPr>
+          <p:style>
+            <a:lnRef idx="2">
+              <a:schemeClr val="accent1">
+                <a:shade val="50000"/>
+              </a:schemeClr>
+            </a:lnRef>
+            <a:fillRef idx="1">
+              <a:schemeClr val="accent1"/>
+            </a:fillRef>
+            <a:effectRef idx="0">
+              <a:schemeClr val="accent1"/>
+            </a:effectRef>
+            <a:fontRef idx="minor">
+              <a:schemeClr val="lt1"/>
+            </a:fontRef>
+          </p:style>
+          <p:txBody>
+            <a:bodyPr rtlCol="0" anchor="ctr"/>
+            <a:lstStyle/>
+            <a:p>
+              <a:pPr algn="ctr"/>
+              <a:endParaRPr lang="ko-KR" altLang="en-US"/>
+            </a:p>
+          </p:txBody>
+        </p:sp>
+        <p:sp>
+          <p:nvSpPr>
+            <p:cNvPr id="40" name="직사각형 39"/>
+            <p:cNvSpPr/>
+            <p:nvPr/>
+          </p:nvSpPr>
+          <p:spPr>
+            <a:xfrm>
+              <a:off x="8138763" y="734647"/>
+              <a:ext cx="2810906" cy="110528"/>
+            </a:xfrm>
+            <a:prstGeom prst="rect">
+              <a:avLst/>
+            </a:prstGeom>
+            <a:gradFill flip="none" rotWithShape="1">
+              <a:gsLst>
+                <a:gs pos="0">
+                  <a:srgbClr val="737373"/>
+                </a:gs>
+                <a:gs pos="100000">
+                  <a:srgbClr val="DCDCDC"/>
+                </a:gs>
+              </a:gsLst>
+              <a:lin ang="5400000" scaled="1"/>
+              <a:tileRect/>
+            </a:gradFill>
+            <a:ln>
+              <a:noFill/>
+            </a:ln>
+          </p:spPr>
+          <p:style>
+            <a:lnRef idx="2">
+              <a:schemeClr val="accent1">
+                <a:shade val="50000"/>
+              </a:schemeClr>
+            </a:lnRef>
+            <a:fillRef idx="1">
+              <a:schemeClr val="accent1"/>
+            </a:fillRef>
+            <a:effectRef idx="0">
+              <a:schemeClr val="accent1"/>
+            </a:effectRef>
+            <a:fontRef idx="minor">
+              <a:schemeClr val="lt1"/>
+            </a:fontRef>
+          </p:style>
+          <p:txBody>
+            <a:bodyPr rtlCol="0" anchor="ctr"/>
+            <a:lstStyle/>
+            <a:p>
+              <a:pPr algn="ctr"/>
+              <a:endParaRPr lang="ko-KR" altLang="en-US"/>
+            </a:p>
+          </p:txBody>
+        </p:sp>
+        <p:sp>
+          <p:nvSpPr>
+            <p:cNvPr id="41" name="직사각형 40"/>
+            <p:cNvSpPr/>
+            <p:nvPr/>
+          </p:nvSpPr>
+          <p:spPr>
+            <a:xfrm rot="18000000">
+              <a:off x="6182333" y="1884257"/>
+              <a:ext cx="2695912" cy="110528"/>
+            </a:xfrm>
+            <a:prstGeom prst="rect">
+              <a:avLst/>
+            </a:prstGeom>
+            <a:gradFill flip="none" rotWithShape="1">
+              <a:gsLst>
+                <a:gs pos="0">
+                  <a:srgbClr val="737373"/>
+                </a:gs>
+                <a:gs pos="100000">
+                  <a:srgbClr val="DCDCDC"/>
                 </a:gs>
               </a:gsLst>
               <a:lin ang="5400000" scaled="1"/>
@@ -10566,7 +11088,7 @@
             <a:lstStyle/>
             <a:p>
               <a:pPr algn="ctr"/>
-              <a:endParaRPr lang="ko-KR" altLang="en-US"/>
+              <a:endParaRPr lang="ko-KR" altLang="en-US" dirty="0"/>
             </a:p>
           </p:txBody>
         </p:sp>

--- a/Hextris 아트 리소스.pptx
+++ b/Hextris 아트 리소스.pptx
@@ -6857,8 +6857,8 @@
         </p:nvSpPr>
         <p:spPr>
           <a:xfrm>
-            <a:off x="2045090" y="4067692"/>
-            <a:ext cx="1930337" cy="923330"/>
+            <a:off x="1511898" y="4245663"/>
+            <a:ext cx="7439858" cy="923330"/>
           </a:xfrm>
           <a:prstGeom prst="rect">
             <a:avLst/>
@@ -6887,13 +6887,13 @@
                   </a:schemeClr>
                 </a:solidFill>
                 <a:effectLst>
-                  <a:outerShdw dist="38100" dir="2700000" algn="bl" rotWithShape="0">
-                    <a:schemeClr val="accent5"/>
+                  <a:outerShdw dist="63500" dir="2280000" algn="bl" rotWithShape="0">
+                    <a:srgbClr val="4B4BFF"/>
                   </a:outerShdw>
                 </a:effectLst>
                 <a:latin typeface="Bauhaus 93" panose="04030905020B02020C02" pitchFamily="82" charset="0"/>
               </a:rPr>
-              <a:t>Block</a:t>
+              <a:t>Block Create Sensitivity</a:t>
             </a:r>
             <a:endParaRPr lang="en-US" altLang="ko-KR" sz="5400" b="1" cap="none" spc="0" dirty="0">
               <a:ln w="12700">
@@ -6905,10 +6905,8 @@
                 <a:prstDash val="solid"/>
               </a:ln>
               <a:effectLst>
-                <a:outerShdw dist="38100" dir="2640000" algn="bl" rotWithShape="0">
-                  <a:schemeClr val="tx2">
-                    <a:lumMod val="75000"/>
-                  </a:schemeClr>
+                <a:outerShdw dist="63500" dir="2280000" algn="bl" rotWithShape="0">
+                  <a:srgbClr val="4B4BFF"/>
                 </a:outerShdw>
               </a:effectLst>
               <a:latin typeface="Bauhaus 93" panose="04030905020B02020C02" pitchFamily="82" charset="0"/>
@@ -7970,7 +7968,7 @@
       </p:grpSp>
       <p:grpSp>
         <p:nvGrpSpPr>
-          <p:cNvPr id="2" name="그룹 1"/>
+          <p:cNvPr id="3" name="그룹 2"/>
           <p:cNvGrpSpPr/>
           <p:nvPr/>
         </p:nvGrpSpPr>
@@ -8058,7 +8056,7 @@
               <a:pPr algn="ctr"/>
               <a:r>
                 <a:rPr lang="en-US" altLang="ko-KR" sz="34400" b="1" dirty="0">
-                  <a:ln w="13462">
+                  <a:ln w="76200">
                     <a:solidFill>
                       <a:schemeClr val="bg1"/>
                     </a:solidFill>
@@ -8070,8 +8068,8 @@
                     </a:schemeClr>
                   </a:solidFill>
                   <a:effectLst>
-                    <a:outerShdw dist="38100" dir="2700000" algn="bl" rotWithShape="0">
-                      <a:schemeClr val="accent5"/>
+                    <a:outerShdw dist="88900" dir="2220000" algn="bl" rotWithShape="0">
+                      <a:srgbClr val="5C739C"/>
                     </a:outerShdw>
                   </a:effectLst>
                   <a:latin typeface="Bauhaus 93" panose="04030905020B02020C02" pitchFamily="82" charset="0"/>
@@ -8079,11 +8077,9 @@
                 <a:t>C</a:t>
               </a:r>
               <a:endParaRPr lang="en-US" altLang="ko-KR" sz="34400" b="1" cap="none" spc="0" dirty="0">
-                <a:ln w="12700">
+                <a:ln w="76200">
                   <a:solidFill>
-                    <a:schemeClr val="tx2">
-                      <a:lumMod val="75000"/>
-                    </a:schemeClr>
+                    <a:schemeClr val="bg1"/>
                   </a:solidFill>
                   <a:prstDash val="solid"/>
                 </a:ln>
@@ -8093,399 +8089,12 @@
                   </a:schemeClr>
                 </a:solidFill>
                 <a:effectLst>
-                  <a:outerShdw dist="38100" dir="2640000" algn="bl" rotWithShape="0">
-                    <a:schemeClr val="tx2">
-                      <a:lumMod val="75000"/>
-                    </a:schemeClr>
+                  <a:outerShdw dist="88900" dir="2220000" algn="bl" rotWithShape="0">
+                    <a:srgbClr val="5C739C"/>
                   </a:outerShdw>
                 </a:effectLst>
                 <a:latin typeface="Bauhaus 93" panose="04030905020B02020C02" pitchFamily="82" charset="0"/>
               </a:endParaRPr>
-            </a:p>
-          </p:txBody>
-        </p:sp>
-        <p:sp>
-          <p:nvSpPr>
-            <p:cNvPr id="34" name="직사각형 33"/>
-            <p:cNvSpPr/>
-            <p:nvPr/>
-          </p:nvSpPr>
-          <p:spPr>
-            <a:xfrm rot="10800000">
-              <a:off x="8130671" y="5308085"/>
-              <a:ext cx="2810906" cy="110528"/>
-            </a:xfrm>
-            <a:prstGeom prst="rect">
-              <a:avLst/>
-            </a:prstGeom>
-            <a:gradFill flip="none" rotWithShape="1">
-              <a:gsLst>
-                <a:gs pos="0">
-                  <a:srgbClr val="737373"/>
-                </a:gs>
-                <a:gs pos="100000">
-                  <a:srgbClr val="DCDCDC"/>
-                </a:gs>
-              </a:gsLst>
-              <a:lin ang="5400000" scaled="1"/>
-              <a:tileRect/>
-            </a:gradFill>
-            <a:ln>
-              <a:noFill/>
-            </a:ln>
-          </p:spPr>
-          <p:style>
-            <a:lnRef idx="2">
-              <a:schemeClr val="accent1">
-                <a:shade val="50000"/>
-              </a:schemeClr>
-            </a:lnRef>
-            <a:fillRef idx="1">
-              <a:schemeClr val="accent1"/>
-            </a:fillRef>
-            <a:effectRef idx="0">
-              <a:schemeClr val="accent1"/>
-            </a:effectRef>
-            <a:fontRef idx="minor">
-              <a:schemeClr val="lt1"/>
-            </a:fontRef>
-          </p:style>
-          <p:txBody>
-            <a:bodyPr rtlCol="0" anchor="ctr"/>
-            <a:lstStyle/>
-            <a:p>
-              <a:pPr algn="ctr"/>
-              <a:endParaRPr lang="ko-KR" altLang="en-US"/>
-            </a:p>
-          </p:txBody>
-        </p:sp>
-        <p:sp>
-          <p:nvSpPr>
-            <p:cNvPr id="35" name="직사각형 34"/>
-            <p:cNvSpPr/>
-            <p:nvPr/>
-          </p:nvSpPr>
-          <p:spPr>
-            <a:xfrm rot="7200000">
-              <a:off x="10227079" y="4170153"/>
-              <a:ext cx="2689683" cy="110528"/>
-            </a:xfrm>
-            <a:prstGeom prst="rect">
-              <a:avLst/>
-            </a:prstGeom>
-            <a:gradFill flip="none" rotWithShape="1">
-              <a:gsLst>
-                <a:gs pos="0">
-                  <a:srgbClr val="737373"/>
-                </a:gs>
-                <a:gs pos="100000">
-                  <a:srgbClr val="DCDCDC"/>
-                </a:gs>
-              </a:gsLst>
-              <a:lin ang="5400000" scaled="1"/>
-              <a:tileRect/>
-            </a:gradFill>
-            <a:ln>
-              <a:noFill/>
-            </a:ln>
-          </p:spPr>
-          <p:style>
-            <a:lnRef idx="2">
-              <a:schemeClr val="accent1">
-                <a:shade val="50000"/>
-              </a:schemeClr>
-            </a:lnRef>
-            <a:fillRef idx="1">
-              <a:schemeClr val="accent1"/>
-            </a:fillRef>
-            <a:effectRef idx="0">
-              <a:schemeClr val="accent1"/>
-            </a:effectRef>
-            <a:fontRef idx="minor">
-              <a:schemeClr val="lt1"/>
-            </a:fontRef>
-          </p:style>
-          <p:txBody>
-            <a:bodyPr rtlCol="0" anchor="ctr"/>
-            <a:lstStyle/>
-            <a:p>
-              <a:pPr algn="ctr"/>
-              <a:endParaRPr lang="ko-KR" altLang="en-US"/>
-            </a:p>
-          </p:txBody>
-        </p:sp>
-        <p:sp>
-          <p:nvSpPr>
-            <p:cNvPr id="36" name="직사각형 35"/>
-            <p:cNvSpPr/>
-            <p:nvPr/>
-          </p:nvSpPr>
-          <p:spPr>
-            <a:xfrm rot="10800000">
-              <a:off x="8126211" y="5307188"/>
-              <a:ext cx="2810906" cy="110528"/>
-            </a:xfrm>
-            <a:prstGeom prst="rect">
-              <a:avLst/>
-            </a:prstGeom>
-            <a:gradFill flip="none" rotWithShape="1">
-              <a:gsLst>
-                <a:gs pos="0">
-                  <a:srgbClr val="737373"/>
-                </a:gs>
-                <a:gs pos="100000">
-                  <a:srgbClr val="DCDCDC"/>
-                </a:gs>
-              </a:gsLst>
-              <a:lin ang="5400000" scaled="1"/>
-              <a:tileRect/>
-            </a:gradFill>
-            <a:ln>
-              <a:noFill/>
-            </a:ln>
-          </p:spPr>
-          <p:style>
-            <a:lnRef idx="2">
-              <a:schemeClr val="accent1">
-                <a:shade val="50000"/>
-              </a:schemeClr>
-            </a:lnRef>
-            <a:fillRef idx="1">
-              <a:schemeClr val="accent1"/>
-            </a:fillRef>
-            <a:effectRef idx="0">
-              <a:schemeClr val="accent1"/>
-            </a:effectRef>
-            <a:fontRef idx="minor">
-              <a:schemeClr val="lt1"/>
-            </a:fontRef>
-          </p:style>
-          <p:txBody>
-            <a:bodyPr rtlCol="0" anchor="ctr"/>
-            <a:lstStyle/>
-            <a:p>
-              <a:pPr algn="ctr"/>
-              <a:endParaRPr lang="ko-KR" altLang="en-US"/>
-            </a:p>
-          </p:txBody>
-        </p:sp>
-        <p:sp>
-          <p:nvSpPr>
-            <p:cNvPr id="38" name="직사각형 37"/>
-            <p:cNvSpPr/>
-            <p:nvPr/>
-          </p:nvSpPr>
-          <p:spPr>
-            <a:xfrm rot="3600000">
-              <a:off x="10210520" y="1886955"/>
-              <a:ext cx="2722800" cy="110528"/>
-            </a:xfrm>
-            <a:prstGeom prst="rect">
-              <a:avLst/>
-            </a:prstGeom>
-            <a:gradFill flip="none" rotWithShape="1">
-              <a:gsLst>
-                <a:gs pos="0">
-                  <a:srgbClr val="737373"/>
-                </a:gs>
-                <a:gs pos="100000">
-                  <a:srgbClr val="DCDCDC"/>
-                </a:gs>
-              </a:gsLst>
-              <a:lin ang="5400000" scaled="1"/>
-              <a:tileRect/>
-            </a:gradFill>
-            <a:ln>
-              <a:noFill/>
-            </a:ln>
-          </p:spPr>
-          <p:style>
-            <a:lnRef idx="2">
-              <a:schemeClr val="accent1">
-                <a:shade val="50000"/>
-              </a:schemeClr>
-            </a:lnRef>
-            <a:fillRef idx="1">
-              <a:schemeClr val="accent1"/>
-            </a:fillRef>
-            <a:effectRef idx="0">
-              <a:schemeClr val="accent1"/>
-            </a:effectRef>
-            <a:fontRef idx="minor">
-              <a:schemeClr val="lt1"/>
-            </a:fontRef>
-          </p:style>
-          <p:txBody>
-            <a:bodyPr rtlCol="0" anchor="ctr"/>
-            <a:lstStyle/>
-            <a:p>
-              <a:pPr algn="ctr"/>
-              <a:endParaRPr lang="ko-KR" altLang="en-US"/>
-            </a:p>
-          </p:txBody>
-        </p:sp>
-        <p:sp>
-          <p:nvSpPr>
-            <p:cNvPr id="39" name="직사각형 38"/>
-            <p:cNvSpPr/>
-            <p:nvPr/>
-          </p:nvSpPr>
-          <p:spPr>
-            <a:xfrm rot="14400000">
-              <a:off x="6171693" y="4166284"/>
-              <a:ext cx="2700692" cy="110528"/>
-            </a:xfrm>
-            <a:prstGeom prst="rect">
-              <a:avLst/>
-            </a:prstGeom>
-            <a:gradFill flip="none" rotWithShape="1">
-              <a:gsLst>
-                <a:gs pos="0">
-                  <a:srgbClr val="737373"/>
-                </a:gs>
-                <a:gs pos="100000">
-                  <a:srgbClr val="DCDCDC"/>
-                </a:gs>
-              </a:gsLst>
-              <a:lin ang="5400000" scaled="1"/>
-              <a:tileRect/>
-            </a:gradFill>
-            <a:ln>
-              <a:noFill/>
-            </a:ln>
-          </p:spPr>
-          <p:style>
-            <a:lnRef idx="2">
-              <a:schemeClr val="accent1">
-                <a:shade val="50000"/>
-              </a:schemeClr>
-            </a:lnRef>
-            <a:fillRef idx="1">
-              <a:schemeClr val="accent1"/>
-            </a:fillRef>
-            <a:effectRef idx="0">
-              <a:schemeClr val="accent1"/>
-            </a:effectRef>
-            <a:fontRef idx="minor">
-              <a:schemeClr val="lt1"/>
-            </a:fontRef>
-          </p:style>
-          <p:txBody>
-            <a:bodyPr rtlCol="0" anchor="ctr"/>
-            <a:lstStyle/>
-            <a:p>
-              <a:pPr algn="ctr"/>
-              <a:endParaRPr lang="ko-KR" altLang="en-US"/>
-            </a:p>
-          </p:txBody>
-        </p:sp>
-        <p:sp>
-          <p:nvSpPr>
-            <p:cNvPr id="40" name="직사각형 39"/>
-            <p:cNvSpPr/>
-            <p:nvPr/>
-          </p:nvSpPr>
-          <p:spPr>
-            <a:xfrm>
-              <a:off x="8138763" y="734647"/>
-              <a:ext cx="2810906" cy="110528"/>
-            </a:xfrm>
-            <a:prstGeom prst="rect">
-              <a:avLst/>
-            </a:prstGeom>
-            <a:gradFill flip="none" rotWithShape="1">
-              <a:gsLst>
-                <a:gs pos="0">
-                  <a:srgbClr val="737373"/>
-                </a:gs>
-                <a:gs pos="100000">
-                  <a:srgbClr val="DCDCDC"/>
-                </a:gs>
-              </a:gsLst>
-              <a:lin ang="5400000" scaled="1"/>
-              <a:tileRect/>
-            </a:gradFill>
-            <a:ln>
-              <a:noFill/>
-            </a:ln>
-          </p:spPr>
-          <p:style>
-            <a:lnRef idx="2">
-              <a:schemeClr val="accent1">
-                <a:shade val="50000"/>
-              </a:schemeClr>
-            </a:lnRef>
-            <a:fillRef idx="1">
-              <a:schemeClr val="accent1"/>
-            </a:fillRef>
-            <a:effectRef idx="0">
-              <a:schemeClr val="accent1"/>
-            </a:effectRef>
-            <a:fontRef idx="minor">
-              <a:schemeClr val="lt1"/>
-            </a:fontRef>
-          </p:style>
-          <p:txBody>
-            <a:bodyPr rtlCol="0" anchor="ctr"/>
-            <a:lstStyle/>
-            <a:p>
-              <a:pPr algn="ctr"/>
-              <a:endParaRPr lang="ko-KR" altLang="en-US"/>
-            </a:p>
-          </p:txBody>
-        </p:sp>
-        <p:sp>
-          <p:nvSpPr>
-            <p:cNvPr id="41" name="직사각형 40"/>
-            <p:cNvSpPr/>
-            <p:nvPr/>
-          </p:nvSpPr>
-          <p:spPr>
-            <a:xfrm rot="18000000">
-              <a:off x="6182333" y="1884257"/>
-              <a:ext cx="2695912" cy="110528"/>
-            </a:xfrm>
-            <a:prstGeom prst="rect">
-              <a:avLst/>
-            </a:prstGeom>
-            <a:gradFill flip="none" rotWithShape="1">
-              <a:gsLst>
-                <a:gs pos="0">
-                  <a:srgbClr val="737373"/>
-                </a:gs>
-                <a:gs pos="100000">
-                  <a:srgbClr val="DCDCDC"/>
-                </a:gs>
-              </a:gsLst>
-              <a:lin ang="5400000" scaled="1"/>
-              <a:tileRect/>
-            </a:gradFill>
-            <a:ln>
-              <a:noFill/>
-            </a:ln>
-          </p:spPr>
-          <p:style>
-            <a:lnRef idx="2">
-              <a:schemeClr val="accent1">
-                <a:shade val="50000"/>
-              </a:schemeClr>
-            </a:lnRef>
-            <a:fillRef idx="1">
-              <a:schemeClr val="accent1"/>
-            </a:fillRef>
-            <a:effectRef idx="0">
-              <a:schemeClr val="accent1"/>
-            </a:effectRef>
-            <a:fontRef idx="minor">
-              <a:schemeClr val="lt1"/>
-            </a:fontRef>
-          </p:style>
-          <p:txBody>
-            <a:bodyPr rtlCol="0" anchor="ctr"/>
-            <a:lstStyle/>
-            <a:p>
-              <a:pPr algn="ctr"/>
-              <a:endParaRPr lang="ko-KR" altLang="en-US"/>
             </a:p>
           </p:txBody>
         </p:sp>
@@ -8520,73 +8129,6 @@
           <a:chExt cx="0" cy="0"/>
         </a:xfrm>
       </p:grpSpPr>
-      <p:sp>
-        <p:nvSpPr>
-          <p:cNvPr id="247" name="모서리가 둥근 직사각형 246"/>
-          <p:cNvSpPr/>
-          <p:nvPr/>
-        </p:nvSpPr>
-        <p:spPr>
-          <a:xfrm>
-            <a:off x="2784532" y="286781"/>
-            <a:ext cx="4178105" cy="6260123"/>
-          </a:xfrm>
-          <a:prstGeom prst="roundRect">
-            <a:avLst/>
-          </a:prstGeom>
-          <a:solidFill>
-            <a:srgbClr val="DCDCDC"/>
-          </a:solidFill>
-          <a:ln w="76200">
-            <a:gradFill>
-              <a:gsLst>
-                <a:gs pos="50000">
-                  <a:schemeClr val="bg2">
-                    <a:lumMod val="90000"/>
-                  </a:schemeClr>
-                </a:gs>
-                <a:gs pos="0">
-                  <a:schemeClr val="tx1">
-                    <a:lumMod val="65000"/>
-                    <a:lumOff val="35000"/>
-                  </a:schemeClr>
-                </a:gs>
-                <a:gs pos="100000">
-                  <a:schemeClr val="tx1">
-                    <a:lumMod val="65000"/>
-                    <a:lumOff val="35000"/>
-                  </a:schemeClr>
-                </a:gs>
-              </a:gsLst>
-              <a:lin ang="5400000" scaled="1"/>
-            </a:gradFill>
-          </a:ln>
-        </p:spPr>
-        <p:style>
-          <a:lnRef idx="2">
-            <a:schemeClr val="accent1">
-              <a:shade val="50000"/>
-            </a:schemeClr>
-          </a:lnRef>
-          <a:fillRef idx="1">
-            <a:schemeClr val="accent1"/>
-          </a:fillRef>
-          <a:effectRef idx="0">
-            <a:schemeClr val="accent1"/>
-          </a:effectRef>
-          <a:fontRef idx="minor">
-            <a:schemeClr val="lt1"/>
-          </a:fontRef>
-        </p:style>
-        <p:txBody>
-          <a:bodyPr rtlCol="0" anchor="ctr"/>
-          <a:lstStyle/>
-          <a:p>
-            <a:pPr algn="ctr"/>
-            <a:endParaRPr lang="ko-KR" altLang="en-US"/>
-          </a:p>
-        </p:txBody>
-      </p:sp>
       <p:grpSp>
         <p:nvGrpSpPr>
           <p:cNvPr id="13" name="그룹 12"/>
@@ -8595,7 +8137,7 @@
         </p:nvGrpSpPr>
         <p:grpSpPr>
           <a:xfrm>
-            <a:off x="3009284" y="489798"/>
+            <a:off x="3026982" y="489798"/>
             <a:ext cx="3728602" cy="5854091"/>
             <a:chOff x="3009284" y="489798"/>
             <a:chExt cx="3728602" cy="5854091"/>
@@ -10299,7 +9841,7 @@
         </p:sp>
         <p:sp>
           <p:nvSpPr>
-            <p:cNvPr id="52" name="육각형 51"/>
+            <p:cNvPr id="53" name="육각형 52"/>
             <p:cNvSpPr>
               <a:spLocks noChangeAspect="1"/>
             </p:cNvSpPr>
@@ -10307,7 +9849,7 @@
           </p:nvSpPr>
           <p:spPr>
             <a:xfrm>
-              <a:off x="3409603" y="3642001"/>
+              <a:off x="3809921" y="3416844"/>
               <a:ext cx="526053" cy="450315"/>
             </a:xfrm>
             <a:prstGeom prst="hexagon">
@@ -10352,7 +9894,7 @@
         </p:sp>
         <p:sp>
           <p:nvSpPr>
-            <p:cNvPr id="53" name="육각형 52"/>
+            <p:cNvPr id="55" name="육각형 54"/>
             <p:cNvSpPr>
               <a:spLocks noChangeAspect="1"/>
             </p:cNvSpPr>
@@ -10360,7 +9902,7 @@
           </p:nvSpPr>
           <p:spPr>
             <a:xfrm>
-              <a:off x="3809921" y="3416844"/>
+              <a:off x="4610559" y="3416844"/>
               <a:ext cx="526053" cy="450315"/>
             </a:xfrm>
             <a:prstGeom prst="hexagon">
@@ -10405,7 +9947,7 @@
         </p:sp>
         <p:sp>
           <p:nvSpPr>
-            <p:cNvPr id="54" name="육각형 53"/>
+            <p:cNvPr id="60" name="육각형 59"/>
             <p:cNvSpPr>
               <a:spLocks noChangeAspect="1"/>
             </p:cNvSpPr>
@@ -10413,7 +9955,7 @@
           </p:nvSpPr>
           <p:spPr>
             <a:xfrm>
-              <a:off x="4210240" y="3642001"/>
+              <a:off x="3009284" y="3416844"/>
               <a:ext cx="526053" cy="450315"/>
             </a:xfrm>
             <a:prstGeom prst="hexagon">
@@ -10458,7 +10000,7 @@
         </p:sp>
         <p:sp>
           <p:nvSpPr>
-            <p:cNvPr id="55" name="육각형 54"/>
+            <p:cNvPr id="61" name="육각형 60"/>
             <p:cNvSpPr>
               <a:spLocks noChangeAspect="1"/>
             </p:cNvSpPr>
@@ -10466,7 +10008,7 @@
           </p:nvSpPr>
           <p:spPr>
             <a:xfrm>
-              <a:off x="4610559" y="3416844"/>
+              <a:off x="3009284" y="3867158"/>
               <a:ext cx="526053" cy="450315"/>
             </a:xfrm>
             <a:prstGeom prst="hexagon">
@@ -10511,7 +10053,7 @@
         </p:sp>
         <p:sp>
           <p:nvSpPr>
-            <p:cNvPr id="56" name="육각형 55"/>
+            <p:cNvPr id="62" name="육각형 61"/>
             <p:cNvSpPr>
               <a:spLocks noChangeAspect="1"/>
             </p:cNvSpPr>
@@ -10519,7 +10061,7 @@
           </p:nvSpPr>
           <p:spPr>
             <a:xfrm>
-              <a:off x="3409603" y="4092316"/>
+              <a:off x="5010877" y="1840742"/>
               <a:ext cx="526053" cy="450315"/>
             </a:xfrm>
             <a:prstGeom prst="hexagon">
@@ -10564,7 +10106,7 @@
         </p:sp>
         <p:sp>
           <p:nvSpPr>
-            <p:cNvPr id="57" name="육각형 56"/>
+            <p:cNvPr id="63" name="육각형 62"/>
             <p:cNvSpPr>
               <a:spLocks noChangeAspect="1"/>
             </p:cNvSpPr>
@@ -10572,7 +10114,7 @@
           </p:nvSpPr>
           <p:spPr>
             <a:xfrm>
-              <a:off x="3809921" y="3867158"/>
+              <a:off x="5411196" y="1615585"/>
               <a:ext cx="526053" cy="450315"/>
             </a:xfrm>
             <a:prstGeom prst="hexagon">
@@ -10617,7 +10159,7 @@
         </p:sp>
         <p:sp>
           <p:nvSpPr>
-            <p:cNvPr id="58" name="육각형 57"/>
+            <p:cNvPr id="64" name="육각형 63"/>
             <p:cNvSpPr>
               <a:spLocks noChangeAspect="1"/>
             </p:cNvSpPr>
@@ -10625,7 +10167,7 @@
           </p:nvSpPr>
           <p:spPr>
             <a:xfrm>
-              <a:off x="4210240" y="4092316"/>
+              <a:off x="5811514" y="1840742"/>
               <a:ext cx="526053" cy="450315"/>
             </a:xfrm>
             <a:prstGeom prst="hexagon">
@@ -10670,7 +10212,7 @@
         </p:sp>
         <p:sp>
           <p:nvSpPr>
-            <p:cNvPr id="59" name="육각형 58"/>
+            <p:cNvPr id="66" name="육각형 65"/>
             <p:cNvSpPr>
               <a:spLocks noChangeAspect="1"/>
             </p:cNvSpPr>
@@ -10678,7 +10220,7 @@
           </p:nvSpPr>
           <p:spPr>
             <a:xfrm>
-              <a:off x="4610559" y="3867158"/>
+              <a:off x="5010877" y="1390427"/>
               <a:ext cx="526053" cy="450315"/>
             </a:xfrm>
             <a:prstGeom prst="hexagon">
@@ -10723,7 +10265,7 @@
         </p:sp>
         <p:sp>
           <p:nvSpPr>
-            <p:cNvPr id="60" name="육각형 59"/>
+            <p:cNvPr id="67" name="육각형 66"/>
             <p:cNvSpPr>
               <a:spLocks noChangeAspect="1"/>
             </p:cNvSpPr>
@@ -10731,7 +10273,7 @@
           </p:nvSpPr>
           <p:spPr>
             <a:xfrm>
-              <a:off x="3009284" y="3416844"/>
+              <a:off x="5411196" y="1165270"/>
               <a:ext cx="526053" cy="450315"/>
             </a:xfrm>
             <a:prstGeom prst="hexagon">
@@ -10770,13 +10312,13 @@
             <a:lstStyle/>
             <a:p>
               <a:pPr algn="ctr"/>
-              <a:endParaRPr lang="ko-KR" altLang="en-US"/>
-            </a:p>
-          </p:txBody>
-        </p:sp>
-        <p:sp>
-          <p:nvSpPr>
-            <p:cNvPr id="61" name="육각형 60"/>
+              <a:endParaRPr lang="ko-KR" altLang="en-US" dirty="0"/>
+            </a:p>
+          </p:txBody>
+        </p:sp>
+        <p:sp>
+          <p:nvSpPr>
+            <p:cNvPr id="68" name="육각형 67"/>
             <p:cNvSpPr>
               <a:spLocks noChangeAspect="1"/>
             </p:cNvSpPr>
@@ -10784,7 +10326,7 @@
           </p:nvSpPr>
           <p:spPr>
             <a:xfrm>
-              <a:off x="3009284" y="3867158"/>
+              <a:off x="5811514" y="1390427"/>
               <a:ext cx="526053" cy="450315"/>
             </a:xfrm>
             <a:prstGeom prst="hexagon">
@@ -10829,7 +10371,7 @@
         </p:sp>
         <p:sp>
           <p:nvSpPr>
-            <p:cNvPr id="62" name="육각형 61"/>
+            <p:cNvPr id="69" name="육각형 68"/>
             <p:cNvSpPr>
               <a:spLocks noChangeAspect="1"/>
             </p:cNvSpPr>
@@ -10837,7 +10379,7 @@
           </p:nvSpPr>
           <p:spPr>
             <a:xfrm>
-              <a:off x="5010877" y="1840742"/>
+              <a:off x="6211833" y="1165270"/>
               <a:ext cx="526053" cy="450315"/>
             </a:xfrm>
             <a:prstGeom prst="hexagon">
@@ -10847,7 +10389,7 @@
               </a:avLst>
             </a:prstGeom>
             <a:solidFill>
-              <a:srgbClr val="DCDCDC"/>
+              <a:srgbClr val="8181FF"/>
             </a:solidFill>
             <a:ln w="38100">
               <a:solidFill>
@@ -10876,325 +10418,7 @@
             <a:lstStyle/>
             <a:p>
               <a:pPr algn="ctr"/>
-              <a:endParaRPr lang="ko-KR" altLang="en-US"/>
-            </a:p>
-          </p:txBody>
-        </p:sp>
-        <p:sp>
-          <p:nvSpPr>
-            <p:cNvPr id="63" name="육각형 62"/>
-            <p:cNvSpPr>
-              <a:spLocks noChangeAspect="1"/>
-            </p:cNvSpPr>
-            <p:nvPr/>
-          </p:nvSpPr>
-          <p:spPr>
-            <a:xfrm>
-              <a:off x="5411196" y="1615585"/>
-              <a:ext cx="526053" cy="450315"/>
-            </a:xfrm>
-            <a:prstGeom prst="hexagon">
-              <a:avLst>
-                <a:gd name="adj" fmla="val 28379"/>
-                <a:gd name="vf" fmla="val 115470"/>
-              </a:avLst>
-            </a:prstGeom>
-            <a:solidFill>
-              <a:srgbClr val="DCDCDC"/>
-            </a:solidFill>
-            <a:ln w="38100">
-              <a:solidFill>
-                <a:schemeClr val="bg1"/>
-              </a:solidFill>
-            </a:ln>
-          </p:spPr>
-          <p:style>
-            <a:lnRef idx="2">
-              <a:schemeClr val="accent1">
-                <a:shade val="50000"/>
-              </a:schemeClr>
-            </a:lnRef>
-            <a:fillRef idx="1">
-              <a:schemeClr val="accent1"/>
-            </a:fillRef>
-            <a:effectRef idx="0">
-              <a:schemeClr val="accent1"/>
-            </a:effectRef>
-            <a:fontRef idx="minor">
-              <a:schemeClr val="lt1"/>
-            </a:fontRef>
-          </p:style>
-          <p:txBody>
-            <a:bodyPr rtlCol="0" anchor="ctr"/>
-            <a:lstStyle/>
-            <a:p>
-              <a:pPr algn="ctr"/>
-              <a:endParaRPr lang="ko-KR" altLang="en-US"/>
-            </a:p>
-          </p:txBody>
-        </p:sp>
-        <p:sp>
-          <p:nvSpPr>
-            <p:cNvPr id="64" name="육각형 63"/>
-            <p:cNvSpPr>
-              <a:spLocks noChangeAspect="1"/>
-            </p:cNvSpPr>
-            <p:nvPr/>
-          </p:nvSpPr>
-          <p:spPr>
-            <a:xfrm>
-              <a:off x="5811514" y="1840742"/>
-              <a:ext cx="526053" cy="450315"/>
-            </a:xfrm>
-            <a:prstGeom prst="hexagon">
-              <a:avLst>
-                <a:gd name="adj" fmla="val 28379"/>
-                <a:gd name="vf" fmla="val 115470"/>
-              </a:avLst>
-            </a:prstGeom>
-            <a:solidFill>
-              <a:srgbClr val="DCDCDC"/>
-            </a:solidFill>
-            <a:ln w="38100">
-              <a:solidFill>
-                <a:schemeClr val="bg1"/>
-              </a:solidFill>
-            </a:ln>
-          </p:spPr>
-          <p:style>
-            <a:lnRef idx="2">
-              <a:schemeClr val="accent1">
-                <a:shade val="50000"/>
-              </a:schemeClr>
-            </a:lnRef>
-            <a:fillRef idx="1">
-              <a:schemeClr val="accent1"/>
-            </a:fillRef>
-            <a:effectRef idx="0">
-              <a:schemeClr val="accent1"/>
-            </a:effectRef>
-            <a:fontRef idx="minor">
-              <a:schemeClr val="lt1"/>
-            </a:fontRef>
-          </p:style>
-          <p:txBody>
-            <a:bodyPr rtlCol="0" anchor="ctr"/>
-            <a:lstStyle/>
-            <a:p>
-              <a:pPr algn="ctr"/>
-              <a:endParaRPr lang="ko-KR" altLang="en-US"/>
-            </a:p>
-          </p:txBody>
-        </p:sp>
-        <p:sp>
-          <p:nvSpPr>
-            <p:cNvPr id="66" name="육각형 65"/>
-            <p:cNvSpPr>
-              <a:spLocks noChangeAspect="1"/>
-            </p:cNvSpPr>
-            <p:nvPr/>
-          </p:nvSpPr>
-          <p:spPr>
-            <a:xfrm>
-              <a:off x="5010877" y="1390427"/>
-              <a:ext cx="526053" cy="450315"/>
-            </a:xfrm>
-            <a:prstGeom prst="hexagon">
-              <a:avLst>
-                <a:gd name="adj" fmla="val 28379"/>
-                <a:gd name="vf" fmla="val 115470"/>
-              </a:avLst>
-            </a:prstGeom>
-            <a:solidFill>
-              <a:srgbClr val="DCDCDC"/>
-            </a:solidFill>
-            <a:ln w="38100">
-              <a:solidFill>
-                <a:schemeClr val="bg1"/>
-              </a:solidFill>
-            </a:ln>
-          </p:spPr>
-          <p:style>
-            <a:lnRef idx="2">
-              <a:schemeClr val="accent1">
-                <a:shade val="50000"/>
-              </a:schemeClr>
-            </a:lnRef>
-            <a:fillRef idx="1">
-              <a:schemeClr val="accent1"/>
-            </a:fillRef>
-            <a:effectRef idx="0">
-              <a:schemeClr val="accent1"/>
-            </a:effectRef>
-            <a:fontRef idx="minor">
-              <a:schemeClr val="lt1"/>
-            </a:fontRef>
-          </p:style>
-          <p:txBody>
-            <a:bodyPr rtlCol="0" anchor="ctr"/>
-            <a:lstStyle/>
-            <a:p>
-              <a:pPr algn="ctr"/>
-              <a:endParaRPr lang="ko-KR" altLang="en-US"/>
-            </a:p>
-          </p:txBody>
-        </p:sp>
-        <p:sp>
-          <p:nvSpPr>
-            <p:cNvPr id="67" name="육각형 66"/>
-            <p:cNvSpPr>
-              <a:spLocks noChangeAspect="1"/>
-            </p:cNvSpPr>
-            <p:nvPr/>
-          </p:nvSpPr>
-          <p:spPr>
-            <a:xfrm>
-              <a:off x="5411196" y="1165270"/>
-              <a:ext cx="526053" cy="450315"/>
-            </a:xfrm>
-            <a:prstGeom prst="hexagon">
-              <a:avLst>
-                <a:gd name="adj" fmla="val 28379"/>
-                <a:gd name="vf" fmla="val 115470"/>
-              </a:avLst>
-            </a:prstGeom>
-            <a:solidFill>
-              <a:srgbClr val="DCDCDC"/>
-            </a:solidFill>
-            <a:ln w="38100">
-              <a:solidFill>
-                <a:schemeClr val="bg1"/>
-              </a:solidFill>
-            </a:ln>
-          </p:spPr>
-          <p:style>
-            <a:lnRef idx="2">
-              <a:schemeClr val="accent1">
-                <a:shade val="50000"/>
-              </a:schemeClr>
-            </a:lnRef>
-            <a:fillRef idx="1">
-              <a:schemeClr val="accent1"/>
-            </a:fillRef>
-            <a:effectRef idx="0">
-              <a:schemeClr val="accent1"/>
-            </a:effectRef>
-            <a:fontRef idx="minor">
-              <a:schemeClr val="lt1"/>
-            </a:fontRef>
-          </p:style>
-          <p:txBody>
-            <a:bodyPr rtlCol="0" anchor="ctr"/>
-            <a:lstStyle/>
-            <a:p>
-              <a:pPr algn="ctr"/>
               <a:endParaRPr lang="ko-KR" altLang="en-US" dirty="0"/>
-            </a:p>
-          </p:txBody>
-        </p:sp>
-        <p:sp>
-          <p:nvSpPr>
-            <p:cNvPr id="68" name="육각형 67"/>
-            <p:cNvSpPr>
-              <a:spLocks noChangeAspect="1"/>
-            </p:cNvSpPr>
-            <p:nvPr/>
-          </p:nvSpPr>
-          <p:spPr>
-            <a:xfrm>
-              <a:off x="5811514" y="1390427"/>
-              <a:ext cx="526053" cy="450315"/>
-            </a:xfrm>
-            <a:prstGeom prst="hexagon">
-              <a:avLst>
-                <a:gd name="adj" fmla="val 28379"/>
-                <a:gd name="vf" fmla="val 115470"/>
-              </a:avLst>
-            </a:prstGeom>
-            <a:solidFill>
-              <a:srgbClr val="DCDCDC"/>
-            </a:solidFill>
-            <a:ln w="38100">
-              <a:solidFill>
-                <a:schemeClr val="bg1"/>
-              </a:solidFill>
-            </a:ln>
-          </p:spPr>
-          <p:style>
-            <a:lnRef idx="2">
-              <a:schemeClr val="accent1">
-                <a:shade val="50000"/>
-              </a:schemeClr>
-            </a:lnRef>
-            <a:fillRef idx="1">
-              <a:schemeClr val="accent1"/>
-            </a:fillRef>
-            <a:effectRef idx="0">
-              <a:schemeClr val="accent1"/>
-            </a:effectRef>
-            <a:fontRef idx="minor">
-              <a:schemeClr val="lt1"/>
-            </a:fontRef>
-          </p:style>
-          <p:txBody>
-            <a:bodyPr rtlCol="0" anchor="ctr"/>
-            <a:lstStyle/>
-            <a:p>
-              <a:pPr algn="ctr"/>
-              <a:endParaRPr lang="ko-KR" altLang="en-US"/>
-            </a:p>
-          </p:txBody>
-        </p:sp>
-        <p:sp>
-          <p:nvSpPr>
-            <p:cNvPr id="69" name="육각형 68"/>
-            <p:cNvSpPr>
-              <a:spLocks noChangeAspect="1"/>
-            </p:cNvSpPr>
-            <p:nvPr/>
-          </p:nvSpPr>
-          <p:spPr>
-            <a:xfrm>
-              <a:off x="6211833" y="1165270"/>
-              <a:ext cx="526053" cy="450315"/>
-            </a:xfrm>
-            <a:prstGeom prst="hexagon">
-              <a:avLst>
-                <a:gd name="adj" fmla="val 28379"/>
-                <a:gd name="vf" fmla="val 115470"/>
-              </a:avLst>
-            </a:prstGeom>
-            <a:solidFill>
-              <a:srgbClr val="DCDCDC"/>
-            </a:solidFill>
-            <a:ln w="38100">
-              <a:solidFill>
-                <a:schemeClr val="bg1"/>
-              </a:solidFill>
-            </a:ln>
-          </p:spPr>
-          <p:style>
-            <a:lnRef idx="2">
-              <a:schemeClr val="accent1">
-                <a:shade val="50000"/>
-              </a:schemeClr>
-            </a:lnRef>
-            <a:fillRef idx="1">
-              <a:schemeClr val="accent1"/>
-            </a:fillRef>
-            <a:effectRef idx="0">
-              <a:schemeClr val="accent1"/>
-            </a:effectRef>
-            <a:fontRef idx="minor">
-              <a:schemeClr val="lt1"/>
-            </a:fontRef>
-          </p:style>
-          <p:txBody>
-            <a:bodyPr rtlCol="0" anchor="ctr"/>
-            <a:lstStyle/>
-            <a:p>
-              <a:pPr algn="ctr"/>
-              <a:endParaRPr lang="ko-KR" altLang="en-US"/>
             </a:p>
           </p:txBody>
         </p:sp>
@@ -12164,7 +11388,7 @@
         </p:sp>
         <p:sp>
           <p:nvSpPr>
-            <p:cNvPr id="88" name="육각형 87"/>
+            <p:cNvPr id="89" name="육각형 88"/>
             <p:cNvSpPr>
               <a:spLocks noChangeAspect="1"/>
             </p:cNvSpPr>
@@ -12172,7 +11396,7 @@
           </p:nvSpPr>
           <p:spPr>
             <a:xfrm>
-              <a:off x="5010877" y="3642001"/>
+              <a:off x="5411196" y="3416844"/>
               <a:ext cx="526053" cy="450315"/>
             </a:xfrm>
             <a:prstGeom prst="hexagon">
@@ -12217,7 +11441,7 @@
         </p:sp>
         <p:sp>
           <p:nvSpPr>
-            <p:cNvPr id="89" name="육각형 88"/>
+            <p:cNvPr id="91" name="육각형 90"/>
             <p:cNvSpPr>
               <a:spLocks noChangeAspect="1"/>
             </p:cNvSpPr>
@@ -12225,7 +11449,7 @@
           </p:nvSpPr>
           <p:spPr>
             <a:xfrm>
-              <a:off x="5411196" y="3416844"/>
+              <a:off x="6211833" y="3416844"/>
               <a:ext cx="526053" cy="450315"/>
             </a:xfrm>
             <a:prstGeom prst="hexagon">
@@ -12270,7 +11494,7 @@
         </p:sp>
         <p:sp>
           <p:nvSpPr>
-            <p:cNvPr id="90" name="육각형 89"/>
+            <p:cNvPr id="95" name="육각형 94"/>
             <p:cNvSpPr>
               <a:spLocks noChangeAspect="1"/>
             </p:cNvSpPr>
@@ -12278,7 +11502,7 @@
           </p:nvSpPr>
           <p:spPr>
             <a:xfrm>
-              <a:off x="5811514" y="3642001"/>
+              <a:off x="6211833" y="3867158"/>
               <a:ext cx="526053" cy="450315"/>
             </a:xfrm>
             <a:prstGeom prst="hexagon">
@@ -12323,7 +11547,7 @@
         </p:sp>
         <p:sp>
           <p:nvSpPr>
-            <p:cNvPr id="91" name="육각형 90"/>
+            <p:cNvPr id="96" name="육각형 95"/>
             <p:cNvSpPr>
               <a:spLocks noChangeAspect="1"/>
             </p:cNvSpPr>
@@ -12331,7 +11555,7 @@
           </p:nvSpPr>
           <p:spPr>
             <a:xfrm>
-              <a:off x="6211833" y="3416844"/>
+              <a:off x="3409603" y="4542630"/>
               <a:ext cx="526053" cy="450315"/>
             </a:xfrm>
             <a:prstGeom prst="hexagon">
@@ -12376,7 +11600,7 @@
         </p:sp>
         <p:sp>
           <p:nvSpPr>
-            <p:cNvPr id="92" name="육각형 91"/>
+            <p:cNvPr id="98" name="육각형 97"/>
             <p:cNvSpPr>
               <a:spLocks noChangeAspect="1"/>
             </p:cNvSpPr>
@@ -12384,7 +11608,7 @@
           </p:nvSpPr>
           <p:spPr>
             <a:xfrm>
-              <a:off x="5010877" y="4092316"/>
+              <a:off x="4210240" y="4542630"/>
               <a:ext cx="526053" cy="450315"/>
             </a:xfrm>
             <a:prstGeom prst="hexagon">
@@ -12429,7 +11653,7 @@
         </p:sp>
         <p:sp>
           <p:nvSpPr>
-            <p:cNvPr id="93" name="육각형 92"/>
+            <p:cNvPr id="100" name="육각형 99"/>
             <p:cNvSpPr>
               <a:spLocks noChangeAspect="1"/>
             </p:cNvSpPr>
@@ -12437,7 +11661,7 @@
           </p:nvSpPr>
           <p:spPr>
             <a:xfrm>
-              <a:off x="5411196" y="3867158"/>
+              <a:off x="3409603" y="4992945"/>
               <a:ext cx="526053" cy="450315"/>
             </a:xfrm>
             <a:prstGeom prst="hexagon">
@@ -12482,7 +11706,7 @@
         </p:sp>
         <p:sp>
           <p:nvSpPr>
-            <p:cNvPr id="94" name="육각형 93"/>
+            <p:cNvPr id="101" name="육각형 100"/>
             <p:cNvSpPr>
               <a:spLocks noChangeAspect="1"/>
             </p:cNvSpPr>
@@ -12490,7 +11714,7 @@
           </p:nvSpPr>
           <p:spPr>
             <a:xfrm>
-              <a:off x="5811514" y="4092316"/>
+              <a:off x="3809921" y="4767788"/>
               <a:ext cx="526053" cy="450315"/>
             </a:xfrm>
             <a:prstGeom prst="hexagon">
@@ -12535,7 +11759,7 @@
         </p:sp>
         <p:sp>
           <p:nvSpPr>
-            <p:cNvPr id="95" name="육각형 94"/>
+            <p:cNvPr id="102" name="육각형 101"/>
             <p:cNvSpPr>
               <a:spLocks noChangeAspect="1"/>
             </p:cNvSpPr>
@@ -12543,7 +11767,7 @@
           </p:nvSpPr>
           <p:spPr>
             <a:xfrm>
-              <a:off x="6211833" y="3867158"/>
+              <a:off x="4210240" y="4992945"/>
               <a:ext cx="526053" cy="450315"/>
             </a:xfrm>
             <a:prstGeom prst="hexagon">
@@ -12588,7 +11812,7 @@
         </p:sp>
         <p:sp>
           <p:nvSpPr>
-            <p:cNvPr id="96" name="육각형 95"/>
+            <p:cNvPr id="103" name="육각형 102"/>
             <p:cNvSpPr>
               <a:spLocks noChangeAspect="1"/>
             </p:cNvSpPr>
@@ -12596,7 +11820,7 @@
           </p:nvSpPr>
           <p:spPr>
             <a:xfrm>
-              <a:off x="3409603" y="4542630"/>
+              <a:off x="4610559" y="4767788"/>
               <a:ext cx="526053" cy="450315"/>
             </a:xfrm>
             <a:prstGeom prst="hexagon">
@@ -12641,7 +11865,7 @@
         </p:sp>
         <p:sp>
           <p:nvSpPr>
-            <p:cNvPr id="97" name="육각형 96"/>
+            <p:cNvPr id="104" name="육각형 103"/>
             <p:cNvSpPr>
               <a:spLocks noChangeAspect="1"/>
             </p:cNvSpPr>
@@ -12649,7 +11873,7 @@
           </p:nvSpPr>
           <p:spPr>
             <a:xfrm>
-              <a:off x="3809921" y="4317473"/>
+              <a:off x="3009284" y="4317473"/>
               <a:ext cx="526053" cy="450315"/>
             </a:xfrm>
             <a:prstGeom prst="hexagon">
@@ -12694,7 +11918,7 @@
         </p:sp>
         <p:sp>
           <p:nvSpPr>
-            <p:cNvPr id="98" name="육각형 97"/>
+            <p:cNvPr id="105" name="육각형 104"/>
             <p:cNvSpPr>
               <a:spLocks noChangeAspect="1"/>
             </p:cNvSpPr>
@@ -12702,7 +11926,7 @@
           </p:nvSpPr>
           <p:spPr>
             <a:xfrm>
-              <a:off x="4210240" y="4542630"/>
+              <a:off x="3009284" y="4767788"/>
               <a:ext cx="526053" cy="450315"/>
             </a:xfrm>
             <a:prstGeom prst="hexagon">
@@ -12747,7 +11971,7 @@
         </p:sp>
         <p:sp>
           <p:nvSpPr>
-            <p:cNvPr id="99" name="육각형 98"/>
+            <p:cNvPr id="106" name="육각형 105"/>
             <p:cNvSpPr>
               <a:spLocks noChangeAspect="1"/>
             </p:cNvSpPr>
@@ -12755,7 +11979,7 @@
           </p:nvSpPr>
           <p:spPr>
             <a:xfrm>
-              <a:off x="4610559" y="4317473"/>
+              <a:off x="5010877" y="4542630"/>
               <a:ext cx="526053" cy="450315"/>
             </a:xfrm>
             <a:prstGeom prst="hexagon">
@@ -12800,7 +12024,7 @@
         </p:sp>
         <p:sp>
           <p:nvSpPr>
-            <p:cNvPr id="100" name="육각형 99"/>
+            <p:cNvPr id="108" name="육각형 107"/>
             <p:cNvSpPr>
               <a:spLocks noChangeAspect="1"/>
             </p:cNvSpPr>
@@ -12808,7 +12032,7 @@
           </p:nvSpPr>
           <p:spPr>
             <a:xfrm>
-              <a:off x="3409603" y="4992945"/>
+              <a:off x="5811514" y="4542630"/>
               <a:ext cx="526053" cy="450315"/>
             </a:xfrm>
             <a:prstGeom prst="hexagon">
@@ -12853,7 +12077,7 @@
         </p:sp>
         <p:sp>
           <p:nvSpPr>
-            <p:cNvPr id="101" name="육각형 100"/>
+            <p:cNvPr id="109" name="육각형 108"/>
             <p:cNvSpPr>
               <a:spLocks noChangeAspect="1"/>
             </p:cNvSpPr>
@@ -12861,7 +12085,7 @@
           </p:nvSpPr>
           <p:spPr>
             <a:xfrm>
-              <a:off x="3809921" y="4767788"/>
+              <a:off x="6211833" y="4317473"/>
               <a:ext cx="526053" cy="450315"/>
             </a:xfrm>
             <a:prstGeom prst="hexagon">
@@ -12906,7 +12130,7 @@
         </p:sp>
         <p:sp>
           <p:nvSpPr>
-            <p:cNvPr id="102" name="육각형 101"/>
+            <p:cNvPr id="110" name="육각형 109"/>
             <p:cNvSpPr>
               <a:spLocks noChangeAspect="1"/>
             </p:cNvSpPr>
@@ -12914,7 +12138,7 @@
           </p:nvSpPr>
           <p:spPr>
             <a:xfrm>
-              <a:off x="4210240" y="4992945"/>
+              <a:off x="5010877" y="4992945"/>
               <a:ext cx="526053" cy="450315"/>
             </a:xfrm>
             <a:prstGeom prst="hexagon">
@@ -12959,7 +12183,7 @@
         </p:sp>
         <p:sp>
           <p:nvSpPr>
-            <p:cNvPr id="103" name="육각형 102"/>
+            <p:cNvPr id="111" name="육각형 110"/>
             <p:cNvSpPr>
               <a:spLocks noChangeAspect="1"/>
             </p:cNvSpPr>
@@ -12967,7 +12191,7 @@
           </p:nvSpPr>
           <p:spPr>
             <a:xfrm>
-              <a:off x="4610559" y="4767788"/>
+              <a:off x="5411196" y="4767788"/>
               <a:ext cx="526053" cy="450315"/>
             </a:xfrm>
             <a:prstGeom prst="hexagon">
@@ -13012,7 +12236,7 @@
         </p:sp>
         <p:sp>
           <p:nvSpPr>
-            <p:cNvPr id="104" name="육각형 103"/>
+            <p:cNvPr id="112" name="육각형 111"/>
             <p:cNvSpPr>
               <a:spLocks noChangeAspect="1"/>
             </p:cNvSpPr>
@@ -13020,7 +12244,7 @@
           </p:nvSpPr>
           <p:spPr>
             <a:xfrm>
-              <a:off x="3009284" y="4317473"/>
+              <a:off x="5811514" y="4992945"/>
               <a:ext cx="526053" cy="450315"/>
             </a:xfrm>
             <a:prstGeom prst="hexagon">
@@ -13065,7 +12289,7 @@
         </p:sp>
         <p:sp>
           <p:nvSpPr>
-            <p:cNvPr id="105" name="육각형 104"/>
+            <p:cNvPr id="113" name="육각형 112"/>
             <p:cNvSpPr>
               <a:spLocks noChangeAspect="1"/>
             </p:cNvSpPr>
@@ -13073,7 +12297,7 @@
           </p:nvSpPr>
           <p:spPr>
             <a:xfrm>
-              <a:off x="3009284" y="4767788"/>
+              <a:off x="6211833" y="4767788"/>
               <a:ext cx="526053" cy="450315"/>
             </a:xfrm>
             <a:prstGeom prst="hexagon">
@@ -13118,7 +12342,7 @@
         </p:sp>
         <p:sp>
           <p:nvSpPr>
-            <p:cNvPr id="106" name="육각형 105"/>
+            <p:cNvPr id="118" name="육각형 117"/>
             <p:cNvSpPr>
               <a:spLocks noChangeAspect="1"/>
             </p:cNvSpPr>
@@ -13126,7 +12350,7 @@
           </p:nvSpPr>
           <p:spPr>
             <a:xfrm>
-              <a:off x="5010877" y="4542630"/>
+              <a:off x="3409603" y="5893574"/>
               <a:ext cx="526053" cy="450315"/>
             </a:xfrm>
             <a:prstGeom prst="hexagon">
@@ -13171,7 +12395,7 @@
         </p:sp>
         <p:sp>
           <p:nvSpPr>
-            <p:cNvPr id="107" name="육각형 106"/>
+            <p:cNvPr id="119" name="육각형 118"/>
             <p:cNvSpPr>
               <a:spLocks noChangeAspect="1"/>
             </p:cNvSpPr>
@@ -13179,7 +12403,7 @@
           </p:nvSpPr>
           <p:spPr>
             <a:xfrm>
-              <a:off x="5411196" y="4317473"/>
+              <a:off x="3809921" y="5668417"/>
               <a:ext cx="526053" cy="450315"/>
             </a:xfrm>
             <a:prstGeom prst="hexagon">
@@ -13224,7 +12448,7 @@
         </p:sp>
         <p:sp>
           <p:nvSpPr>
-            <p:cNvPr id="108" name="육각형 107"/>
+            <p:cNvPr id="120" name="육각형 119"/>
             <p:cNvSpPr>
               <a:spLocks noChangeAspect="1"/>
             </p:cNvSpPr>
@@ -13232,7 +12456,7 @@
           </p:nvSpPr>
           <p:spPr>
             <a:xfrm>
-              <a:off x="5811514" y="4542630"/>
+              <a:off x="4210240" y="5893574"/>
               <a:ext cx="526053" cy="450315"/>
             </a:xfrm>
             <a:prstGeom prst="hexagon">
@@ -13277,7 +12501,7 @@
         </p:sp>
         <p:sp>
           <p:nvSpPr>
-            <p:cNvPr id="109" name="육각형 108"/>
+            <p:cNvPr id="121" name="육각형 120"/>
             <p:cNvSpPr>
               <a:spLocks noChangeAspect="1"/>
             </p:cNvSpPr>
@@ -13285,7 +12509,7 @@
           </p:nvSpPr>
           <p:spPr>
             <a:xfrm>
-              <a:off x="6211833" y="4317473"/>
+              <a:off x="4610559" y="5668417"/>
               <a:ext cx="526053" cy="450315"/>
             </a:xfrm>
             <a:prstGeom prst="hexagon">
@@ -13330,7 +12554,7 @@
         </p:sp>
         <p:sp>
           <p:nvSpPr>
-            <p:cNvPr id="110" name="육각형 109"/>
+            <p:cNvPr id="122" name="육각형 121"/>
             <p:cNvSpPr>
               <a:spLocks noChangeAspect="1"/>
             </p:cNvSpPr>
@@ -13338,7 +12562,7 @@
           </p:nvSpPr>
           <p:spPr>
             <a:xfrm>
-              <a:off x="5010877" y="4992945"/>
+              <a:off x="3009284" y="5218102"/>
               <a:ext cx="526053" cy="450315"/>
             </a:xfrm>
             <a:prstGeom prst="hexagon">
@@ -13383,642 +12607,6 @@
         </p:sp>
         <p:sp>
           <p:nvSpPr>
-            <p:cNvPr id="111" name="육각형 110"/>
-            <p:cNvSpPr>
-              <a:spLocks noChangeAspect="1"/>
-            </p:cNvSpPr>
-            <p:nvPr/>
-          </p:nvSpPr>
-          <p:spPr>
-            <a:xfrm>
-              <a:off x="5411196" y="4767788"/>
-              <a:ext cx="526053" cy="450315"/>
-            </a:xfrm>
-            <a:prstGeom prst="hexagon">
-              <a:avLst>
-                <a:gd name="adj" fmla="val 28379"/>
-                <a:gd name="vf" fmla="val 115470"/>
-              </a:avLst>
-            </a:prstGeom>
-            <a:solidFill>
-              <a:srgbClr val="DCDCDC"/>
-            </a:solidFill>
-            <a:ln w="38100">
-              <a:solidFill>
-                <a:schemeClr val="bg1"/>
-              </a:solidFill>
-            </a:ln>
-          </p:spPr>
-          <p:style>
-            <a:lnRef idx="2">
-              <a:schemeClr val="accent1">
-                <a:shade val="50000"/>
-              </a:schemeClr>
-            </a:lnRef>
-            <a:fillRef idx="1">
-              <a:schemeClr val="accent1"/>
-            </a:fillRef>
-            <a:effectRef idx="0">
-              <a:schemeClr val="accent1"/>
-            </a:effectRef>
-            <a:fontRef idx="minor">
-              <a:schemeClr val="lt1"/>
-            </a:fontRef>
-          </p:style>
-          <p:txBody>
-            <a:bodyPr rtlCol="0" anchor="ctr"/>
-            <a:lstStyle/>
-            <a:p>
-              <a:pPr algn="ctr"/>
-              <a:endParaRPr lang="ko-KR" altLang="en-US"/>
-            </a:p>
-          </p:txBody>
-        </p:sp>
-        <p:sp>
-          <p:nvSpPr>
-            <p:cNvPr id="112" name="육각형 111"/>
-            <p:cNvSpPr>
-              <a:spLocks noChangeAspect="1"/>
-            </p:cNvSpPr>
-            <p:nvPr/>
-          </p:nvSpPr>
-          <p:spPr>
-            <a:xfrm>
-              <a:off x="5811514" y="4992945"/>
-              <a:ext cx="526053" cy="450315"/>
-            </a:xfrm>
-            <a:prstGeom prst="hexagon">
-              <a:avLst>
-                <a:gd name="adj" fmla="val 28379"/>
-                <a:gd name="vf" fmla="val 115470"/>
-              </a:avLst>
-            </a:prstGeom>
-            <a:solidFill>
-              <a:srgbClr val="DCDCDC"/>
-            </a:solidFill>
-            <a:ln w="38100">
-              <a:solidFill>
-                <a:schemeClr val="bg1"/>
-              </a:solidFill>
-            </a:ln>
-          </p:spPr>
-          <p:style>
-            <a:lnRef idx="2">
-              <a:schemeClr val="accent1">
-                <a:shade val="50000"/>
-              </a:schemeClr>
-            </a:lnRef>
-            <a:fillRef idx="1">
-              <a:schemeClr val="accent1"/>
-            </a:fillRef>
-            <a:effectRef idx="0">
-              <a:schemeClr val="accent1"/>
-            </a:effectRef>
-            <a:fontRef idx="minor">
-              <a:schemeClr val="lt1"/>
-            </a:fontRef>
-          </p:style>
-          <p:txBody>
-            <a:bodyPr rtlCol="0" anchor="ctr"/>
-            <a:lstStyle/>
-            <a:p>
-              <a:pPr algn="ctr"/>
-              <a:endParaRPr lang="ko-KR" altLang="en-US"/>
-            </a:p>
-          </p:txBody>
-        </p:sp>
-        <p:sp>
-          <p:nvSpPr>
-            <p:cNvPr id="113" name="육각형 112"/>
-            <p:cNvSpPr>
-              <a:spLocks noChangeAspect="1"/>
-            </p:cNvSpPr>
-            <p:nvPr/>
-          </p:nvSpPr>
-          <p:spPr>
-            <a:xfrm>
-              <a:off x="6211833" y="4767788"/>
-              <a:ext cx="526053" cy="450315"/>
-            </a:xfrm>
-            <a:prstGeom prst="hexagon">
-              <a:avLst>
-                <a:gd name="adj" fmla="val 28379"/>
-                <a:gd name="vf" fmla="val 115470"/>
-              </a:avLst>
-            </a:prstGeom>
-            <a:solidFill>
-              <a:srgbClr val="DCDCDC"/>
-            </a:solidFill>
-            <a:ln w="38100">
-              <a:solidFill>
-                <a:schemeClr val="bg1"/>
-              </a:solidFill>
-            </a:ln>
-          </p:spPr>
-          <p:style>
-            <a:lnRef idx="2">
-              <a:schemeClr val="accent1">
-                <a:shade val="50000"/>
-              </a:schemeClr>
-            </a:lnRef>
-            <a:fillRef idx="1">
-              <a:schemeClr val="accent1"/>
-            </a:fillRef>
-            <a:effectRef idx="0">
-              <a:schemeClr val="accent1"/>
-            </a:effectRef>
-            <a:fontRef idx="minor">
-              <a:schemeClr val="lt1"/>
-            </a:fontRef>
-          </p:style>
-          <p:txBody>
-            <a:bodyPr rtlCol="0" anchor="ctr"/>
-            <a:lstStyle/>
-            <a:p>
-              <a:pPr algn="ctr"/>
-              <a:endParaRPr lang="ko-KR" altLang="en-US"/>
-            </a:p>
-          </p:txBody>
-        </p:sp>
-        <p:sp>
-          <p:nvSpPr>
-            <p:cNvPr id="114" name="육각형 113"/>
-            <p:cNvSpPr>
-              <a:spLocks noChangeAspect="1"/>
-            </p:cNvSpPr>
-            <p:nvPr/>
-          </p:nvSpPr>
-          <p:spPr>
-            <a:xfrm>
-              <a:off x="3409603" y="5443260"/>
-              <a:ext cx="526053" cy="450315"/>
-            </a:xfrm>
-            <a:prstGeom prst="hexagon">
-              <a:avLst>
-                <a:gd name="adj" fmla="val 28379"/>
-                <a:gd name="vf" fmla="val 115470"/>
-              </a:avLst>
-            </a:prstGeom>
-            <a:solidFill>
-              <a:srgbClr val="DCDCDC"/>
-            </a:solidFill>
-            <a:ln w="38100">
-              <a:solidFill>
-                <a:schemeClr val="bg1"/>
-              </a:solidFill>
-            </a:ln>
-          </p:spPr>
-          <p:style>
-            <a:lnRef idx="2">
-              <a:schemeClr val="accent1">
-                <a:shade val="50000"/>
-              </a:schemeClr>
-            </a:lnRef>
-            <a:fillRef idx="1">
-              <a:schemeClr val="accent1"/>
-            </a:fillRef>
-            <a:effectRef idx="0">
-              <a:schemeClr val="accent1"/>
-            </a:effectRef>
-            <a:fontRef idx="minor">
-              <a:schemeClr val="lt1"/>
-            </a:fontRef>
-          </p:style>
-          <p:txBody>
-            <a:bodyPr rtlCol="0" anchor="ctr"/>
-            <a:lstStyle/>
-            <a:p>
-              <a:pPr algn="ctr"/>
-              <a:endParaRPr lang="ko-KR" altLang="en-US"/>
-            </a:p>
-          </p:txBody>
-        </p:sp>
-        <p:sp>
-          <p:nvSpPr>
-            <p:cNvPr id="115" name="육각형 114"/>
-            <p:cNvSpPr>
-              <a:spLocks noChangeAspect="1"/>
-            </p:cNvSpPr>
-            <p:nvPr/>
-          </p:nvSpPr>
-          <p:spPr>
-            <a:xfrm>
-              <a:off x="3809921" y="5218102"/>
-              <a:ext cx="526053" cy="450315"/>
-            </a:xfrm>
-            <a:prstGeom prst="hexagon">
-              <a:avLst>
-                <a:gd name="adj" fmla="val 28379"/>
-                <a:gd name="vf" fmla="val 115470"/>
-              </a:avLst>
-            </a:prstGeom>
-            <a:solidFill>
-              <a:srgbClr val="DCDCDC"/>
-            </a:solidFill>
-            <a:ln w="38100">
-              <a:solidFill>
-                <a:schemeClr val="bg1"/>
-              </a:solidFill>
-            </a:ln>
-          </p:spPr>
-          <p:style>
-            <a:lnRef idx="2">
-              <a:schemeClr val="accent1">
-                <a:shade val="50000"/>
-              </a:schemeClr>
-            </a:lnRef>
-            <a:fillRef idx="1">
-              <a:schemeClr val="accent1"/>
-            </a:fillRef>
-            <a:effectRef idx="0">
-              <a:schemeClr val="accent1"/>
-            </a:effectRef>
-            <a:fontRef idx="minor">
-              <a:schemeClr val="lt1"/>
-            </a:fontRef>
-          </p:style>
-          <p:txBody>
-            <a:bodyPr rtlCol="0" anchor="ctr"/>
-            <a:lstStyle/>
-            <a:p>
-              <a:pPr algn="ctr"/>
-              <a:endParaRPr lang="ko-KR" altLang="en-US"/>
-            </a:p>
-          </p:txBody>
-        </p:sp>
-        <p:sp>
-          <p:nvSpPr>
-            <p:cNvPr id="116" name="육각형 115"/>
-            <p:cNvSpPr>
-              <a:spLocks noChangeAspect="1"/>
-            </p:cNvSpPr>
-            <p:nvPr/>
-          </p:nvSpPr>
-          <p:spPr>
-            <a:xfrm>
-              <a:off x="4210240" y="5443260"/>
-              <a:ext cx="526053" cy="450315"/>
-            </a:xfrm>
-            <a:prstGeom prst="hexagon">
-              <a:avLst>
-                <a:gd name="adj" fmla="val 28379"/>
-                <a:gd name="vf" fmla="val 115470"/>
-              </a:avLst>
-            </a:prstGeom>
-            <a:solidFill>
-              <a:srgbClr val="DCDCDC"/>
-            </a:solidFill>
-            <a:ln w="38100">
-              <a:solidFill>
-                <a:schemeClr val="bg1"/>
-              </a:solidFill>
-            </a:ln>
-          </p:spPr>
-          <p:style>
-            <a:lnRef idx="2">
-              <a:schemeClr val="accent1">
-                <a:shade val="50000"/>
-              </a:schemeClr>
-            </a:lnRef>
-            <a:fillRef idx="1">
-              <a:schemeClr val="accent1"/>
-            </a:fillRef>
-            <a:effectRef idx="0">
-              <a:schemeClr val="accent1"/>
-            </a:effectRef>
-            <a:fontRef idx="minor">
-              <a:schemeClr val="lt1"/>
-            </a:fontRef>
-          </p:style>
-          <p:txBody>
-            <a:bodyPr rtlCol="0" anchor="ctr"/>
-            <a:lstStyle/>
-            <a:p>
-              <a:pPr algn="ctr"/>
-              <a:endParaRPr lang="ko-KR" altLang="en-US"/>
-            </a:p>
-          </p:txBody>
-        </p:sp>
-        <p:sp>
-          <p:nvSpPr>
-            <p:cNvPr id="117" name="육각형 116"/>
-            <p:cNvSpPr>
-              <a:spLocks noChangeAspect="1"/>
-            </p:cNvSpPr>
-            <p:nvPr/>
-          </p:nvSpPr>
-          <p:spPr>
-            <a:xfrm>
-              <a:off x="4610559" y="5218102"/>
-              <a:ext cx="526053" cy="450315"/>
-            </a:xfrm>
-            <a:prstGeom prst="hexagon">
-              <a:avLst>
-                <a:gd name="adj" fmla="val 28379"/>
-                <a:gd name="vf" fmla="val 115470"/>
-              </a:avLst>
-            </a:prstGeom>
-            <a:solidFill>
-              <a:srgbClr val="DCDCDC"/>
-            </a:solidFill>
-            <a:ln w="38100">
-              <a:solidFill>
-                <a:schemeClr val="bg1"/>
-              </a:solidFill>
-            </a:ln>
-          </p:spPr>
-          <p:style>
-            <a:lnRef idx="2">
-              <a:schemeClr val="accent1">
-                <a:shade val="50000"/>
-              </a:schemeClr>
-            </a:lnRef>
-            <a:fillRef idx="1">
-              <a:schemeClr val="accent1"/>
-            </a:fillRef>
-            <a:effectRef idx="0">
-              <a:schemeClr val="accent1"/>
-            </a:effectRef>
-            <a:fontRef idx="minor">
-              <a:schemeClr val="lt1"/>
-            </a:fontRef>
-          </p:style>
-          <p:txBody>
-            <a:bodyPr rtlCol="0" anchor="ctr"/>
-            <a:lstStyle/>
-            <a:p>
-              <a:pPr algn="ctr"/>
-              <a:endParaRPr lang="ko-KR" altLang="en-US"/>
-            </a:p>
-          </p:txBody>
-        </p:sp>
-        <p:sp>
-          <p:nvSpPr>
-            <p:cNvPr id="118" name="육각형 117"/>
-            <p:cNvSpPr>
-              <a:spLocks noChangeAspect="1"/>
-            </p:cNvSpPr>
-            <p:nvPr/>
-          </p:nvSpPr>
-          <p:spPr>
-            <a:xfrm>
-              <a:off x="3409603" y="5893574"/>
-              <a:ext cx="526053" cy="450315"/>
-            </a:xfrm>
-            <a:prstGeom prst="hexagon">
-              <a:avLst>
-                <a:gd name="adj" fmla="val 28379"/>
-                <a:gd name="vf" fmla="val 115470"/>
-              </a:avLst>
-            </a:prstGeom>
-            <a:solidFill>
-              <a:srgbClr val="DCDCDC"/>
-            </a:solidFill>
-            <a:ln w="38100">
-              <a:solidFill>
-                <a:schemeClr val="bg1"/>
-              </a:solidFill>
-            </a:ln>
-          </p:spPr>
-          <p:style>
-            <a:lnRef idx="2">
-              <a:schemeClr val="accent1">
-                <a:shade val="50000"/>
-              </a:schemeClr>
-            </a:lnRef>
-            <a:fillRef idx="1">
-              <a:schemeClr val="accent1"/>
-            </a:fillRef>
-            <a:effectRef idx="0">
-              <a:schemeClr val="accent1"/>
-            </a:effectRef>
-            <a:fontRef idx="minor">
-              <a:schemeClr val="lt1"/>
-            </a:fontRef>
-          </p:style>
-          <p:txBody>
-            <a:bodyPr rtlCol="0" anchor="ctr"/>
-            <a:lstStyle/>
-            <a:p>
-              <a:pPr algn="ctr"/>
-              <a:endParaRPr lang="ko-KR" altLang="en-US"/>
-            </a:p>
-          </p:txBody>
-        </p:sp>
-        <p:sp>
-          <p:nvSpPr>
-            <p:cNvPr id="119" name="육각형 118"/>
-            <p:cNvSpPr>
-              <a:spLocks noChangeAspect="1"/>
-            </p:cNvSpPr>
-            <p:nvPr/>
-          </p:nvSpPr>
-          <p:spPr>
-            <a:xfrm>
-              <a:off x="3809921" y="5668417"/>
-              <a:ext cx="526053" cy="450315"/>
-            </a:xfrm>
-            <a:prstGeom prst="hexagon">
-              <a:avLst>
-                <a:gd name="adj" fmla="val 28379"/>
-                <a:gd name="vf" fmla="val 115470"/>
-              </a:avLst>
-            </a:prstGeom>
-            <a:solidFill>
-              <a:srgbClr val="DCDCDC"/>
-            </a:solidFill>
-            <a:ln w="38100">
-              <a:solidFill>
-                <a:schemeClr val="bg1"/>
-              </a:solidFill>
-            </a:ln>
-          </p:spPr>
-          <p:style>
-            <a:lnRef idx="2">
-              <a:schemeClr val="accent1">
-                <a:shade val="50000"/>
-              </a:schemeClr>
-            </a:lnRef>
-            <a:fillRef idx="1">
-              <a:schemeClr val="accent1"/>
-            </a:fillRef>
-            <a:effectRef idx="0">
-              <a:schemeClr val="accent1"/>
-            </a:effectRef>
-            <a:fontRef idx="minor">
-              <a:schemeClr val="lt1"/>
-            </a:fontRef>
-          </p:style>
-          <p:txBody>
-            <a:bodyPr rtlCol="0" anchor="ctr"/>
-            <a:lstStyle/>
-            <a:p>
-              <a:pPr algn="ctr"/>
-              <a:endParaRPr lang="ko-KR" altLang="en-US"/>
-            </a:p>
-          </p:txBody>
-        </p:sp>
-        <p:sp>
-          <p:nvSpPr>
-            <p:cNvPr id="120" name="육각형 119"/>
-            <p:cNvSpPr>
-              <a:spLocks noChangeAspect="1"/>
-            </p:cNvSpPr>
-            <p:nvPr/>
-          </p:nvSpPr>
-          <p:spPr>
-            <a:xfrm>
-              <a:off x="4210240" y="5893574"/>
-              <a:ext cx="526053" cy="450315"/>
-            </a:xfrm>
-            <a:prstGeom prst="hexagon">
-              <a:avLst>
-                <a:gd name="adj" fmla="val 28379"/>
-                <a:gd name="vf" fmla="val 115470"/>
-              </a:avLst>
-            </a:prstGeom>
-            <a:solidFill>
-              <a:srgbClr val="DCDCDC"/>
-            </a:solidFill>
-            <a:ln w="38100">
-              <a:solidFill>
-                <a:schemeClr val="bg1"/>
-              </a:solidFill>
-            </a:ln>
-          </p:spPr>
-          <p:style>
-            <a:lnRef idx="2">
-              <a:schemeClr val="accent1">
-                <a:shade val="50000"/>
-              </a:schemeClr>
-            </a:lnRef>
-            <a:fillRef idx="1">
-              <a:schemeClr val="accent1"/>
-            </a:fillRef>
-            <a:effectRef idx="0">
-              <a:schemeClr val="accent1"/>
-            </a:effectRef>
-            <a:fontRef idx="minor">
-              <a:schemeClr val="lt1"/>
-            </a:fontRef>
-          </p:style>
-          <p:txBody>
-            <a:bodyPr rtlCol="0" anchor="ctr"/>
-            <a:lstStyle/>
-            <a:p>
-              <a:pPr algn="ctr"/>
-              <a:endParaRPr lang="ko-KR" altLang="en-US"/>
-            </a:p>
-          </p:txBody>
-        </p:sp>
-        <p:sp>
-          <p:nvSpPr>
-            <p:cNvPr id="121" name="육각형 120"/>
-            <p:cNvSpPr>
-              <a:spLocks noChangeAspect="1"/>
-            </p:cNvSpPr>
-            <p:nvPr/>
-          </p:nvSpPr>
-          <p:spPr>
-            <a:xfrm>
-              <a:off x="4610559" y="5668417"/>
-              <a:ext cx="526053" cy="450315"/>
-            </a:xfrm>
-            <a:prstGeom prst="hexagon">
-              <a:avLst>
-                <a:gd name="adj" fmla="val 28379"/>
-                <a:gd name="vf" fmla="val 115470"/>
-              </a:avLst>
-            </a:prstGeom>
-            <a:solidFill>
-              <a:srgbClr val="DCDCDC"/>
-            </a:solidFill>
-            <a:ln w="38100">
-              <a:solidFill>
-                <a:schemeClr val="bg1"/>
-              </a:solidFill>
-            </a:ln>
-          </p:spPr>
-          <p:style>
-            <a:lnRef idx="2">
-              <a:schemeClr val="accent1">
-                <a:shade val="50000"/>
-              </a:schemeClr>
-            </a:lnRef>
-            <a:fillRef idx="1">
-              <a:schemeClr val="accent1"/>
-            </a:fillRef>
-            <a:effectRef idx="0">
-              <a:schemeClr val="accent1"/>
-            </a:effectRef>
-            <a:fontRef idx="minor">
-              <a:schemeClr val="lt1"/>
-            </a:fontRef>
-          </p:style>
-          <p:txBody>
-            <a:bodyPr rtlCol="0" anchor="ctr"/>
-            <a:lstStyle/>
-            <a:p>
-              <a:pPr algn="ctr"/>
-              <a:endParaRPr lang="ko-KR" altLang="en-US"/>
-            </a:p>
-          </p:txBody>
-        </p:sp>
-        <p:sp>
-          <p:nvSpPr>
-            <p:cNvPr id="122" name="육각형 121"/>
-            <p:cNvSpPr>
-              <a:spLocks noChangeAspect="1"/>
-            </p:cNvSpPr>
-            <p:nvPr/>
-          </p:nvSpPr>
-          <p:spPr>
-            <a:xfrm>
-              <a:off x="3009284" y="5218102"/>
-              <a:ext cx="526053" cy="450315"/>
-            </a:xfrm>
-            <a:prstGeom prst="hexagon">
-              <a:avLst>
-                <a:gd name="adj" fmla="val 28379"/>
-                <a:gd name="vf" fmla="val 115470"/>
-              </a:avLst>
-            </a:prstGeom>
-            <a:solidFill>
-              <a:srgbClr val="DCDCDC"/>
-            </a:solidFill>
-            <a:ln w="38100">
-              <a:solidFill>
-                <a:schemeClr val="bg1"/>
-              </a:solidFill>
-            </a:ln>
-          </p:spPr>
-          <p:style>
-            <a:lnRef idx="2">
-              <a:schemeClr val="accent1">
-                <a:shade val="50000"/>
-              </a:schemeClr>
-            </a:lnRef>
-            <a:fillRef idx="1">
-              <a:schemeClr val="accent1"/>
-            </a:fillRef>
-            <a:effectRef idx="0">
-              <a:schemeClr val="accent1"/>
-            </a:effectRef>
-            <a:fontRef idx="minor">
-              <a:schemeClr val="lt1"/>
-            </a:fontRef>
-          </p:style>
-          <p:txBody>
-            <a:bodyPr rtlCol="0" anchor="ctr"/>
-            <a:lstStyle/>
-            <a:p>
-              <a:pPr algn="ctr"/>
-              <a:endParaRPr lang="ko-KR" altLang="en-US"/>
-            </a:p>
-          </p:txBody>
-        </p:sp>
-        <p:sp>
-          <p:nvSpPr>
             <p:cNvPr id="123" name="육각형 122"/>
             <p:cNvSpPr>
               <a:spLocks noChangeAspect="1"/>
@@ -14028,165 +12616,6 @@
           <p:spPr>
             <a:xfrm>
               <a:off x="3009284" y="5668417"/>
-              <a:ext cx="526053" cy="450315"/>
-            </a:xfrm>
-            <a:prstGeom prst="hexagon">
-              <a:avLst>
-                <a:gd name="adj" fmla="val 28379"/>
-                <a:gd name="vf" fmla="val 115470"/>
-              </a:avLst>
-            </a:prstGeom>
-            <a:solidFill>
-              <a:srgbClr val="DCDCDC"/>
-            </a:solidFill>
-            <a:ln w="38100">
-              <a:solidFill>
-                <a:schemeClr val="bg1"/>
-              </a:solidFill>
-            </a:ln>
-          </p:spPr>
-          <p:style>
-            <a:lnRef idx="2">
-              <a:schemeClr val="accent1">
-                <a:shade val="50000"/>
-              </a:schemeClr>
-            </a:lnRef>
-            <a:fillRef idx="1">
-              <a:schemeClr val="accent1"/>
-            </a:fillRef>
-            <a:effectRef idx="0">
-              <a:schemeClr val="accent1"/>
-            </a:effectRef>
-            <a:fontRef idx="minor">
-              <a:schemeClr val="lt1"/>
-            </a:fontRef>
-          </p:style>
-          <p:txBody>
-            <a:bodyPr rtlCol="0" anchor="ctr"/>
-            <a:lstStyle/>
-            <a:p>
-              <a:pPr algn="ctr"/>
-              <a:endParaRPr lang="ko-KR" altLang="en-US"/>
-            </a:p>
-          </p:txBody>
-        </p:sp>
-        <p:sp>
-          <p:nvSpPr>
-            <p:cNvPr id="124" name="육각형 123"/>
-            <p:cNvSpPr>
-              <a:spLocks noChangeAspect="1"/>
-            </p:cNvSpPr>
-            <p:nvPr/>
-          </p:nvSpPr>
-          <p:spPr>
-            <a:xfrm>
-              <a:off x="5010877" y="5443260"/>
-              <a:ext cx="526053" cy="450315"/>
-            </a:xfrm>
-            <a:prstGeom prst="hexagon">
-              <a:avLst>
-                <a:gd name="adj" fmla="val 28379"/>
-                <a:gd name="vf" fmla="val 115470"/>
-              </a:avLst>
-            </a:prstGeom>
-            <a:solidFill>
-              <a:srgbClr val="DCDCDC"/>
-            </a:solidFill>
-            <a:ln w="38100">
-              <a:solidFill>
-                <a:schemeClr val="bg1"/>
-              </a:solidFill>
-            </a:ln>
-          </p:spPr>
-          <p:style>
-            <a:lnRef idx="2">
-              <a:schemeClr val="accent1">
-                <a:shade val="50000"/>
-              </a:schemeClr>
-            </a:lnRef>
-            <a:fillRef idx="1">
-              <a:schemeClr val="accent1"/>
-            </a:fillRef>
-            <a:effectRef idx="0">
-              <a:schemeClr val="accent1"/>
-            </a:effectRef>
-            <a:fontRef idx="minor">
-              <a:schemeClr val="lt1"/>
-            </a:fontRef>
-          </p:style>
-          <p:txBody>
-            <a:bodyPr rtlCol="0" anchor="ctr"/>
-            <a:lstStyle/>
-            <a:p>
-              <a:pPr algn="ctr"/>
-              <a:endParaRPr lang="ko-KR" altLang="en-US"/>
-            </a:p>
-          </p:txBody>
-        </p:sp>
-        <p:sp>
-          <p:nvSpPr>
-            <p:cNvPr id="125" name="육각형 124"/>
-            <p:cNvSpPr>
-              <a:spLocks noChangeAspect="1"/>
-            </p:cNvSpPr>
-            <p:nvPr/>
-          </p:nvSpPr>
-          <p:spPr>
-            <a:xfrm>
-              <a:off x="5411196" y="5218102"/>
-              <a:ext cx="526053" cy="450315"/>
-            </a:xfrm>
-            <a:prstGeom prst="hexagon">
-              <a:avLst>
-                <a:gd name="adj" fmla="val 28379"/>
-                <a:gd name="vf" fmla="val 115470"/>
-              </a:avLst>
-            </a:prstGeom>
-            <a:solidFill>
-              <a:srgbClr val="DCDCDC"/>
-            </a:solidFill>
-            <a:ln w="38100">
-              <a:solidFill>
-                <a:schemeClr val="bg1"/>
-              </a:solidFill>
-            </a:ln>
-          </p:spPr>
-          <p:style>
-            <a:lnRef idx="2">
-              <a:schemeClr val="accent1">
-                <a:shade val="50000"/>
-              </a:schemeClr>
-            </a:lnRef>
-            <a:fillRef idx="1">
-              <a:schemeClr val="accent1"/>
-            </a:fillRef>
-            <a:effectRef idx="0">
-              <a:schemeClr val="accent1"/>
-            </a:effectRef>
-            <a:fontRef idx="minor">
-              <a:schemeClr val="lt1"/>
-            </a:fontRef>
-          </p:style>
-          <p:txBody>
-            <a:bodyPr rtlCol="0" anchor="ctr"/>
-            <a:lstStyle/>
-            <a:p>
-              <a:pPr algn="ctr"/>
-              <a:endParaRPr lang="ko-KR" altLang="en-US"/>
-            </a:p>
-          </p:txBody>
-        </p:sp>
-        <p:sp>
-          <p:nvSpPr>
-            <p:cNvPr id="126" name="육각형 125"/>
-            <p:cNvSpPr>
-              <a:spLocks noChangeAspect="1"/>
-            </p:cNvSpPr>
-            <p:nvPr/>
-          </p:nvSpPr>
-          <p:spPr>
-            <a:xfrm>
-              <a:off x="5811514" y="5443260"/>
               <a:ext cx="526053" cy="450315"/>
             </a:xfrm>
             <a:prstGeom prst="hexagon">
@@ -14691,7 +13120,1173 @@
             </p:style>
           </p:cxnSp>
         </p:grpSp>
+        <p:sp>
+          <p:nvSpPr>
+            <p:cNvPr id="52" name="육각형 51"/>
+            <p:cNvSpPr>
+              <a:spLocks noChangeAspect="1"/>
+            </p:cNvSpPr>
+            <p:nvPr/>
+          </p:nvSpPr>
+          <p:spPr>
+            <a:xfrm>
+              <a:off x="3409603" y="3642001"/>
+              <a:ext cx="526053" cy="450315"/>
+            </a:xfrm>
+            <a:prstGeom prst="hexagon">
+              <a:avLst>
+                <a:gd name="adj" fmla="val 28379"/>
+                <a:gd name="vf" fmla="val 115470"/>
+              </a:avLst>
+            </a:prstGeom>
+            <a:solidFill>
+              <a:srgbClr val="DCDCDC"/>
+            </a:solidFill>
+            <a:ln w="38100">
+              <a:solidFill>
+                <a:srgbClr val="FFFFFF"/>
+              </a:solidFill>
+            </a:ln>
+          </p:spPr>
+          <p:style>
+            <a:lnRef idx="2">
+              <a:schemeClr val="accent1">
+                <a:shade val="50000"/>
+              </a:schemeClr>
+            </a:lnRef>
+            <a:fillRef idx="1">
+              <a:schemeClr val="accent1"/>
+            </a:fillRef>
+            <a:effectRef idx="0">
+              <a:schemeClr val="accent1"/>
+            </a:effectRef>
+            <a:fontRef idx="minor">
+              <a:schemeClr val="lt1"/>
+            </a:fontRef>
+          </p:style>
+          <p:txBody>
+            <a:bodyPr rtlCol="0" anchor="ctr"/>
+            <a:lstStyle/>
+            <a:p>
+              <a:pPr algn="ctr"/>
+              <a:endParaRPr lang="ko-KR" altLang="en-US"/>
+            </a:p>
+          </p:txBody>
+        </p:sp>
+        <p:sp>
+          <p:nvSpPr>
+            <p:cNvPr id="54" name="육각형 53"/>
+            <p:cNvSpPr>
+              <a:spLocks noChangeAspect="1"/>
+            </p:cNvSpPr>
+            <p:nvPr/>
+          </p:nvSpPr>
+          <p:spPr>
+            <a:xfrm>
+              <a:off x="4210240" y="3642001"/>
+              <a:ext cx="526053" cy="450315"/>
+            </a:xfrm>
+            <a:prstGeom prst="hexagon">
+              <a:avLst>
+                <a:gd name="adj" fmla="val 28379"/>
+                <a:gd name="vf" fmla="val 115470"/>
+              </a:avLst>
+            </a:prstGeom>
+            <a:solidFill>
+              <a:srgbClr val="DCDCDC"/>
+            </a:solidFill>
+            <a:ln w="38100">
+              <a:solidFill>
+                <a:srgbClr val="FFFFFF"/>
+              </a:solidFill>
+            </a:ln>
+          </p:spPr>
+          <p:style>
+            <a:lnRef idx="2">
+              <a:schemeClr val="accent1">
+                <a:shade val="50000"/>
+              </a:schemeClr>
+            </a:lnRef>
+            <a:fillRef idx="1">
+              <a:schemeClr val="accent1"/>
+            </a:fillRef>
+            <a:effectRef idx="0">
+              <a:schemeClr val="accent1"/>
+            </a:effectRef>
+            <a:fontRef idx="minor">
+              <a:schemeClr val="lt1"/>
+            </a:fontRef>
+          </p:style>
+          <p:txBody>
+            <a:bodyPr rtlCol="0" anchor="ctr"/>
+            <a:lstStyle/>
+            <a:p>
+              <a:pPr algn="ctr"/>
+              <a:endParaRPr lang="ko-KR" altLang="en-US"/>
+            </a:p>
+          </p:txBody>
+        </p:sp>
+        <p:sp>
+          <p:nvSpPr>
+            <p:cNvPr id="57" name="육각형 56"/>
+            <p:cNvSpPr>
+              <a:spLocks noChangeAspect="1"/>
+            </p:cNvSpPr>
+            <p:nvPr/>
+          </p:nvSpPr>
+          <p:spPr>
+            <a:xfrm>
+              <a:off x="3809921" y="3867158"/>
+              <a:ext cx="526053" cy="450315"/>
+            </a:xfrm>
+            <a:prstGeom prst="hexagon">
+              <a:avLst>
+                <a:gd name="adj" fmla="val 28379"/>
+                <a:gd name="vf" fmla="val 115470"/>
+              </a:avLst>
+            </a:prstGeom>
+            <a:solidFill>
+              <a:srgbClr val="DCDCDC"/>
+            </a:solidFill>
+            <a:ln w="38100">
+              <a:solidFill>
+                <a:srgbClr val="FFFFFF"/>
+              </a:solidFill>
+            </a:ln>
+          </p:spPr>
+          <p:style>
+            <a:lnRef idx="2">
+              <a:schemeClr val="accent1">
+                <a:shade val="50000"/>
+              </a:schemeClr>
+            </a:lnRef>
+            <a:fillRef idx="1">
+              <a:schemeClr val="accent1"/>
+            </a:fillRef>
+            <a:effectRef idx="0">
+              <a:schemeClr val="accent1"/>
+            </a:effectRef>
+            <a:fontRef idx="minor">
+              <a:schemeClr val="lt1"/>
+            </a:fontRef>
+          </p:style>
+          <p:txBody>
+            <a:bodyPr rtlCol="0" anchor="ctr"/>
+            <a:lstStyle/>
+            <a:p>
+              <a:pPr algn="ctr"/>
+              <a:endParaRPr lang="ko-KR" altLang="en-US"/>
+            </a:p>
+          </p:txBody>
+        </p:sp>
+        <p:sp>
+          <p:nvSpPr>
+            <p:cNvPr id="59" name="육각형 58"/>
+            <p:cNvSpPr>
+              <a:spLocks noChangeAspect="1"/>
+            </p:cNvSpPr>
+            <p:nvPr/>
+          </p:nvSpPr>
+          <p:spPr>
+            <a:xfrm>
+              <a:off x="4610559" y="3867158"/>
+              <a:ext cx="526053" cy="450315"/>
+            </a:xfrm>
+            <a:prstGeom prst="hexagon">
+              <a:avLst>
+                <a:gd name="adj" fmla="val 28379"/>
+                <a:gd name="vf" fmla="val 115470"/>
+              </a:avLst>
+            </a:prstGeom>
+            <a:solidFill>
+              <a:srgbClr val="DCDCDC"/>
+            </a:solidFill>
+            <a:ln w="38100">
+              <a:solidFill>
+                <a:srgbClr val="FFFFFF"/>
+              </a:solidFill>
+            </a:ln>
+          </p:spPr>
+          <p:style>
+            <a:lnRef idx="2">
+              <a:schemeClr val="accent1">
+                <a:shade val="50000"/>
+              </a:schemeClr>
+            </a:lnRef>
+            <a:fillRef idx="1">
+              <a:schemeClr val="accent1"/>
+            </a:fillRef>
+            <a:effectRef idx="0">
+              <a:schemeClr val="accent1"/>
+            </a:effectRef>
+            <a:fontRef idx="minor">
+              <a:schemeClr val="lt1"/>
+            </a:fontRef>
+          </p:style>
+          <p:txBody>
+            <a:bodyPr rtlCol="0" anchor="ctr"/>
+            <a:lstStyle/>
+            <a:p>
+              <a:pPr algn="ctr"/>
+              <a:endParaRPr lang="ko-KR" altLang="en-US"/>
+            </a:p>
+          </p:txBody>
+        </p:sp>
+        <p:sp>
+          <p:nvSpPr>
+            <p:cNvPr id="88" name="육각형 87"/>
+            <p:cNvSpPr>
+              <a:spLocks noChangeAspect="1"/>
+            </p:cNvSpPr>
+            <p:nvPr/>
+          </p:nvSpPr>
+          <p:spPr>
+            <a:xfrm>
+              <a:off x="5010877" y="3642001"/>
+              <a:ext cx="526053" cy="450315"/>
+            </a:xfrm>
+            <a:prstGeom prst="hexagon">
+              <a:avLst>
+                <a:gd name="adj" fmla="val 28379"/>
+                <a:gd name="vf" fmla="val 115470"/>
+              </a:avLst>
+            </a:prstGeom>
+            <a:solidFill>
+              <a:srgbClr val="DCDCDC"/>
+            </a:solidFill>
+            <a:ln w="38100">
+              <a:solidFill>
+                <a:srgbClr val="FFFFFF"/>
+              </a:solidFill>
+            </a:ln>
+          </p:spPr>
+          <p:style>
+            <a:lnRef idx="2">
+              <a:schemeClr val="accent1">
+                <a:shade val="50000"/>
+              </a:schemeClr>
+            </a:lnRef>
+            <a:fillRef idx="1">
+              <a:schemeClr val="accent1"/>
+            </a:fillRef>
+            <a:effectRef idx="0">
+              <a:schemeClr val="accent1"/>
+            </a:effectRef>
+            <a:fontRef idx="minor">
+              <a:schemeClr val="lt1"/>
+            </a:fontRef>
+          </p:style>
+          <p:txBody>
+            <a:bodyPr rtlCol="0" anchor="ctr"/>
+            <a:lstStyle/>
+            <a:p>
+              <a:pPr algn="ctr"/>
+              <a:endParaRPr lang="ko-KR" altLang="en-US"/>
+            </a:p>
+          </p:txBody>
+        </p:sp>
+        <p:sp>
+          <p:nvSpPr>
+            <p:cNvPr id="90" name="육각형 89"/>
+            <p:cNvSpPr>
+              <a:spLocks noChangeAspect="1"/>
+            </p:cNvSpPr>
+            <p:nvPr/>
+          </p:nvSpPr>
+          <p:spPr>
+            <a:xfrm>
+              <a:off x="5811514" y="3642001"/>
+              <a:ext cx="526053" cy="450315"/>
+            </a:xfrm>
+            <a:prstGeom prst="hexagon">
+              <a:avLst>
+                <a:gd name="adj" fmla="val 28379"/>
+                <a:gd name="vf" fmla="val 115470"/>
+              </a:avLst>
+            </a:prstGeom>
+            <a:solidFill>
+              <a:srgbClr val="DCDCDC"/>
+            </a:solidFill>
+            <a:ln w="38100">
+              <a:solidFill>
+                <a:srgbClr val="FFFFFF"/>
+              </a:solidFill>
+            </a:ln>
+          </p:spPr>
+          <p:style>
+            <a:lnRef idx="2">
+              <a:schemeClr val="accent1">
+                <a:shade val="50000"/>
+              </a:schemeClr>
+            </a:lnRef>
+            <a:fillRef idx="1">
+              <a:schemeClr val="accent1"/>
+            </a:fillRef>
+            <a:effectRef idx="0">
+              <a:schemeClr val="accent1"/>
+            </a:effectRef>
+            <a:fontRef idx="minor">
+              <a:schemeClr val="lt1"/>
+            </a:fontRef>
+          </p:style>
+          <p:txBody>
+            <a:bodyPr rtlCol="0" anchor="ctr"/>
+            <a:lstStyle/>
+            <a:p>
+              <a:pPr algn="ctr"/>
+              <a:endParaRPr lang="ko-KR" altLang="en-US"/>
+            </a:p>
+          </p:txBody>
+        </p:sp>
+        <p:sp>
+          <p:nvSpPr>
+            <p:cNvPr id="93" name="육각형 92"/>
+            <p:cNvSpPr>
+              <a:spLocks noChangeAspect="1"/>
+            </p:cNvSpPr>
+            <p:nvPr/>
+          </p:nvSpPr>
+          <p:spPr>
+            <a:xfrm>
+              <a:off x="5411196" y="3867158"/>
+              <a:ext cx="526053" cy="450315"/>
+            </a:xfrm>
+            <a:prstGeom prst="hexagon">
+              <a:avLst>
+                <a:gd name="adj" fmla="val 28379"/>
+                <a:gd name="vf" fmla="val 115470"/>
+              </a:avLst>
+            </a:prstGeom>
+            <a:solidFill>
+              <a:srgbClr val="DCDCDC"/>
+            </a:solidFill>
+            <a:ln w="38100">
+              <a:solidFill>
+                <a:srgbClr val="FFFFFF"/>
+              </a:solidFill>
+            </a:ln>
+          </p:spPr>
+          <p:style>
+            <a:lnRef idx="2">
+              <a:schemeClr val="accent1">
+                <a:shade val="50000"/>
+              </a:schemeClr>
+            </a:lnRef>
+            <a:fillRef idx="1">
+              <a:schemeClr val="accent1"/>
+            </a:fillRef>
+            <a:effectRef idx="0">
+              <a:schemeClr val="accent1"/>
+            </a:effectRef>
+            <a:fontRef idx="minor">
+              <a:schemeClr val="lt1"/>
+            </a:fontRef>
+          </p:style>
+          <p:txBody>
+            <a:bodyPr rtlCol="0" anchor="ctr"/>
+            <a:lstStyle/>
+            <a:p>
+              <a:pPr algn="ctr"/>
+              <a:endParaRPr lang="ko-KR" altLang="en-US"/>
+            </a:p>
+          </p:txBody>
+        </p:sp>
+        <p:sp>
+          <p:nvSpPr>
+            <p:cNvPr id="114" name="육각형 113"/>
+            <p:cNvSpPr>
+              <a:spLocks noChangeAspect="1"/>
+            </p:cNvSpPr>
+            <p:nvPr/>
+          </p:nvSpPr>
+          <p:spPr>
+            <a:xfrm>
+              <a:off x="3409603" y="5443260"/>
+              <a:ext cx="526053" cy="450315"/>
+            </a:xfrm>
+            <a:prstGeom prst="hexagon">
+              <a:avLst>
+                <a:gd name="adj" fmla="val 28379"/>
+                <a:gd name="vf" fmla="val 115470"/>
+              </a:avLst>
+            </a:prstGeom>
+            <a:solidFill>
+              <a:srgbClr val="8181FF"/>
+            </a:solidFill>
+            <a:ln w="38100">
+              <a:solidFill>
+                <a:srgbClr val="000076"/>
+              </a:solidFill>
+            </a:ln>
+          </p:spPr>
+          <p:style>
+            <a:lnRef idx="2">
+              <a:schemeClr val="accent1">
+                <a:shade val="50000"/>
+              </a:schemeClr>
+            </a:lnRef>
+            <a:fillRef idx="1">
+              <a:schemeClr val="accent1"/>
+            </a:fillRef>
+            <a:effectRef idx="0">
+              <a:schemeClr val="accent1"/>
+            </a:effectRef>
+            <a:fontRef idx="minor">
+              <a:schemeClr val="lt1"/>
+            </a:fontRef>
+          </p:style>
+          <p:txBody>
+            <a:bodyPr rtlCol="0" anchor="ctr"/>
+            <a:lstStyle/>
+            <a:p>
+              <a:pPr algn="ctr"/>
+              <a:endParaRPr lang="ko-KR" altLang="en-US"/>
+            </a:p>
+          </p:txBody>
+        </p:sp>
+        <p:sp>
+          <p:nvSpPr>
+            <p:cNvPr id="115" name="육각형 114"/>
+            <p:cNvSpPr>
+              <a:spLocks noChangeAspect="1"/>
+            </p:cNvSpPr>
+            <p:nvPr/>
+          </p:nvSpPr>
+          <p:spPr>
+            <a:xfrm>
+              <a:off x="3809921" y="5218102"/>
+              <a:ext cx="526053" cy="450315"/>
+            </a:xfrm>
+            <a:prstGeom prst="hexagon">
+              <a:avLst>
+                <a:gd name="adj" fmla="val 28379"/>
+                <a:gd name="vf" fmla="val 115470"/>
+              </a:avLst>
+            </a:prstGeom>
+            <a:solidFill>
+              <a:srgbClr val="8181FF"/>
+            </a:solidFill>
+            <a:ln w="38100">
+              <a:solidFill>
+                <a:srgbClr val="000076"/>
+              </a:solidFill>
+            </a:ln>
+          </p:spPr>
+          <p:style>
+            <a:lnRef idx="2">
+              <a:schemeClr val="accent1">
+                <a:shade val="50000"/>
+              </a:schemeClr>
+            </a:lnRef>
+            <a:fillRef idx="1">
+              <a:schemeClr val="accent1"/>
+            </a:fillRef>
+            <a:effectRef idx="0">
+              <a:schemeClr val="accent1"/>
+            </a:effectRef>
+            <a:fontRef idx="minor">
+              <a:schemeClr val="lt1"/>
+            </a:fontRef>
+          </p:style>
+          <p:txBody>
+            <a:bodyPr rtlCol="0" anchor="ctr"/>
+            <a:lstStyle/>
+            <a:p>
+              <a:pPr algn="ctr"/>
+              <a:endParaRPr lang="ko-KR" altLang="en-US"/>
+            </a:p>
+          </p:txBody>
+        </p:sp>
+        <p:sp>
+          <p:nvSpPr>
+            <p:cNvPr id="116" name="육각형 115"/>
+            <p:cNvSpPr>
+              <a:spLocks noChangeAspect="1"/>
+            </p:cNvSpPr>
+            <p:nvPr/>
+          </p:nvSpPr>
+          <p:spPr>
+            <a:xfrm>
+              <a:off x="4210240" y="5443260"/>
+              <a:ext cx="526053" cy="450315"/>
+            </a:xfrm>
+            <a:prstGeom prst="hexagon">
+              <a:avLst>
+                <a:gd name="adj" fmla="val 28379"/>
+                <a:gd name="vf" fmla="val 115470"/>
+              </a:avLst>
+            </a:prstGeom>
+            <a:solidFill>
+              <a:srgbClr val="8181FF"/>
+            </a:solidFill>
+            <a:ln w="38100">
+              <a:solidFill>
+                <a:srgbClr val="000076"/>
+              </a:solidFill>
+            </a:ln>
+          </p:spPr>
+          <p:style>
+            <a:lnRef idx="2">
+              <a:schemeClr val="accent1">
+                <a:shade val="50000"/>
+              </a:schemeClr>
+            </a:lnRef>
+            <a:fillRef idx="1">
+              <a:schemeClr val="accent1"/>
+            </a:fillRef>
+            <a:effectRef idx="0">
+              <a:schemeClr val="accent1"/>
+            </a:effectRef>
+            <a:fontRef idx="minor">
+              <a:schemeClr val="lt1"/>
+            </a:fontRef>
+          </p:style>
+          <p:txBody>
+            <a:bodyPr rtlCol="0" anchor="ctr"/>
+            <a:lstStyle/>
+            <a:p>
+              <a:pPr algn="ctr"/>
+              <a:endParaRPr lang="ko-KR" altLang="en-US"/>
+            </a:p>
+          </p:txBody>
+        </p:sp>
+        <p:sp>
+          <p:nvSpPr>
+            <p:cNvPr id="117" name="육각형 116"/>
+            <p:cNvSpPr>
+              <a:spLocks noChangeAspect="1"/>
+            </p:cNvSpPr>
+            <p:nvPr/>
+          </p:nvSpPr>
+          <p:spPr>
+            <a:xfrm>
+              <a:off x="4610559" y="5218102"/>
+              <a:ext cx="526053" cy="450315"/>
+            </a:xfrm>
+            <a:prstGeom prst="hexagon">
+              <a:avLst>
+                <a:gd name="adj" fmla="val 28379"/>
+                <a:gd name="vf" fmla="val 115470"/>
+              </a:avLst>
+            </a:prstGeom>
+            <a:solidFill>
+              <a:srgbClr val="8181FF"/>
+            </a:solidFill>
+            <a:ln w="38100">
+              <a:solidFill>
+                <a:srgbClr val="000076"/>
+              </a:solidFill>
+            </a:ln>
+          </p:spPr>
+          <p:style>
+            <a:lnRef idx="2">
+              <a:schemeClr val="accent1">
+                <a:shade val="50000"/>
+              </a:schemeClr>
+            </a:lnRef>
+            <a:fillRef idx="1">
+              <a:schemeClr val="accent1"/>
+            </a:fillRef>
+            <a:effectRef idx="0">
+              <a:schemeClr val="accent1"/>
+            </a:effectRef>
+            <a:fontRef idx="minor">
+              <a:schemeClr val="lt1"/>
+            </a:fontRef>
+          </p:style>
+          <p:txBody>
+            <a:bodyPr rtlCol="0" anchor="ctr"/>
+            <a:lstStyle/>
+            <a:p>
+              <a:pPr algn="ctr"/>
+              <a:endParaRPr lang="ko-KR" altLang="en-US"/>
+            </a:p>
+          </p:txBody>
+        </p:sp>
+        <p:sp>
+          <p:nvSpPr>
+            <p:cNvPr id="124" name="육각형 123"/>
+            <p:cNvSpPr>
+              <a:spLocks noChangeAspect="1"/>
+            </p:cNvSpPr>
+            <p:nvPr/>
+          </p:nvSpPr>
+          <p:spPr>
+            <a:xfrm>
+              <a:off x="5010877" y="5443260"/>
+              <a:ext cx="526053" cy="450315"/>
+            </a:xfrm>
+            <a:prstGeom prst="hexagon">
+              <a:avLst>
+                <a:gd name="adj" fmla="val 28379"/>
+                <a:gd name="vf" fmla="val 115470"/>
+              </a:avLst>
+            </a:prstGeom>
+            <a:solidFill>
+              <a:srgbClr val="8181FF"/>
+            </a:solidFill>
+            <a:ln w="38100">
+              <a:solidFill>
+                <a:srgbClr val="000076"/>
+              </a:solidFill>
+            </a:ln>
+          </p:spPr>
+          <p:style>
+            <a:lnRef idx="2">
+              <a:schemeClr val="accent1">
+                <a:shade val="50000"/>
+              </a:schemeClr>
+            </a:lnRef>
+            <a:fillRef idx="1">
+              <a:schemeClr val="accent1"/>
+            </a:fillRef>
+            <a:effectRef idx="0">
+              <a:schemeClr val="accent1"/>
+            </a:effectRef>
+            <a:fontRef idx="minor">
+              <a:schemeClr val="lt1"/>
+            </a:fontRef>
+          </p:style>
+          <p:txBody>
+            <a:bodyPr rtlCol="0" anchor="ctr"/>
+            <a:lstStyle/>
+            <a:p>
+              <a:pPr algn="ctr"/>
+              <a:endParaRPr lang="ko-KR" altLang="en-US"/>
+            </a:p>
+          </p:txBody>
+        </p:sp>
+        <p:sp>
+          <p:nvSpPr>
+            <p:cNvPr id="125" name="육각형 124"/>
+            <p:cNvSpPr>
+              <a:spLocks noChangeAspect="1"/>
+            </p:cNvSpPr>
+            <p:nvPr/>
+          </p:nvSpPr>
+          <p:spPr>
+            <a:xfrm>
+              <a:off x="5411196" y="5218102"/>
+              <a:ext cx="526053" cy="450315"/>
+            </a:xfrm>
+            <a:prstGeom prst="hexagon">
+              <a:avLst>
+                <a:gd name="adj" fmla="val 28379"/>
+                <a:gd name="vf" fmla="val 115470"/>
+              </a:avLst>
+            </a:prstGeom>
+            <a:solidFill>
+              <a:srgbClr val="8181FF"/>
+            </a:solidFill>
+            <a:ln w="38100">
+              <a:solidFill>
+                <a:srgbClr val="000076"/>
+              </a:solidFill>
+            </a:ln>
+          </p:spPr>
+          <p:style>
+            <a:lnRef idx="2">
+              <a:schemeClr val="accent1">
+                <a:shade val="50000"/>
+              </a:schemeClr>
+            </a:lnRef>
+            <a:fillRef idx="1">
+              <a:schemeClr val="accent1"/>
+            </a:fillRef>
+            <a:effectRef idx="0">
+              <a:schemeClr val="accent1"/>
+            </a:effectRef>
+            <a:fontRef idx="minor">
+              <a:schemeClr val="lt1"/>
+            </a:fontRef>
+          </p:style>
+          <p:txBody>
+            <a:bodyPr rtlCol="0" anchor="ctr"/>
+            <a:lstStyle/>
+            <a:p>
+              <a:pPr algn="ctr"/>
+              <a:endParaRPr lang="ko-KR" altLang="en-US"/>
+            </a:p>
+          </p:txBody>
+        </p:sp>
+        <p:sp>
+          <p:nvSpPr>
+            <p:cNvPr id="126" name="육각형 125"/>
+            <p:cNvSpPr>
+              <a:spLocks noChangeAspect="1"/>
+            </p:cNvSpPr>
+            <p:nvPr/>
+          </p:nvSpPr>
+          <p:spPr>
+            <a:xfrm>
+              <a:off x="5811514" y="5443260"/>
+              <a:ext cx="526053" cy="450315"/>
+            </a:xfrm>
+            <a:prstGeom prst="hexagon">
+              <a:avLst>
+                <a:gd name="adj" fmla="val 28379"/>
+                <a:gd name="vf" fmla="val 115470"/>
+              </a:avLst>
+            </a:prstGeom>
+            <a:solidFill>
+              <a:srgbClr val="8181FF"/>
+            </a:solidFill>
+            <a:ln w="38100">
+              <a:solidFill>
+                <a:srgbClr val="000076"/>
+              </a:solidFill>
+            </a:ln>
+          </p:spPr>
+          <p:style>
+            <a:lnRef idx="2">
+              <a:schemeClr val="accent1">
+                <a:shade val="50000"/>
+              </a:schemeClr>
+            </a:lnRef>
+            <a:fillRef idx="1">
+              <a:schemeClr val="accent1"/>
+            </a:fillRef>
+            <a:effectRef idx="0">
+              <a:schemeClr val="accent1"/>
+            </a:effectRef>
+            <a:fontRef idx="minor">
+              <a:schemeClr val="lt1"/>
+            </a:fontRef>
+          </p:style>
+          <p:txBody>
+            <a:bodyPr rtlCol="0" anchor="ctr"/>
+            <a:lstStyle/>
+            <a:p>
+              <a:pPr algn="ctr"/>
+              <a:endParaRPr lang="ko-KR" altLang="en-US"/>
+            </a:p>
+          </p:txBody>
+        </p:sp>
+        <p:sp>
+          <p:nvSpPr>
+            <p:cNvPr id="56" name="육각형 55"/>
+            <p:cNvSpPr>
+              <a:spLocks noChangeAspect="1"/>
+            </p:cNvSpPr>
+            <p:nvPr/>
+          </p:nvSpPr>
+          <p:spPr>
+            <a:xfrm>
+              <a:off x="3409603" y="4092316"/>
+              <a:ext cx="526053" cy="450315"/>
+            </a:xfrm>
+            <a:prstGeom prst="hexagon">
+              <a:avLst>
+                <a:gd name="adj" fmla="val 28379"/>
+                <a:gd name="vf" fmla="val 115470"/>
+              </a:avLst>
+            </a:prstGeom>
+            <a:solidFill>
+              <a:srgbClr val="FFFF96"/>
+            </a:solidFill>
+            <a:ln w="38100">
+              <a:solidFill>
+                <a:srgbClr val="DFDA00"/>
+              </a:solidFill>
+            </a:ln>
+          </p:spPr>
+          <p:style>
+            <a:lnRef idx="2">
+              <a:schemeClr val="accent1">
+                <a:shade val="50000"/>
+              </a:schemeClr>
+            </a:lnRef>
+            <a:fillRef idx="1">
+              <a:schemeClr val="accent1"/>
+            </a:fillRef>
+            <a:effectRef idx="0">
+              <a:schemeClr val="accent1"/>
+            </a:effectRef>
+            <a:fontRef idx="minor">
+              <a:schemeClr val="lt1"/>
+            </a:fontRef>
+          </p:style>
+          <p:txBody>
+            <a:bodyPr rtlCol="0" anchor="ctr"/>
+            <a:lstStyle/>
+            <a:p>
+              <a:pPr algn="ctr"/>
+              <a:endParaRPr lang="ko-KR" altLang="en-US"/>
+            </a:p>
+          </p:txBody>
+        </p:sp>
+        <p:sp>
+          <p:nvSpPr>
+            <p:cNvPr id="58" name="육각형 57"/>
+            <p:cNvSpPr>
+              <a:spLocks noChangeAspect="1"/>
+            </p:cNvSpPr>
+            <p:nvPr/>
+          </p:nvSpPr>
+          <p:spPr>
+            <a:xfrm>
+              <a:off x="4210240" y="4092316"/>
+              <a:ext cx="526053" cy="450315"/>
+            </a:xfrm>
+            <a:prstGeom prst="hexagon">
+              <a:avLst>
+                <a:gd name="adj" fmla="val 28379"/>
+                <a:gd name="vf" fmla="val 115470"/>
+              </a:avLst>
+            </a:prstGeom>
+            <a:solidFill>
+              <a:srgbClr val="FFFF96"/>
+            </a:solidFill>
+            <a:ln w="38100">
+              <a:solidFill>
+                <a:srgbClr val="DFDA00"/>
+              </a:solidFill>
+            </a:ln>
+          </p:spPr>
+          <p:style>
+            <a:lnRef idx="2">
+              <a:schemeClr val="accent1">
+                <a:shade val="50000"/>
+              </a:schemeClr>
+            </a:lnRef>
+            <a:fillRef idx="1">
+              <a:schemeClr val="accent1"/>
+            </a:fillRef>
+            <a:effectRef idx="0">
+              <a:schemeClr val="accent1"/>
+            </a:effectRef>
+            <a:fontRef idx="minor">
+              <a:schemeClr val="lt1"/>
+            </a:fontRef>
+          </p:style>
+          <p:txBody>
+            <a:bodyPr rtlCol="0" anchor="ctr"/>
+            <a:lstStyle/>
+            <a:p>
+              <a:pPr algn="ctr"/>
+              <a:endParaRPr lang="ko-KR" altLang="en-US"/>
+            </a:p>
+          </p:txBody>
+        </p:sp>
+        <p:sp>
+          <p:nvSpPr>
+            <p:cNvPr id="92" name="육각형 91"/>
+            <p:cNvSpPr>
+              <a:spLocks noChangeAspect="1"/>
+            </p:cNvSpPr>
+            <p:nvPr/>
+          </p:nvSpPr>
+          <p:spPr>
+            <a:xfrm>
+              <a:off x="5010877" y="4092316"/>
+              <a:ext cx="526053" cy="450315"/>
+            </a:xfrm>
+            <a:prstGeom prst="hexagon">
+              <a:avLst>
+                <a:gd name="adj" fmla="val 28379"/>
+                <a:gd name="vf" fmla="val 115470"/>
+              </a:avLst>
+            </a:prstGeom>
+            <a:solidFill>
+              <a:srgbClr val="FFFF96"/>
+            </a:solidFill>
+            <a:ln w="38100">
+              <a:solidFill>
+                <a:srgbClr val="DFDA00"/>
+              </a:solidFill>
+            </a:ln>
+          </p:spPr>
+          <p:style>
+            <a:lnRef idx="2">
+              <a:schemeClr val="accent1">
+                <a:shade val="50000"/>
+              </a:schemeClr>
+            </a:lnRef>
+            <a:fillRef idx="1">
+              <a:schemeClr val="accent1"/>
+            </a:fillRef>
+            <a:effectRef idx="0">
+              <a:schemeClr val="accent1"/>
+            </a:effectRef>
+            <a:fontRef idx="minor">
+              <a:schemeClr val="lt1"/>
+            </a:fontRef>
+          </p:style>
+          <p:txBody>
+            <a:bodyPr rtlCol="0" anchor="ctr"/>
+            <a:lstStyle/>
+            <a:p>
+              <a:pPr algn="ctr"/>
+              <a:endParaRPr lang="ko-KR" altLang="en-US"/>
+            </a:p>
+          </p:txBody>
+        </p:sp>
+        <p:sp>
+          <p:nvSpPr>
+            <p:cNvPr id="94" name="육각형 93"/>
+            <p:cNvSpPr>
+              <a:spLocks noChangeAspect="1"/>
+            </p:cNvSpPr>
+            <p:nvPr/>
+          </p:nvSpPr>
+          <p:spPr>
+            <a:xfrm>
+              <a:off x="5811514" y="4092316"/>
+              <a:ext cx="526053" cy="450315"/>
+            </a:xfrm>
+            <a:prstGeom prst="hexagon">
+              <a:avLst>
+                <a:gd name="adj" fmla="val 28379"/>
+                <a:gd name="vf" fmla="val 115470"/>
+              </a:avLst>
+            </a:prstGeom>
+            <a:solidFill>
+              <a:srgbClr val="FFFF96"/>
+            </a:solidFill>
+            <a:ln w="38100">
+              <a:solidFill>
+                <a:srgbClr val="DFDA00"/>
+              </a:solidFill>
+            </a:ln>
+          </p:spPr>
+          <p:style>
+            <a:lnRef idx="2">
+              <a:schemeClr val="accent1">
+                <a:shade val="50000"/>
+              </a:schemeClr>
+            </a:lnRef>
+            <a:fillRef idx="1">
+              <a:schemeClr val="accent1"/>
+            </a:fillRef>
+            <a:effectRef idx="0">
+              <a:schemeClr val="accent1"/>
+            </a:effectRef>
+            <a:fontRef idx="minor">
+              <a:schemeClr val="lt1"/>
+            </a:fontRef>
+          </p:style>
+          <p:txBody>
+            <a:bodyPr rtlCol="0" anchor="ctr"/>
+            <a:lstStyle/>
+            <a:p>
+              <a:pPr algn="ctr"/>
+              <a:endParaRPr lang="ko-KR" altLang="en-US"/>
+            </a:p>
+          </p:txBody>
+        </p:sp>
+        <p:sp>
+          <p:nvSpPr>
+            <p:cNvPr id="97" name="육각형 96"/>
+            <p:cNvSpPr>
+              <a:spLocks noChangeAspect="1"/>
+            </p:cNvSpPr>
+            <p:nvPr/>
+          </p:nvSpPr>
+          <p:spPr>
+            <a:xfrm>
+              <a:off x="3809921" y="4317473"/>
+              <a:ext cx="526053" cy="450315"/>
+            </a:xfrm>
+            <a:prstGeom prst="hexagon">
+              <a:avLst>
+                <a:gd name="adj" fmla="val 28379"/>
+                <a:gd name="vf" fmla="val 115470"/>
+              </a:avLst>
+            </a:prstGeom>
+            <a:solidFill>
+              <a:srgbClr val="FFFF96"/>
+            </a:solidFill>
+            <a:ln w="38100">
+              <a:solidFill>
+                <a:srgbClr val="DFDA00"/>
+              </a:solidFill>
+            </a:ln>
+          </p:spPr>
+          <p:style>
+            <a:lnRef idx="2">
+              <a:schemeClr val="accent1">
+                <a:shade val="50000"/>
+              </a:schemeClr>
+            </a:lnRef>
+            <a:fillRef idx="1">
+              <a:schemeClr val="accent1"/>
+            </a:fillRef>
+            <a:effectRef idx="0">
+              <a:schemeClr val="accent1"/>
+            </a:effectRef>
+            <a:fontRef idx="minor">
+              <a:schemeClr val="lt1"/>
+            </a:fontRef>
+          </p:style>
+          <p:txBody>
+            <a:bodyPr rtlCol="0" anchor="ctr"/>
+            <a:lstStyle/>
+            <a:p>
+              <a:pPr algn="ctr"/>
+              <a:endParaRPr lang="ko-KR" altLang="en-US"/>
+            </a:p>
+          </p:txBody>
+        </p:sp>
+        <p:sp>
+          <p:nvSpPr>
+            <p:cNvPr id="99" name="육각형 98"/>
+            <p:cNvSpPr>
+              <a:spLocks noChangeAspect="1"/>
+            </p:cNvSpPr>
+            <p:nvPr/>
+          </p:nvSpPr>
+          <p:spPr>
+            <a:xfrm>
+              <a:off x="4610559" y="4317473"/>
+              <a:ext cx="526053" cy="450315"/>
+            </a:xfrm>
+            <a:prstGeom prst="hexagon">
+              <a:avLst>
+                <a:gd name="adj" fmla="val 28379"/>
+                <a:gd name="vf" fmla="val 115470"/>
+              </a:avLst>
+            </a:prstGeom>
+            <a:solidFill>
+              <a:srgbClr val="FFFF96"/>
+            </a:solidFill>
+            <a:ln w="38100">
+              <a:solidFill>
+                <a:srgbClr val="DFDA00"/>
+              </a:solidFill>
+            </a:ln>
+          </p:spPr>
+          <p:style>
+            <a:lnRef idx="2">
+              <a:schemeClr val="accent1">
+                <a:shade val="50000"/>
+              </a:schemeClr>
+            </a:lnRef>
+            <a:fillRef idx="1">
+              <a:schemeClr val="accent1"/>
+            </a:fillRef>
+            <a:effectRef idx="0">
+              <a:schemeClr val="accent1"/>
+            </a:effectRef>
+            <a:fontRef idx="minor">
+              <a:schemeClr val="lt1"/>
+            </a:fontRef>
+          </p:style>
+          <p:txBody>
+            <a:bodyPr rtlCol="0" anchor="ctr"/>
+            <a:lstStyle/>
+            <a:p>
+              <a:pPr algn="ctr"/>
+              <a:endParaRPr lang="ko-KR" altLang="en-US"/>
+            </a:p>
+          </p:txBody>
+        </p:sp>
+        <p:sp>
+          <p:nvSpPr>
+            <p:cNvPr id="107" name="육각형 106"/>
+            <p:cNvSpPr>
+              <a:spLocks noChangeAspect="1"/>
+            </p:cNvSpPr>
+            <p:nvPr/>
+          </p:nvSpPr>
+          <p:spPr>
+            <a:xfrm>
+              <a:off x="5411196" y="4317473"/>
+              <a:ext cx="526053" cy="450315"/>
+            </a:xfrm>
+            <a:prstGeom prst="hexagon">
+              <a:avLst>
+                <a:gd name="adj" fmla="val 28379"/>
+                <a:gd name="vf" fmla="val 115470"/>
+              </a:avLst>
+            </a:prstGeom>
+            <a:solidFill>
+              <a:srgbClr val="FFFF96"/>
+            </a:solidFill>
+            <a:ln w="38100">
+              <a:solidFill>
+                <a:srgbClr val="DFDA00"/>
+              </a:solidFill>
+            </a:ln>
+          </p:spPr>
+          <p:style>
+            <a:lnRef idx="2">
+              <a:schemeClr val="accent1">
+                <a:shade val="50000"/>
+              </a:schemeClr>
+            </a:lnRef>
+            <a:fillRef idx="1">
+              <a:schemeClr val="accent1"/>
+            </a:fillRef>
+            <a:effectRef idx="0">
+              <a:schemeClr val="accent1"/>
+            </a:effectRef>
+            <a:fontRef idx="minor">
+              <a:schemeClr val="lt1"/>
+            </a:fontRef>
+          </p:style>
+          <p:txBody>
+            <a:bodyPr rtlCol="0" anchor="ctr"/>
+            <a:lstStyle/>
+            <a:p>
+              <a:pPr algn="ctr"/>
+              <a:endParaRPr lang="ko-KR" altLang="en-US"/>
+            </a:p>
+          </p:txBody>
+        </p:sp>
       </p:grpSp>
+      <p:sp>
+        <p:nvSpPr>
+          <p:cNvPr id="135" name="육각형 134"/>
+          <p:cNvSpPr>
+            <a:spLocks noChangeAspect="1"/>
+          </p:cNvSpPr>
+          <p:nvPr/>
+        </p:nvSpPr>
+        <p:spPr>
+          <a:xfrm>
+            <a:off x="8344530" y="3087972"/>
+            <a:ext cx="768367" cy="657742"/>
+          </a:xfrm>
+          <a:prstGeom prst="hexagon">
+            <a:avLst>
+              <a:gd name="adj" fmla="val 28379"/>
+              <a:gd name="vf" fmla="val 115470"/>
+            </a:avLst>
+          </a:prstGeom>
+          <a:solidFill>
+            <a:srgbClr val="FFFF96"/>
+          </a:solidFill>
+          <a:ln w="38100">
+            <a:solidFill>
+              <a:srgbClr val="DFDA00"/>
+            </a:solidFill>
+          </a:ln>
+        </p:spPr>
+        <p:style>
+          <a:lnRef idx="2">
+            <a:schemeClr val="accent1">
+              <a:shade val="50000"/>
+            </a:schemeClr>
+          </a:lnRef>
+          <a:fillRef idx="1">
+            <a:schemeClr val="accent1"/>
+          </a:fillRef>
+          <a:effectRef idx="0">
+            <a:schemeClr val="accent1"/>
+          </a:effectRef>
+          <a:fontRef idx="minor">
+            <a:schemeClr val="lt1"/>
+          </a:fontRef>
+        </p:style>
+        <p:txBody>
+          <a:bodyPr rtlCol="0" anchor="ctr"/>
+          <a:lstStyle/>
+          <a:p>
+            <a:pPr algn="ctr"/>
+            <a:endParaRPr lang="ko-KR" altLang="en-US"/>
+          </a:p>
+        </p:txBody>
+      </p:sp>
     </p:spTree>
     <p:extLst>
       <p:ext uri="{BB962C8B-B14F-4D97-AF65-F5344CB8AC3E}">
@@ -14777,16 +14372,16 @@
       </p:sp>
       <p:grpSp>
         <p:nvGrpSpPr>
-          <p:cNvPr id="10" name="그룹 9"/>
+          <p:cNvPr id="8" name="그룹 7"/>
           <p:cNvGrpSpPr/>
           <p:nvPr/>
         </p:nvGrpSpPr>
         <p:grpSpPr>
           <a:xfrm>
-            <a:off x="709902" y="3469662"/>
-            <a:ext cx="2986993" cy="2880000"/>
-            <a:chOff x="709902" y="3469662"/>
-            <a:chExt cx="2986993" cy="2880000"/>
+            <a:off x="829401" y="3563703"/>
+            <a:ext cx="3014314" cy="2880000"/>
+            <a:chOff x="829401" y="3563703"/>
+            <a:chExt cx="3014314" cy="2880000"/>
           </a:xfrm>
         </p:grpSpPr>
         <p:sp>
@@ -14797,7 +14392,7 @@
           </p:nvSpPr>
           <p:spPr>
             <a:xfrm>
-              <a:off x="816895" y="3469662"/>
+              <a:off x="963715" y="3563703"/>
               <a:ext cx="2880000" cy="2880000"/>
             </a:xfrm>
             <a:prstGeom prst="ellipse">
@@ -14806,7 +14401,7 @@
             <a:noFill/>
             <a:ln w="254000">
               <a:solidFill>
-                <a:srgbClr val="FFFFC8"/>
+                <a:srgbClr val="FFFF8B"/>
               </a:solidFill>
             </a:ln>
           </p:spPr>
@@ -14843,7 +14438,7 @@
           </p:nvCxnSpPr>
           <p:spPr>
             <a:xfrm flipH="1">
-              <a:off x="3329326" y="5414356"/>
+              <a:off x="3448825" y="5508397"/>
               <a:ext cx="311307" cy="451179"/>
             </a:xfrm>
             <a:prstGeom prst="line">
@@ -14878,7 +14473,7 @@
           </p:nvCxnSpPr>
           <p:spPr>
             <a:xfrm>
-              <a:off x="709902" y="5260728"/>
+              <a:off x="829401" y="5354769"/>
               <a:ext cx="459726" cy="595266"/>
             </a:xfrm>
             <a:prstGeom prst="line">
@@ -14913,14 +14508,14 @@
           </p:nvSpPr>
           <p:spPr>
             <a:xfrm rot="2475955">
-              <a:off x="2990676" y="5643466"/>
+              <a:off x="3110175" y="5737507"/>
               <a:ext cx="677301" cy="431624"/>
             </a:xfrm>
             <a:prstGeom prst="triangle">
               <a:avLst/>
             </a:prstGeom>
             <a:solidFill>
-              <a:srgbClr val="FFFFC8"/>
+              <a:srgbClr val="FFFF8B"/>
             </a:solidFill>
             <a:ln>
               <a:noFill/>
@@ -14954,7 +14549,7 @@
       </p:grpSp>
       <p:grpSp>
         <p:nvGrpSpPr>
-          <p:cNvPr id="16" name="그룹 15"/>
+          <p:cNvPr id="9" name="그룹 8"/>
           <p:cNvGrpSpPr/>
           <p:nvPr/>
         </p:nvGrpSpPr>
@@ -14983,7 +14578,7 @@
             <a:noFill/>
             <a:ln w="254000">
               <a:solidFill>
-                <a:srgbClr val="FFFFC8"/>
+                <a:srgbClr val="FFFF8B"/>
               </a:solidFill>
             </a:ln>
           </p:spPr>
@@ -15097,7 +14692,7 @@
               <a:avLst/>
             </a:prstGeom>
             <a:solidFill>
-              <a:srgbClr val="FFFFC8"/>
+              <a:srgbClr val="FFFF8B"/>
             </a:solidFill>
             <a:ln>
               <a:noFill/>
@@ -15131,16 +14726,16 @@
       </p:grpSp>
       <p:grpSp>
         <p:nvGrpSpPr>
-          <p:cNvPr id="19" name="그룹 18"/>
+          <p:cNvPr id="20" name="그룹 19"/>
           <p:cNvGrpSpPr/>
           <p:nvPr/>
         </p:nvGrpSpPr>
         <p:grpSpPr>
           <a:xfrm>
-            <a:off x="4178105" y="1505243"/>
-            <a:ext cx="3634794" cy="3600000"/>
+            <a:off x="4793925" y="491317"/>
+            <a:ext cx="3600000" cy="3600000"/>
             <a:chOff x="4178105" y="1505243"/>
-            <a:chExt cx="3634794" cy="3600000"/>
+            <a:chExt cx="3600000" cy="3600000"/>
           </a:xfrm>
         </p:grpSpPr>
         <p:sp>
@@ -15191,7 +14786,7 @@
         </p:sp>
         <p:pic>
           <p:nvPicPr>
-            <p:cNvPr id="11" name="그림 10"/>
+            <p:cNvPr id="13" name="그림 12"/>
             <p:cNvPicPr>
               <a:picLocks noChangeAspect="1"/>
             </p:cNvPicPr>
@@ -15205,13 +14800,13 @@
                 </a:ext>
               </a:extLst>
             </a:blip>
-            <a:srcRect t="70517"/>
+            <a:srcRect t="74351"/>
             <a:stretch/>
           </p:blipFill>
           <p:spPr>
             <a:xfrm>
-              <a:off x="4230932" y="3906305"/>
-              <a:ext cx="3243353" cy="925672"/>
+              <a:off x="4448505" y="3994081"/>
+              <a:ext cx="3059199" cy="751053"/>
             </a:xfrm>
             <a:prstGeom prst="rect">
               <a:avLst/>
@@ -15220,7 +14815,7 @@
         </p:pic>
         <p:pic>
           <p:nvPicPr>
-            <p:cNvPr id="18" name="그림 17"/>
+            <p:cNvPr id="14" name="그림 13"/>
             <p:cNvPicPr>
               <a:picLocks noChangeAspect="1"/>
             </p:cNvPicPr>
@@ -15234,13 +14829,13 @@
                 </a:ext>
               </a:extLst>
             </a:blip>
-            <a:srcRect t="70347"/>
+            <a:srcRect t="68202"/>
             <a:stretch/>
           </p:blipFill>
           <p:spPr>
-            <a:xfrm rot="20934875">
-              <a:off x="4478098" y="3266852"/>
-              <a:ext cx="3334801" cy="931038"/>
+            <a:xfrm>
+              <a:off x="4496237" y="3218995"/>
+              <a:ext cx="3118460" cy="933584"/>
             </a:xfrm>
             <a:prstGeom prst="rect">
               <a:avLst/>
@@ -15293,6 +14888,181 @@
             </a:p>
           </p:txBody>
         </p:sp>
+      </p:grpSp>
+      <p:grpSp>
+        <p:nvGrpSpPr>
+          <p:cNvPr id="22" name="그룹 21"/>
+          <p:cNvGrpSpPr/>
+          <p:nvPr/>
+        </p:nvGrpSpPr>
+        <p:grpSpPr>
+          <a:xfrm>
+            <a:off x="9016335" y="730437"/>
+            <a:ext cx="768367" cy="657742"/>
+            <a:chOff x="9016335" y="730437"/>
+            <a:chExt cx="768367" cy="657742"/>
+          </a:xfrm>
+        </p:grpSpPr>
+        <p:sp>
+          <p:nvSpPr>
+            <p:cNvPr id="27" name="육각형 26"/>
+            <p:cNvSpPr>
+              <a:spLocks noChangeAspect="1"/>
+            </p:cNvSpPr>
+            <p:nvPr/>
+          </p:nvSpPr>
+          <p:spPr>
+            <a:xfrm>
+              <a:off x="9016335" y="730437"/>
+              <a:ext cx="768367" cy="657742"/>
+            </a:xfrm>
+            <a:prstGeom prst="hexagon">
+              <a:avLst>
+                <a:gd name="adj" fmla="val 28379"/>
+                <a:gd name="vf" fmla="val 115470"/>
+              </a:avLst>
+            </a:prstGeom>
+            <a:solidFill>
+              <a:srgbClr val="FFFA33"/>
+            </a:solidFill>
+            <a:ln w="50800">
+              <a:solidFill>
+                <a:schemeClr val="bg1"/>
+              </a:solidFill>
+            </a:ln>
+          </p:spPr>
+          <p:style>
+            <a:lnRef idx="2">
+              <a:schemeClr val="accent1">
+                <a:shade val="50000"/>
+              </a:schemeClr>
+            </a:lnRef>
+            <a:fillRef idx="1">
+              <a:schemeClr val="accent1"/>
+            </a:fillRef>
+            <a:effectRef idx="0">
+              <a:schemeClr val="accent1"/>
+            </a:effectRef>
+            <a:fontRef idx="minor">
+              <a:schemeClr val="lt1"/>
+            </a:fontRef>
+          </p:style>
+          <p:txBody>
+            <a:bodyPr rtlCol="0" anchor="ctr"/>
+            <a:lstStyle/>
+            <a:p>
+              <a:pPr algn="ctr"/>
+              <a:endParaRPr lang="ko-KR" altLang="en-US"/>
+            </a:p>
+          </p:txBody>
+        </p:sp>
+        <p:pic>
+          <p:nvPicPr>
+            <p:cNvPr id="28" name="그림 27"/>
+            <p:cNvPicPr>
+              <a:picLocks noChangeAspect="1"/>
+            </p:cNvPicPr>
+            <p:nvPr/>
+          </p:nvPicPr>
+          <p:blipFill rotWithShape="1">
+            <a:blip r:embed="rId3" cstate="print">
+              <a:extLst>
+                <a:ext uri="{28A0092B-C50C-407E-A947-70E740481C1C}">
+                  <a14:useLocalDpi xmlns:a14="http://schemas.microsoft.com/office/drawing/2010/main" val="0"/>
+                </a:ext>
+              </a:extLst>
+            </a:blip>
+            <a:srcRect t="68202"/>
+            <a:stretch/>
+          </p:blipFill>
+          <p:spPr>
+            <a:xfrm>
+              <a:off x="9139789" y="1069843"/>
+              <a:ext cx="541428" cy="162089"/>
+            </a:xfrm>
+            <a:prstGeom prst="rect">
+              <a:avLst/>
+            </a:prstGeom>
+            <a:noFill/>
+          </p:spPr>
+        </p:pic>
+        <p:sp>
+          <p:nvSpPr>
+            <p:cNvPr id="29" name="타원 28"/>
+            <p:cNvSpPr>
+              <a:spLocks noChangeAspect="1"/>
+            </p:cNvSpPr>
+            <p:nvPr/>
+          </p:nvSpPr>
+          <p:spPr>
+            <a:xfrm>
+              <a:off x="9161398" y="830723"/>
+              <a:ext cx="239120" cy="239120"/>
+            </a:xfrm>
+            <a:prstGeom prst="ellipse">
+              <a:avLst/>
+            </a:prstGeom>
+            <a:solidFill>
+              <a:srgbClr val="FFFF64"/>
+            </a:solidFill>
+            <a:ln>
+              <a:noFill/>
+            </a:ln>
+          </p:spPr>
+          <p:style>
+            <a:lnRef idx="2">
+              <a:schemeClr val="accent1">
+                <a:shade val="50000"/>
+              </a:schemeClr>
+            </a:lnRef>
+            <a:fillRef idx="1">
+              <a:schemeClr val="accent1"/>
+            </a:fillRef>
+            <a:effectRef idx="0">
+              <a:schemeClr val="accent1"/>
+            </a:effectRef>
+            <a:fontRef idx="minor">
+              <a:schemeClr val="lt1"/>
+            </a:fontRef>
+          </p:style>
+          <p:txBody>
+            <a:bodyPr rtlCol="0" anchor="ctr"/>
+            <a:lstStyle/>
+            <a:p>
+              <a:pPr algn="ctr"/>
+              <a:endParaRPr lang="ko-KR" altLang="en-US"/>
+            </a:p>
+          </p:txBody>
+        </p:sp>
+        <p:pic>
+          <p:nvPicPr>
+            <p:cNvPr id="30" name="그림 29"/>
+            <p:cNvPicPr>
+              <a:picLocks noChangeAspect="1"/>
+            </p:cNvPicPr>
+            <p:nvPr/>
+          </p:nvPicPr>
+          <p:blipFill rotWithShape="1">
+            <a:blip r:embed="rId2" cstate="print">
+              <a:extLst>
+                <a:ext uri="{28A0092B-C50C-407E-A947-70E740481C1C}">
+                  <a14:useLocalDpi xmlns:a14="http://schemas.microsoft.com/office/drawing/2010/main" val="0"/>
+                </a:ext>
+              </a:extLst>
+            </a:blip>
+            <a:srcRect t="74351"/>
+            <a:stretch/>
+          </p:blipFill>
+          <p:spPr>
+            <a:xfrm>
+              <a:off x="9131192" y="1200750"/>
+              <a:ext cx="538652" cy="132243"/>
+            </a:xfrm>
+            <a:prstGeom prst="rect">
+              <a:avLst/>
+            </a:prstGeom>
+          </p:spPr>
+        </p:pic>
       </p:grpSp>
     </p:spTree>
     <p:extLst>
@@ -15377,112 +15147,112 @@
           </a:p>
         </p:txBody>
       </p:sp>
+      <p:sp>
+        <p:nvSpPr>
+          <p:cNvPr id="5" name="타원 4"/>
+          <p:cNvSpPr/>
+          <p:nvPr/>
+        </p:nvSpPr>
+        <p:spPr>
+          <a:xfrm>
+            <a:off x="4178105" y="1505243"/>
+            <a:ext cx="3600000" cy="3600000"/>
+          </a:xfrm>
+          <a:prstGeom prst="ellipse">
+            <a:avLst/>
+          </a:prstGeom>
+          <a:solidFill>
+            <a:srgbClr val="3737FF"/>
+          </a:solidFill>
+          <a:ln>
+            <a:noFill/>
+          </a:ln>
+        </p:spPr>
+        <p:style>
+          <a:lnRef idx="2">
+            <a:schemeClr val="accent1">
+              <a:shade val="50000"/>
+            </a:schemeClr>
+          </a:lnRef>
+          <a:fillRef idx="1">
+            <a:schemeClr val="accent1"/>
+          </a:fillRef>
+          <a:effectRef idx="0">
+            <a:schemeClr val="accent1"/>
+          </a:effectRef>
+          <a:fontRef idx="minor">
+            <a:schemeClr val="lt1"/>
+          </a:fontRef>
+        </p:style>
+        <p:txBody>
+          <a:bodyPr rtlCol="0" anchor="ctr"/>
+          <a:lstStyle/>
+          <a:p>
+            <a:pPr algn="ctr"/>
+            <a:endParaRPr lang="ko-KR" altLang="en-US"/>
+          </a:p>
+        </p:txBody>
+      </p:sp>
+      <p:sp>
+        <p:nvSpPr>
+          <p:cNvPr id="6" name="타원 5"/>
+          <p:cNvSpPr/>
+          <p:nvPr/>
+        </p:nvSpPr>
+        <p:spPr>
+          <a:xfrm>
+            <a:off x="4560112" y="2029662"/>
+            <a:ext cx="1440000" cy="1440000"/>
+          </a:xfrm>
+          <a:prstGeom prst="ellipse">
+            <a:avLst/>
+          </a:prstGeom>
+          <a:solidFill>
+            <a:srgbClr val="4B4BFF"/>
+          </a:solidFill>
+          <a:ln>
+            <a:noFill/>
+          </a:ln>
+        </p:spPr>
+        <p:style>
+          <a:lnRef idx="2">
+            <a:schemeClr val="accent1">
+              <a:shade val="50000"/>
+            </a:schemeClr>
+          </a:lnRef>
+          <a:fillRef idx="1">
+            <a:schemeClr val="accent1"/>
+          </a:fillRef>
+          <a:effectRef idx="0">
+            <a:schemeClr val="accent1"/>
+          </a:effectRef>
+          <a:fontRef idx="minor">
+            <a:schemeClr val="lt1"/>
+          </a:fontRef>
+        </p:style>
+        <p:txBody>
+          <a:bodyPr rtlCol="0" anchor="ctr"/>
+          <a:lstStyle/>
+          <a:p>
+            <a:pPr algn="ctr"/>
+            <a:endParaRPr lang="ko-KR" altLang="en-US"/>
+          </a:p>
+        </p:txBody>
+      </p:sp>
       <p:grpSp>
         <p:nvGrpSpPr>
-          <p:cNvPr id="7" name="그룹 6"/>
+          <p:cNvPr id="2" name="그룹 1"/>
           <p:cNvGrpSpPr/>
           <p:nvPr/>
         </p:nvGrpSpPr>
         <p:grpSpPr>
           <a:xfrm>
-            <a:off x="4178105" y="1505243"/>
-            <a:ext cx="3600000" cy="3600000"/>
-            <a:chOff x="4178105" y="1505243"/>
-            <a:chExt cx="3600000" cy="3600000"/>
+            <a:off x="4978673" y="2082979"/>
+            <a:ext cx="1998864" cy="2444527"/>
+            <a:chOff x="4978673" y="2082979"/>
+            <a:chExt cx="1998864" cy="2444527"/>
           </a:xfrm>
         </p:grpSpPr>
-        <p:sp>
-          <p:nvSpPr>
-            <p:cNvPr id="5" name="타원 4"/>
-            <p:cNvSpPr/>
-            <p:nvPr/>
-          </p:nvSpPr>
-          <p:spPr>
-            <a:xfrm>
-              <a:off x="4178105" y="1505243"/>
-              <a:ext cx="3600000" cy="3600000"/>
-            </a:xfrm>
-            <a:prstGeom prst="ellipse">
-              <a:avLst/>
-            </a:prstGeom>
-            <a:solidFill>
-              <a:srgbClr val="3737FF"/>
-            </a:solidFill>
-            <a:ln>
-              <a:noFill/>
-            </a:ln>
-          </p:spPr>
-          <p:style>
-            <a:lnRef idx="2">
-              <a:schemeClr val="accent1">
-                <a:shade val="50000"/>
-              </a:schemeClr>
-            </a:lnRef>
-            <a:fillRef idx="1">
-              <a:schemeClr val="accent1"/>
-            </a:fillRef>
-            <a:effectRef idx="0">
-              <a:schemeClr val="accent1"/>
-            </a:effectRef>
-            <a:fontRef idx="minor">
-              <a:schemeClr val="lt1"/>
-            </a:fontRef>
-          </p:style>
-          <p:txBody>
-            <a:bodyPr rtlCol="0" anchor="ctr"/>
-            <a:lstStyle/>
-            <a:p>
-              <a:pPr algn="ctr"/>
-              <a:endParaRPr lang="ko-KR" altLang="en-US"/>
-            </a:p>
-          </p:txBody>
-        </p:sp>
-        <p:sp>
-          <p:nvSpPr>
-            <p:cNvPr id="6" name="타원 5"/>
-            <p:cNvSpPr/>
-            <p:nvPr/>
-          </p:nvSpPr>
-          <p:spPr>
-            <a:xfrm>
-              <a:off x="4560112" y="2029662"/>
-              <a:ext cx="1440000" cy="1440000"/>
-            </a:xfrm>
-            <a:prstGeom prst="ellipse">
-              <a:avLst/>
-            </a:prstGeom>
-            <a:solidFill>
-              <a:srgbClr val="4B4BFF"/>
-            </a:solidFill>
-            <a:ln>
-              <a:noFill/>
-            </a:ln>
-          </p:spPr>
-          <p:style>
-            <a:lnRef idx="2">
-              <a:schemeClr val="accent1">
-                <a:shade val="50000"/>
-              </a:schemeClr>
-            </a:lnRef>
-            <a:fillRef idx="1">
-              <a:schemeClr val="accent1"/>
-            </a:fillRef>
-            <a:effectRef idx="0">
-              <a:schemeClr val="accent1"/>
-            </a:effectRef>
-            <a:fontRef idx="minor">
-              <a:schemeClr val="lt1"/>
-            </a:fontRef>
-          </p:style>
-          <p:txBody>
-            <a:bodyPr rtlCol="0" anchor="ctr"/>
-            <a:lstStyle/>
-            <a:p>
-              <a:pPr algn="ctr"/>
-              <a:endParaRPr lang="ko-KR" altLang="en-US"/>
-            </a:p>
-          </p:txBody>
-        </p:sp>
         <p:grpSp>
           <p:nvGrpSpPr>
             <p:cNvPr id="23" name="그룹 22"/>
@@ -15555,7 +15325,7 @@
               <a:lstStyle/>
               <a:p>
                 <a:pPr algn="ctr"/>
-                <a:endParaRPr lang="ko-KR" altLang="en-US"/>
+                <a:endParaRPr lang="ko-KR" altLang="en-US" dirty="0"/>
               </a:p>
             </p:txBody>
           </p:sp>
@@ -15804,6 +15574,460 @@
             </a:p>
           </p:txBody>
         </p:sp>
+      </p:grpSp>
+      <p:grpSp>
+        <p:nvGrpSpPr>
+          <p:cNvPr id="8" name="그룹 7"/>
+          <p:cNvGrpSpPr>
+            <a:grpSpLocks noChangeAspect="1"/>
+          </p:cNvGrpSpPr>
+          <p:nvPr/>
+        </p:nvGrpSpPr>
+        <p:grpSpPr>
+          <a:xfrm>
+            <a:off x="7041981" y="730436"/>
+            <a:ext cx="2742722" cy="2347841"/>
+            <a:chOff x="9016335" y="730437"/>
+            <a:chExt cx="768367" cy="657742"/>
+          </a:xfrm>
+        </p:grpSpPr>
+        <p:sp>
+          <p:nvSpPr>
+            <p:cNvPr id="14" name="육각형 13"/>
+            <p:cNvSpPr>
+              <a:spLocks noChangeAspect="1"/>
+            </p:cNvSpPr>
+            <p:nvPr/>
+          </p:nvSpPr>
+          <p:spPr>
+            <a:xfrm>
+              <a:off x="9016335" y="730437"/>
+              <a:ext cx="768367" cy="657742"/>
+            </a:xfrm>
+            <a:prstGeom prst="hexagon">
+              <a:avLst>
+                <a:gd name="adj" fmla="val 28379"/>
+                <a:gd name="vf" fmla="val 115470"/>
+              </a:avLst>
+            </a:prstGeom>
+            <a:solidFill>
+              <a:srgbClr val="3737FF"/>
+            </a:solidFill>
+            <a:ln w="127000">
+              <a:solidFill>
+                <a:schemeClr val="bg1"/>
+              </a:solidFill>
+            </a:ln>
+          </p:spPr>
+          <p:style>
+            <a:lnRef idx="2">
+              <a:schemeClr val="accent1">
+                <a:shade val="50000"/>
+              </a:schemeClr>
+            </a:lnRef>
+            <a:fillRef idx="1">
+              <a:schemeClr val="accent1"/>
+            </a:fillRef>
+            <a:effectRef idx="0">
+              <a:schemeClr val="accent1"/>
+            </a:effectRef>
+            <a:fontRef idx="minor">
+              <a:schemeClr val="lt1"/>
+            </a:fontRef>
+          </p:style>
+          <p:txBody>
+            <a:bodyPr rtlCol="0" anchor="ctr"/>
+            <a:lstStyle/>
+            <a:p>
+              <a:pPr algn="ctr"/>
+              <a:endParaRPr lang="ko-KR" altLang="en-US"/>
+            </a:p>
+          </p:txBody>
+        </p:sp>
+        <p:sp>
+          <p:nvSpPr>
+            <p:cNvPr id="16" name="타원 15"/>
+            <p:cNvSpPr>
+              <a:spLocks noChangeAspect="1"/>
+            </p:cNvSpPr>
+            <p:nvPr/>
+          </p:nvSpPr>
+          <p:spPr>
+            <a:xfrm>
+              <a:off x="9161398" y="830723"/>
+              <a:ext cx="239120" cy="239120"/>
+            </a:xfrm>
+            <a:prstGeom prst="ellipse">
+              <a:avLst/>
+            </a:prstGeom>
+            <a:solidFill>
+              <a:srgbClr val="4B4BFF"/>
+            </a:solidFill>
+            <a:ln>
+              <a:noFill/>
+            </a:ln>
+          </p:spPr>
+          <p:style>
+            <a:lnRef idx="2">
+              <a:schemeClr val="accent1">
+                <a:shade val="50000"/>
+              </a:schemeClr>
+            </a:lnRef>
+            <a:fillRef idx="1">
+              <a:schemeClr val="accent1"/>
+            </a:fillRef>
+            <a:effectRef idx="0">
+              <a:schemeClr val="accent1"/>
+            </a:effectRef>
+            <a:fontRef idx="minor">
+              <a:schemeClr val="lt1"/>
+            </a:fontRef>
+          </p:style>
+          <p:txBody>
+            <a:bodyPr rtlCol="0" anchor="ctr"/>
+            <a:lstStyle/>
+            <a:p>
+              <a:pPr algn="ctr"/>
+              <a:endParaRPr lang="ko-KR" altLang="en-US"/>
+            </a:p>
+          </p:txBody>
+        </p:sp>
+        <p:grpSp>
+          <p:nvGrpSpPr>
+            <p:cNvPr id="3" name="그룹 2"/>
+            <p:cNvGrpSpPr/>
+            <p:nvPr/>
+          </p:nvGrpSpPr>
+          <p:grpSpPr>
+            <a:xfrm>
+              <a:off x="9225212" y="855452"/>
+              <a:ext cx="350611" cy="428782"/>
+              <a:chOff x="9784702" y="1400942"/>
+              <a:chExt cx="350611" cy="428782"/>
+            </a:xfrm>
+          </p:grpSpPr>
+          <p:grpSp>
+            <p:nvGrpSpPr>
+              <p:cNvPr id="32" name="그룹 31"/>
+              <p:cNvGrpSpPr>
+                <a:grpSpLocks noChangeAspect="1"/>
+              </p:cNvGrpSpPr>
+              <p:nvPr/>
+            </p:nvGrpSpPr>
+            <p:grpSpPr>
+              <a:xfrm>
+                <a:off x="9784702" y="1400942"/>
+                <a:ext cx="350611" cy="428782"/>
+                <a:chOff x="8983689" y="322650"/>
+                <a:chExt cx="2149048" cy="2628196"/>
+              </a:xfrm>
+              <a:effectLst>
+                <a:outerShdw blurRad="241300" dist="38100" dir="2700000" algn="tl" rotWithShape="0">
+                  <a:prstClr val="black">
+                    <a:alpha val="40000"/>
+                  </a:prstClr>
+                </a:outerShdw>
+              </a:effectLst>
+            </p:grpSpPr>
+            <p:sp>
+              <p:nvSpPr>
+                <p:cNvPr id="36" name="육각형 35"/>
+                <p:cNvSpPr>
+                  <a:spLocks noChangeAspect="1"/>
+                </p:cNvSpPr>
+                <p:nvPr/>
+              </p:nvSpPr>
+              <p:spPr>
+                <a:xfrm>
+                  <a:off x="9904642" y="322650"/>
+                  <a:ext cx="1228095" cy="1051279"/>
+                </a:xfrm>
+                <a:prstGeom prst="hexagon">
+                  <a:avLst>
+                    <a:gd name="adj" fmla="val 29625"/>
+                    <a:gd name="vf" fmla="val 115470"/>
+                  </a:avLst>
+                </a:prstGeom>
+                <a:solidFill>
+                  <a:srgbClr val="6565FF"/>
+                </a:solidFill>
+                <a:ln w="57150">
+                  <a:solidFill>
+                    <a:schemeClr val="bg1"/>
+                  </a:solidFill>
+                </a:ln>
+              </p:spPr>
+              <p:style>
+                <a:lnRef idx="2">
+                  <a:schemeClr val="accent1">
+                    <a:shade val="50000"/>
+                  </a:schemeClr>
+                </a:lnRef>
+                <a:fillRef idx="1">
+                  <a:schemeClr val="accent1"/>
+                </a:fillRef>
+                <a:effectRef idx="0">
+                  <a:schemeClr val="accent1"/>
+                </a:effectRef>
+                <a:fontRef idx="minor">
+                  <a:schemeClr val="lt1"/>
+                </a:fontRef>
+              </p:style>
+              <p:txBody>
+                <a:bodyPr rtlCol="0" anchor="ctr"/>
+                <a:lstStyle/>
+                <a:p>
+                  <a:pPr algn="ctr"/>
+                  <a:endParaRPr lang="ko-KR" altLang="en-US" dirty="0"/>
+                </a:p>
+              </p:txBody>
+            </p:sp>
+            <p:sp>
+              <p:nvSpPr>
+                <p:cNvPr id="40" name="육각형 39"/>
+                <p:cNvSpPr>
+                  <a:spLocks noChangeAspect="1"/>
+                </p:cNvSpPr>
+                <p:nvPr/>
+              </p:nvSpPr>
+              <p:spPr>
+                <a:xfrm>
+                  <a:off x="8991974" y="848289"/>
+                  <a:ext cx="1228095" cy="1051279"/>
+                </a:xfrm>
+                <a:prstGeom prst="hexagon">
+                  <a:avLst>
+                    <a:gd name="adj" fmla="val 29625"/>
+                    <a:gd name="vf" fmla="val 115470"/>
+                  </a:avLst>
+                </a:prstGeom>
+                <a:solidFill>
+                  <a:srgbClr val="6565FF"/>
+                </a:solidFill>
+                <a:ln w="57150">
+                  <a:solidFill>
+                    <a:schemeClr val="bg1"/>
+                  </a:solidFill>
+                </a:ln>
+              </p:spPr>
+              <p:style>
+                <a:lnRef idx="2">
+                  <a:schemeClr val="accent1">
+                    <a:shade val="50000"/>
+                  </a:schemeClr>
+                </a:lnRef>
+                <a:fillRef idx="1">
+                  <a:schemeClr val="accent1"/>
+                </a:fillRef>
+                <a:effectRef idx="0">
+                  <a:schemeClr val="accent1"/>
+                </a:effectRef>
+                <a:fontRef idx="minor">
+                  <a:schemeClr val="lt1"/>
+                </a:fontRef>
+              </p:style>
+              <p:txBody>
+                <a:bodyPr rtlCol="0" anchor="ctr"/>
+                <a:lstStyle/>
+                <a:p>
+                  <a:pPr algn="ctr"/>
+                  <a:endParaRPr lang="ko-KR" altLang="en-US"/>
+                </a:p>
+              </p:txBody>
+            </p:sp>
+            <p:sp>
+              <p:nvSpPr>
+                <p:cNvPr id="41" name="육각형 40"/>
+                <p:cNvSpPr>
+                  <a:spLocks noChangeAspect="1"/>
+                </p:cNvSpPr>
+                <p:nvPr/>
+              </p:nvSpPr>
+              <p:spPr>
+                <a:xfrm>
+                  <a:off x="8983689" y="1899567"/>
+                  <a:ext cx="1228095" cy="1051279"/>
+                </a:xfrm>
+                <a:prstGeom prst="hexagon">
+                  <a:avLst>
+                    <a:gd name="adj" fmla="val 29625"/>
+                    <a:gd name="vf" fmla="val 115470"/>
+                  </a:avLst>
+                </a:prstGeom>
+                <a:solidFill>
+                  <a:srgbClr val="6565FF"/>
+                </a:solidFill>
+                <a:ln w="57150">
+                  <a:solidFill>
+                    <a:schemeClr val="bg1"/>
+                  </a:solidFill>
+                </a:ln>
+              </p:spPr>
+              <p:style>
+                <a:lnRef idx="2">
+                  <a:schemeClr val="accent1">
+                    <a:shade val="50000"/>
+                  </a:schemeClr>
+                </a:lnRef>
+                <a:fillRef idx="1">
+                  <a:schemeClr val="accent1"/>
+                </a:fillRef>
+                <a:effectRef idx="0">
+                  <a:schemeClr val="accent1"/>
+                </a:effectRef>
+                <a:fontRef idx="minor">
+                  <a:schemeClr val="lt1"/>
+                </a:fontRef>
+              </p:style>
+              <p:txBody>
+                <a:bodyPr rtlCol="0" anchor="ctr"/>
+                <a:lstStyle/>
+                <a:p>
+                  <a:pPr algn="ctr"/>
+                  <a:endParaRPr lang="en-US" altLang="ko-KR" dirty="0"/>
+                </a:p>
+              </p:txBody>
+            </p:sp>
+          </p:grpSp>
+          <p:sp>
+            <p:nvSpPr>
+              <p:cNvPr id="33" name="타원 32"/>
+              <p:cNvSpPr/>
+              <p:nvPr/>
+            </p:nvSpPr>
+            <p:spPr>
+              <a:xfrm>
+                <a:off x="9977829" y="1440193"/>
+                <a:ext cx="63146" cy="63146"/>
+              </a:xfrm>
+              <a:prstGeom prst="ellipse">
+                <a:avLst/>
+              </a:prstGeom>
+              <a:solidFill>
+                <a:srgbClr val="8181FF"/>
+              </a:solidFill>
+              <a:ln>
+                <a:noFill/>
+              </a:ln>
+            </p:spPr>
+            <p:style>
+              <a:lnRef idx="2">
+                <a:schemeClr val="accent1">
+                  <a:shade val="50000"/>
+                </a:schemeClr>
+              </a:lnRef>
+              <a:fillRef idx="1">
+                <a:schemeClr val="accent1"/>
+              </a:fillRef>
+              <a:effectRef idx="0">
+                <a:schemeClr val="accent1"/>
+              </a:effectRef>
+              <a:fontRef idx="minor">
+                <a:schemeClr val="lt1"/>
+              </a:fontRef>
+            </p:style>
+            <p:txBody>
+              <a:bodyPr rtlCol="0" anchor="ctr"/>
+              <a:lstStyle/>
+              <a:p>
+                <a:pPr algn="ctr"/>
+                <a:endParaRPr lang="ko-KR" altLang="en-US"/>
+              </a:p>
+            </p:txBody>
+          </p:sp>
+          <p:sp>
+            <p:nvSpPr>
+              <p:cNvPr id="34" name="타원 33"/>
+              <p:cNvSpPr/>
+              <p:nvPr/>
+            </p:nvSpPr>
+            <p:spPr>
+              <a:xfrm>
+                <a:off x="9828931" y="1520614"/>
+                <a:ext cx="63146" cy="63146"/>
+              </a:xfrm>
+              <a:prstGeom prst="ellipse">
+                <a:avLst/>
+              </a:prstGeom>
+              <a:solidFill>
+                <a:srgbClr val="8181FF"/>
+              </a:solidFill>
+              <a:ln>
+                <a:noFill/>
+              </a:ln>
+            </p:spPr>
+            <p:style>
+              <a:lnRef idx="2">
+                <a:schemeClr val="accent1">
+                  <a:shade val="50000"/>
+                </a:schemeClr>
+              </a:lnRef>
+              <a:fillRef idx="1">
+                <a:schemeClr val="accent1"/>
+              </a:fillRef>
+              <a:effectRef idx="0">
+                <a:schemeClr val="accent1"/>
+              </a:effectRef>
+              <a:fontRef idx="minor">
+                <a:schemeClr val="lt1"/>
+              </a:fontRef>
+            </p:style>
+            <p:txBody>
+              <a:bodyPr rtlCol="0" anchor="ctr"/>
+              <a:lstStyle/>
+              <a:p>
+                <a:pPr algn="ctr"/>
+                <a:endParaRPr lang="ko-KR" altLang="en-US"/>
+              </a:p>
+            </p:txBody>
+          </p:sp>
+          <p:sp>
+            <p:nvSpPr>
+              <p:cNvPr id="35" name="타원 34"/>
+              <p:cNvSpPr/>
+              <p:nvPr/>
+            </p:nvSpPr>
+            <p:spPr>
+              <a:xfrm>
+                <a:off x="9828931" y="1700163"/>
+                <a:ext cx="63146" cy="63146"/>
+              </a:xfrm>
+              <a:prstGeom prst="ellipse">
+                <a:avLst/>
+              </a:prstGeom>
+              <a:solidFill>
+                <a:srgbClr val="8181FF"/>
+              </a:solidFill>
+              <a:ln>
+                <a:noFill/>
+              </a:ln>
+            </p:spPr>
+            <p:style>
+              <a:lnRef idx="2">
+                <a:schemeClr val="accent1">
+                  <a:shade val="50000"/>
+                </a:schemeClr>
+              </a:lnRef>
+              <a:fillRef idx="1">
+                <a:schemeClr val="accent1"/>
+              </a:fillRef>
+              <a:effectRef idx="0">
+                <a:schemeClr val="accent1"/>
+              </a:effectRef>
+              <a:fontRef idx="minor">
+                <a:schemeClr val="lt1"/>
+              </a:fontRef>
+            </p:style>
+            <p:txBody>
+              <a:bodyPr rtlCol="0" anchor="ctr"/>
+              <a:lstStyle/>
+              <a:p>
+                <a:pPr algn="ctr"/>
+                <a:endParaRPr lang="ko-KR" altLang="en-US"/>
+              </a:p>
+            </p:txBody>
+          </p:sp>
+        </p:grpSp>
       </p:grpSp>
     </p:spTree>
     <p:extLst>

--- a/Hextris 아트 리소스.pptx
+++ b/Hextris 아트 리소스.pptx
@@ -14,6 +14,7 @@
     <p:sldId id="351" r:id="rId8"/>
     <p:sldId id="346" r:id="rId9"/>
     <p:sldId id="347" r:id="rId10"/>
+    <p:sldId id="352" r:id="rId11"/>
   </p:sldIdLst>
   <p:sldSz cx="12192000" cy="6858000"/>
   <p:notesSz cx="6858000" cy="9144000"/>
@@ -249,7 +250,7 @@
           <a:p>
             <a:fld id="{232DD6C3-9D69-415A-982E-F73D53EB2A6C}" type="datetimeFigureOut">
               <a:rPr lang="ko-KR" altLang="en-US" smtClean="0"/>
-              <a:t>2017-01-11</a:t>
+              <a:t>2017-01-13</a:t>
             </a:fld>
             <a:endParaRPr lang="ko-KR" altLang="en-US"/>
           </a:p>
@@ -417,7 +418,7 @@
           <a:p>
             <a:fld id="{232DD6C3-9D69-415A-982E-F73D53EB2A6C}" type="datetimeFigureOut">
               <a:rPr lang="ko-KR" altLang="en-US" smtClean="0"/>
-              <a:t>2017-01-11</a:t>
+              <a:t>2017-01-13</a:t>
             </a:fld>
             <a:endParaRPr lang="ko-KR" altLang="en-US"/>
           </a:p>
@@ -595,7 +596,7 @@
           <a:p>
             <a:fld id="{232DD6C3-9D69-415A-982E-F73D53EB2A6C}" type="datetimeFigureOut">
               <a:rPr lang="ko-KR" altLang="en-US" smtClean="0"/>
-              <a:t>2017-01-11</a:t>
+              <a:t>2017-01-13</a:t>
             </a:fld>
             <a:endParaRPr lang="ko-KR" altLang="en-US"/>
           </a:p>
@@ -763,7 +764,7 @@
           <a:p>
             <a:fld id="{232DD6C3-9D69-415A-982E-F73D53EB2A6C}" type="datetimeFigureOut">
               <a:rPr lang="ko-KR" altLang="en-US" smtClean="0"/>
-              <a:t>2017-01-11</a:t>
+              <a:t>2017-01-13</a:t>
             </a:fld>
             <a:endParaRPr lang="ko-KR" altLang="en-US"/>
           </a:p>
@@ -1008,7 +1009,7 @@
           <a:p>
             <a:fld id="{232DD6C3-9D69-415A-982E-F73D53EB2A6C}" type="datetimeFigureOut">
               <a:rPr lang="ko-KR" altLang="en-US" smtClean="0"/>
-              <a:t>2017-01-11</a:t>
+              <a:t>2017-01-13</a:t>
             </a:fld>
             <a:endParaRPr lang="ko-KR" altLang="en-US"/>
           </a:p>
@@ -1237,7 +1238,7 @@
           <a:p>
             <a:fld id="{232DD6C3-9D69-415A-982E-F73D53EB2A6C}" type="datetimeFigureOut">
               <a:rPr lang="ko-KR" altLang="en-US" smtClean="0"/>
-              <a:t>2017-01-11</a:t>
+              <a:t>2017-01-13</a:t>
             </a:fld>
             <a:endParaRPr lang="ko-KR" altLang="en-US"/>
           </a:p>
@@ -1601,7 +1602,7 @@
           <a:p>
             <a:fld id="{232DD6C3-9D69-415A-982E-F73D53EB2A6C}" type="datetimeFigureOut">
               <a:rPr lang="ko-KR" altLang="en-US" smtClean="0"/>
-              <a:t>2017-01-11</a:t>
+              <a:t>2017-01-13</a:t>
             </a:fld>
             <a:endParaRPr lang="ko-KR" altLang="en-US"/>
           </a:p>
@@ -1718,7 +1719,7 @@
           <a:p>
             <a:fld id="{232DD6C3-9D69-415A-982E-F73D53EB2A6C}" type="datetimeFigureOut">
               <a:rPr lang="ko-KR" altLang="en-US" smtClean="0"/>
-              <a:t>2017-01-11</a:t>
+              <a:t>2017-01-13</a:t>
             </a:fld>
             <a:endParaRPr lang="ko-KR" altLang="en-US"/>
           </a:p>
@@ -1813,7 +1814,7 @@
           <a:p>
             <a:fld id="{232DD6C3-9D69-415A-982E-F73D53EB2A6C}" type="datetimeFigureOut">
               <a:rPr lang="ko-KR" altLang="en-US" smtClean="0"/>
-              <a:t>2017-01-11</a:t>
+              <a:t>2017-01-13</a:t>
             </a:fld>
             <a:endParaRPr lang="ko-KR" altLang="en-US"/>
           </a:p>
@@ -2088,7 +2089,7 @@
           <a:p>
             <a:fld id="{232DD6C3-9D69-415A-982E-F73D53EB2A6C}" type="datetimeFigureOut">
               <a:rPr lang="ko-KR" altLang="en-US" smtClean="0"/>
-              <a:t>2017-01-11</a:t>
+              <a:t>2017-01-13</a:t>
             </a:fld>
             <a:endParaRPr lang="ko-KR" altLang="en-US"/>
           </a:p>
@@ -2340,7 +2341,7 @@
           <a:p>
             <a:fld id="{232DD6C3-9D69-415A-982E-F73D53EB2A6C}" type="datetimeFigureOut">
               <a:rPr lang="ko-KR" altLang="en-US" smtClean="0"/>
-              <a:t>2017-01-11</a:t>
+              <a:t>2017-01-13</a:t>
             </a:fld>
             <a:endParaRPr lang="ko-KR" altLang="en-US"/>
           </a:p>
@@ -2551,7 +2552,7 @@
           <a:p>
             <a:fld id="{232DD6C3-9D69-415A-982E-F73D53EB2A6C}" type="datetimeFigureOut">
               <a:rPr lang="ko-KR" altLang="en-US" smtClean="0"/>
-              <a:t>2017-01-11</a:t>
+              <a:t>2017-01-13</a:t>
             </a:fld>
             <a:endParaRPr lang="ko-KR" altLang="en-US"/>
           </a:p>
@@ -4275,6 +4276,468 @@
     <p:extLst>
       <p:ext uri="{BB962C8B-B14F-4D97-AF65-F5344CB8AC3E}">
         <p14:creationId xmlns:p14="http://schemas.microsoft.com/office/powerpoint/2010/main" val="534751118"/>
+      </p:ext>
+    </p:extLst>
+  </p:cSld>
+  <p:clrMapOvr>
+    <a:masterClrMapping/>
+  </p:clrMapOvr>
+</p:sld>
+</file>
+
+<file path=ppt/slides/slide10.xml><?xml version="1.0" encoding="utf-8"?>
+<p:sld xmlns:a="http://schemas.openxmlformats.org/drawingml/2006/main" xmlns:r="http://schemas.openxmlformats.org/officeDocument/2006/relationships" xmlns:p="http://schemas.openxmlformats.org/presentationml/2006/main">
+  <p:cSld>
+    <p:spTree>
+      <p:nvGrpSpPr>
+        <p:cNvPr id="1" name=""/>
+        <p:cNvGrpSpPr/>
+        <p:nvPr/>
+      </p:nvGrpSpPr>
+      <p:grpSpPr>
+        <a:xfrm>
+          <a:off x="0" y="0"/>
+          <a:ext cx="0" cy="0"/>
+          <a:chOff x="0" y="0"/>
+          <a:chExt cx="0" cy="0"/>
+        </a:xfrm>
+      </p:grpSpPr>
+      <p:grpSp>
+        <p:nvGrpSpPr>
+          <p:cNvPr id="16" name="그룹 15"/>
+          <p:cNvGrpSpPr/>
+          <p:nvPr/>
+        </p:nvGrpSpPr>
+        <p:grpSpPr>
+          <a:xfrm>
+            <a:off x="4232978" y="2308064"/>
+            <a:ext cx="1487553" cy="1280271"/>
+            <a:chOff x="4232978" y="2308064"/>
+            <a:chExt cx="1487553" cy="1280271"/>
+          </a:xfrm>
+        </p:grpSpPr>
+        <p:sp>
+          <p:nvSpPr>
+            <p:cNvPr id="8" name="육각형 7"/>
+            <p:cNvSpPr>
+              <a:spLocks noChangeAspect="1"/>
+            </p:cNvSpPr>
+            <p:nvPr/>
+          </p:nvSpPr>
+          <p:spPr>
+            <a:xfrm>
+              <a:off x="4232978" y="2308064"/>
+              <a:ext cx="1487553" cy="1280271"/>
+            </a:xfrm>
+            <a:prstGeom prst="hexagon">
+              <a:avLst>
+                <a:gd name="adj" fmla="val 28994"/>
+                <a:gd name="vf" fmla="val 115470"/>
+              </a:avLst>
+            </a:prstGeom>
+            <a:solidFill>
+              <a:srgbClr val="DCDCDC"/>
+            </a:solidFill>
+            <a:ln w="50800">
+              <a:solidFill>
+                <a:srgbClr val="F0F0F0"/>
+              </a:solidFill>
+            </a:ln>
+          </p:spPr>
+          <p:style>
+            <a:lnRef idx="2">
+              <a:schemeClr val="accent1">
+                <a:shade val="50000"/>
+              </a:schemeClr>
+            </a:lnRef>
+            <a:fillRef idx="1">
+              <a:schemeClr val="accent1"/>
+            </a:fillRef>
+            <a:effectRef idx="0">
+              <a:schemeClr val="accent1"/>
+            </a:effectRef>
+            <a:fontRef idx="minor">
+              <a:schemeClr val="lt1"/>
+            </a:fontRef>
+          </p:style>
+          <p:txBody>
+            <a:bodyPr rtlCol="0" anchor="ctr"/>
+            <a:lstStyle/>
+            <a:p>
+              <a:pPr algn="ctr"/>
+              <a:endParaRPr lang="ko-KR" altLang="en-US"/>
+            </a:p>
+          </p:txBody>
+        </p:sp>
+        <p:sp>
+          <p:nvSpPr>
+            <p:cNvPr id="9" name="직사각형 8"/>
+            <p:cNvSpPr/>
+            <p:nvPr/>
+          </p:nvSpPr>
+          <p:spPr>
+            <a:xfrm rot="14400000">
+              <a:off x="4132794" y="3169666"/>
+              <a:ext cx="712982" cy="103293"/>
+            </a:xfrm>
+            <a:prstGeom prst="rect">
+              <a:avLst/>
+            </a:prstGeom>
+            <a:gradFill flip="none" rotWithShape="1">
+              <a:gsLst>
+                <a:gs pos="0">
+                  <a:srgbClr val="646464"/>
+                </a:gs>
+                <a:gs pos="100000">
+                  <a:srgbClr val="DCDCDC"/>
+                </a:gs>
+              </a:gsLst>
+              <a:lin ang="5400000" scaled="1"/>
+              <a:tileRect/>
+            </a:gradFill>
+            <a:ln>
+              <a:noFill/>
+            </a:ln>
+          </p:spPr>
+          <p:style>
+            <a:lnRef idx="2">
+              <a:schemeClr val="accent1">
+                <a:shade val="50000"/>
+              </a:schemeClr>
+            </a:lnRef>
+            <a:fillRef idx="1">
+              <a:schemeClr val="accent1"/>
+            </a:fillRef>
+            <a:effectRef idx="0">
+              <a:schemeClr val="accent1"/>
+            </a:effectRef>
+            <a:fontRef idx="minor">
+              <a:schemeClr val="lt1"/>
+            </a:fontRef>
+          </p:style>
+          <p:txBody>
+            <a:bodyPr rtlCol="0" anchor="ctr"/>
+            <a:lstStyle/>
+            <a:p>
+              <a:pPr algn="ctr"/>
+              <a:endParaRPr lang="ko-KR" altLang="en-US"/>
+            </a:p>
+          </p:txBody>
+        </p:sp>
+        <p:sp>
+          <p:nvSpPr>
+            <p:cNvPr id="10" name="직사각형 9"/>
+            <p:cNvSpPr/>
+            <p:nvPr/>
+          </p:nvSpPr>
+          <p:spPr>
+            <a:xfrm rot="7200000">
+              <a:off x="5114917" y="3170130"/>
+              <a:ext cx="712982" cy="101431"/>
+            </a:xfrm>
+            <a:prstGeom prst="rect">
+              <a:avLst/>
+            </a:prstGeom>
+            <a:gradFill flip="none" rotWithShape="1">
+              <a:gsLst>
+                <a:gs pos="0">
+                  <a:srgbClr val="646464"/>
+                </a:gs>
+                <a:gs pos="100000">
+                  <a:srgbClr val="DCDCDC"/>
+                </a:gs>
+              </a:gsLst>
+              <a:lin ang="5400000" scaled="1"/>
+              <a:tileRect/>
+            </a:gradFill>
+            <a:ln>
+              <a:noFill/>
+            </a:ln>
+          </p:spPr>
+          <p:style>
+            <a:lnRef idx="2">
+              <a:schemeClr val="accent1">
+                <a:shade val="50000"/>
+              </a:schemeClr>
+            </a:lnRef>
+            <a:fillRef idx="1">
+              <a:schemeClr val="accent1"/>
+            </a:fillRef>
+            <a:effectRef idx="0">
+              <a:schemeClr val="accent1"/>
+            </a:effectRef>
+            <a:fontRef idx="minor">
+              <a:schemeClr val="lt1"/>
+            </a:fontRef>
+          </p:style>
+          <p:txBody>
+            <a:bodyPr rtlCol="0" anchor="ctr"/>
+            <a:lstStyle/>
+            <a:p>
+              <a:pPr algn="ctr"/>
+              <a:endParaRPr lang="ko-KR" altLang="en-US" dirty="0"/>
+            </a:p>
+          </p:txBody>
+        </p:sp>
+        <p:sp>
+          <p:nvSpPr>
+            <p:cNvPr id="11" name="직사각형 10"/>
+            <p:cNvSpPr/>
+            <p:nvPr/>
+          </p:nvSpPr>
+          <p:spPr>
+            <a:xfrm rot="10800000">
+              <a:off x="4624259" y="3452539"/>
+              <a:ext cx="712982" cy="102394"/>
+            </a:xfrm>
+            <a:prstGeom prst="rect">
+              <a:avLst/>
+            </a:prstGeom>
+            <a:gradFill flip="none" rotWithShape="1">
+              <a:gsLst>
+                <a:gs pos="0">
+                  <a:srgbClr val="646464"/>
+                </a:gs>
+                <a:gs pos="100000">
+                  <a:srgbClr val="DCDCDC"/>
+                </a:gs>
+              </a:gsLst>
+              <a:lin ang="5400000" scaled="1"/>
+              <a:tileRect/>
+            </a:gradFill>
+            <a:ln>
+              <a:noFill/>
+            </a:ln>
+          </p:spPr>
+          <p:style>
+            <a:lnRef idx="2">
+              <a:schemeClr val="accent1">
+                <a:shade val="50000"/>
+              </a:schemeClr>
+            </a:lnRef>
+            <a:fillRef idx="1">
+              <a:schemeClr val="accent1"/>
+            </a:fillRef>
+            <a:effectRef idx="0">
+              <a:schemeClr val="accent1"/>
+            </a:effectRef>
+            <a:fontRef idx="minor">
+              <a:schemeClr val="lt1"/>
+            </a:fontRef>
+          </p:style>
+          <p:txBody>
+            <a:bodyPr rtlCol="0" anchor="ctr"/>
+            <a:lstStyle/>
+            <a:p>
+              <a:pPr algn="ctr"/>
+              <a:endParaRPr lang="ko-KR" altLang="en-US"/>
+            </a:p>
+          </p:txBody>
+        </p:sp>
+        <p:grpSp>
+          <p:nvGrpSpPr>
+            <p:cNvPr id="13" name="그룹 12"/>
+            <p:cNvGrpSpPr>
+              <a:grpSpLocks noChangeAspect="1"/>
+            </p:cNvGrpSpPr>
+            <p:nvPr/>
+          </p:nvGrpSpPr>
+          <p:grpSpPr>
+            <a:xfrm>
+              <a:off x="4592295" y="2488231"/>
+              <a:ext cx="776910" cy="784142"/>
+              <a:chOff x="4309745" y="2089473"/>
+              <a:chExt cx="3794034" cy="3829352"/>
+            </a:xfrm>
+          </p:grpSpPr>
+          <p:sp>
+            <p:nvSpPr>
+              <p:cNvPr id="4" name="사다리꼴 3"/>
+              <p:cNvSpPr/>
+              <p:nvPr/>
+            </p:nvSpPr>
+            <p:spPr>
+              <a:xfrm>
+                <a:off x="4309745" y="3049129"/>
+                <a:ext cx="3794034" cy="2869696"/>
+              </a:xfrm>
+              <a:prstGeom prst="trapezoid">
+                <a:avLst/>
+              </a:prstGeom>
+              <a:solidFill>
+                <a:schemeClr val="bg2">
+                  <a:lumMod val="50000"/>
+                </a:schemeClr>
+              </a:solidFill>
+              <a:ln>
+                <a:noFill/>
+              </a:ln>
+            </p:spPr>
+            <p:style>
+              <a:lnRef idx="2">
+                <a:schemeClr val="accent1">
+                  <a:shade val="50000"/>
+                </a:schemeClr>
+              </a:lnRef>
+              <a:fillRef idx="1">
+                <a:schemeClr val="accent1"/>
+              </a:fillRef>
+              <a:effectRef idx="0">
+                <a:schemeClr val="accent1"/>
+              </a:effectRef>
+              <a:fontRef idx="minor">
+                <a:schemeClr val="lt1"/>
+              </a:fontRef>
+            </p:style>
+            <p:txBody>
+              <a:bodyPr rtlCol="0" anchor="ctr"/>
+              <a:lstStyle/>
+              <a:p>
+                <a:pPr algn="ctr"/>
+                <a:r>
+                  <a:rPr lang="en-US" altLang="ko-KR" dirty="0">
+                    <a:solidFill>
+                      <a:srgbClr val="DCDCDC"/>
+                    </a:solidFill>
+                    <a:latin typeface="Bangers" panose="020B0603050302020204" pitchFamily="34" charset="0"/>
+                  </a:rPr>
+                  <a:t>100</a:t>
+                </a:r>
+                <a:r>
+                  <a:rPr lang="en-US" altLang="ko-KR" dirty="0">
+                    <a:solidFill>
+                      <a:srgbClr val="DCDCDC"/>
+                    </a:solidFill>
+                    <a:latin typeface="Adobe 고딕 Std B" panose="020B0800000000000000" pitchFamily="34" charset="-127"/>
+                    <a:ea typeface="Adobe 고딕 Std B" panose="020B0800000000000000" pitchFamily="34" charset="-127"/>
+                  </a:rPr>
+                  <a:t>t</a:t>
+                </a:r>
+                <a:endParaRPr lang="ko-KR" altLang="en-US" dirty="0">
+                  <a:solidFill>
+                    <a:srgbClr val="DCDCDC"/>
+                  </a:solidFill>
+                  <a:latin typeface="Adobe 고딕 Std B" panose="020B0800000000000000" pitchFamily="34" charset="-127"/>
+                  <a:ea typeface="Adobe 고딕 Std B" panose="020B0800000000000000" pitchFamily="34" charset="-127"/>
+                </a:endParaRPr>
+              </a:p>
+            </p:txBody>
+          </p:sp>
+          <p:grpSp>
+            <p:nvGrpSpPr>
+              <p:cNvPr id="12" name="그룹 11"/>
+              <p:cNvGrpSpPr/>
+              <p:nvPr/>
+            </p:nvGrpSpPr>
+            <p:grpSpPr>
+              <a:xfrm>
+                <a:off x="5666762" y="2089473"/>
+                <a:ext cx="1080000" cy="1080000"/>
+                <a:chOff x="9216255" y="4447116"/>
+                <a:chExt cx="1080000" cy="1080000"/>
+              </a:xfrm>
+            </p:grpSpPr>
+            <p:sp>
+              <p:nvSpPr>
+                <p:cNvPr id="5" name="타원 4"/>
+                <p:cNvSpPr/>
+                <p:nvPr/>
+              </p:nvSpPr>
+              <p:spPr>
+                <a:xfrm>
+                  <a:off x="9216255" y="4447116"/>
+                  <a:ext cx="1080000" cy="1080000"/>
+                </a:xfrm>
+                <a:prstGeom prst="ellipse">
+                  <a:avLst/>
+                </a:prstGeom>
+                <a:solidFill>
+                  <a:schemeClr val="bg2">
+                    <a:lumMod val="50000"/>
+                  </a:schemeClr>
+                </a:solidFill>
+                <a:ln>
+                  <a:noFill/>
+                </a:ln>
+              </p:spPr>
+              <p:style>
+                <a:lnRef idx="2">
+                  <a:schemeClr val="accent1">
+                    <a:shade val="50000"/>
+                  </a:schemeClr>
+                </a:lnRef>
+                <a:fillRef idx="1">
+                  <a:schemeClr val="accent1"/>
+                </a:fillRef>
+                <a:effectRef idx="0">
+                  <a:schemeClr val="accent1"/>
+                </a:effectRef>
+                <a:fontRef idx="minor">
+                  <a:schemeClr val="lt1"/>
+                </a:fontRef>
+              </p:style>
+              <p:txBody>
+                <a:bodyPr rtlCol="0" anchor="ctr"/>
+                <a:lstStyle/>
+                <a:p>
+                  <a:pPr algn="ctr"/>
+                  <a:endParaRPr lang="ko-KR" altLang="en-US" dirty="0"/>
+                </a:p>
+              </p:txBody>
+            </p:sp>
+            <p:sp>
+              <p:nvSpPr>
+                <p:cNvPr id="6" name="타원 5"/>
+                <p:cNvSpPr/>
+                <p:nvPr/>
+              </p:nvSpPr>
+              <p:spPr>
+                <a:xfrm>
+                  <a:off x="9400760" y="4627848"/>
+                  <a:ext cx="720000" cy="720000"/>
+                </a:xfrm>
+                <a:prstGeom prst="ellipse">
+                  <a:avLst/>
+                </a:prstGeom>
+                <a:solidFill>
+                  <a:srgbClr val="DCDCDC"/>
+                </a:solidFill>
+                <a:ln>
+                  <a:noFill/>
+                </a:ln>
+              </p:spPr>
+              <p:style>
+                <a:lnRef idx="2">
+                  <a:schemeClr val="accent1">
+                    <a:shade val="50000"/>
+                  </a:schemeClr>
+                </a:lnRef>
+                <a:fillRef idx="1">
+                  <a:schemeClr val="accent1"/>
+                </a:fillRef>
+                <a:effectRef idx="0">
+                  <a:schemeClr val="accent1"/>
+                </a:effectRef>
+                <a:fontRef idx="minor">
+                  <a:schemeClr val="lt1"/>
+                </a:fontRef>
+              </p:style>
+              <p:txBody>
+                <a:bodyPr rtlCol="0" anchor="ctr"/>
+                <a:lstStyle/>
+                <a:p>
+                  <a:pPr algn="ctr"/>
+                  <a:endParaRPr lang="ko-KR" altLang="en-US" dirty="0"/>
+                </a:p>
+              </p:txBody>
+            </p:sp>
+          </p:grpSp>
+        </p:grpSp>
+      </p:grpSp>
+    </p:spTree>
+    <p:extLst>
+      <p:ext uri="{BB962C8B-B14F-4D97-AF65-F5344CB8AC3E}">
+        <p14:creationId xmlns:p14="http://schemas.microsoft.com/office/powerpoint/2010/main" val="296199389"/>
       </p:ext>
     </p:extLst>
   </p:cSld>

--- a/Hextris 아트 리소스.pptx
+++ b/Hextris 아트 리소스.pptx
@@ -4304,15 +4304,560 @@
       </p:grpSpPr>
       <p:grpSp>
         <p:nvGrpSpPr>
-          <p:cNvPr id="16" name="그룹 15"/>
+          <p:cNvPr id="36" name="그룹 35"/>
           <p:cNvGrpSpPr/>
           <p:nvPr/>
         </p:nvGrpSpPr>
         <p:grpSpPr>
           <a:xfrm>
-            <a:off x="4232978" y="2308064"/>
+            <a:off x="4452210" y="2566791"/>
             <a:ext cx="1487553" cy="1280271"/>
-            <a:chOff x="4232978" y="2308064"/>
+            <a:chOff x="4452210" y="2566791"/>
+            <a:chExt cx="1487553" cy="1280271"/>
+          </a:xfrm>
+        </p:grpSpPr>
+        <p:sp>
+          <p:nvSpPr>
+            <p:cNvPr id="18" name="육각형 17"/>
+            <p:cNvSpPr>
+              <a:spLocks noChangeAspect="1"/>
+            </p:cNvSpPr>
+            <p:nvPr/>
+          </p:nvSpPr>
+          <p:spPr>
+            <a:xfrm>
+              <a:off x="4452210" y="2566791"/>
+              <a:ext cx="1487553" cy="1280271"/>
+            </a:xfrm>
+            <a:prstGeom prst="hexagon">
+              <a:avLst>
+                <a:gd name="adj" fmla="val 28994"/>
+                <a:gd name="vf" fmla="val 115470"/>
+              </a:avLst>
+            </a:prstGeom>
+            <a:solidFill>
+              <a:srgbClr val="DCDCDC"/>
+            </a:solidFill>
+            <a:ln w="50800">
+              <a:solidFill>
+                <a:srgbClr val="F0F0F0"/>
+              </a:solidFill>
+            </a:ln>
+          </p:spPr>
+          <p:style>
+            <a:lnRef idx="2">
+              <a:schemeClr val="accent1">
+                <a:shade val="50000"/>
+              </a:schemeClr>
+            </a:lnRef>
+            <a:fillRef idx="1">
+              <a:schemeClr val="accent1"/>
+            </a:fillRef>
+            <a:effectRef idx="0">
+              <a:schemeClr val="accent1"/>
+            </a:effectRef>
+            <a:fontRef idx="minor">
+              <a:schemeClr val="lt1"/>
+            </a:fontRef>
+          </p:style>
+          <p:txBody>
+            <a:bodyPr rtlCol="0" anchor="ctr"/>
+            <a:lstStyle/>
+            <a:p>
+              <a:pPr algn="ctr"/>
+              <a:endParaRPr lang="ko-KR" altLang="en-US"/>
+            </a:p>
+          </p:txBody>
+        </p:sp>
+        <p:sp>
+          <p:nvSpPr>
+            <p:cNvPr id="19" name="직사각형 18"/>
+            <p:cNvSpPr/>
+            <p:nvPr/>
+          </p:nvSpPr>
+          <p:spPr>
+            <a:xfrm rot="14400000">
+              <a:off x="4352026" y="3428393"/>
+              <a:ext cx="712982" cy="103293"/>
+            </a:xfrm>
+            <a:prstGeom prst="rect">
+              <a:avLst/>
+            </a:prstGeom>
+            <a:gradFill flip="none" rotWithShape="1">
+              <a:gsLst>
+                <a:gs pos="0">
+                  <a:srgbClr val="646464"/>
+                </a:gs>
+                <a:gs pos="100000">
+                  <a:srgbClr val="DCDCDC"/>
+                </a:gs>
+              </a:gsLst>
+              <a:lin ang="5400000" scaled="1"/>
+              <a:tileRect/>
+            </a:gradFill>
+            <a:ln>
+              <a:noFill/>
+            </a:ln>
+          </p:spPr>
+          <p:style>
+            <a:lnRef idx="2">
+              <a:schemeClr val="accent1">
+                <a:shade val="50000"/>
+              </a:schemeClr>
+            </a:lnRef>
+            <a:fillRef idx="1">
+              <a:schemeClr val="accent1"/>
+            </a:fillRef>
+            <a:effectRef idx="0">
+              <a:schemeClr val="accent1"/>
+            </a:effectRef>
+            <a:fontRef idx="minor">
+              <a:schemeClr val="lt1"/>
+            </a:fontRef>
+          </p:style>
+          <p:txBody>
+            <a:bodyPr rtlCol="0" anchor="ctr"/>
+            <a:lstStyle/>
+            <a:p>
+              <a:pPr algn="ctr"/>
+              <a:endParaRPr lang="ko-KR" altLang="en-US"/>
+            </a:p>
+          </p:txBody>
+        </p:sp>
+        <p:sp>
+          <p:nvSpPr>
+            <p:cNvPr id="20" name="직사각형 19"/>
+            <p:cNvSpPr/>
+            <p:nvPr/>
+          </p:nvSpPr>
+          <p:spPr>
+            <a:xfrm rot="7200000">
+              <a:off x="5334149" y="3428857"/>
+              <a:ext cx="712982" cy="101431"/>
+            </a:xfrm>
+            <a:prstGeom prst="rect">
+              <a:avLst/>
+            </a:prstGeom>
+            <a:gradFill flip="none" rotWithShape="1">
+              <a:gsLst>
+                <a:gs pos="0">
+                  <a:srgbClr val="646464"/>
+                </a:gs>
+                <a:gs pos="100000">
+                  <a:srgbClr val="DCDCDC"/>
+                </a:gs>
+              </a:gsLst>
+              <a:lin ang="5400000" scaled="1"/>
+              <a:tileRect/>
+            </a:gradFill>
+            <a:ln>
+              <a:noFill/>
+            </a:ln>
+          </p:spPr>
+          <p:style>
+            <a:lnRef idx="2">
+              <a:schemeClr val="accent1">
+                <a:shade val="50000"/>
+              </a:schemeClr>
+            </a:lnRef>
+            <a:fillRef idx="1">
+              <a:schemeClr val="accent1"/>
+            </a:fillRef>
+            <a:effectRef idx="0">
+              <a:schemeClr val="accent1"/>
+            </a:effectRef>
+            <a:fontRef idx="minor">
+              <a:schemeClr val="lt1"/>
+            </a:fontRef>
+          </p:style>
+          <p:txBody>
+            <a:bodyPr rtlCol="0" anchor="ctr"/>
+            <a:lstStyle/>
+            <a:p>
+              <a:pPr algn="ctr"/>
+              <a:endParaRPr lang="ko-KR" altLang="en-US" dirty="0"/>
+            </a:p>
+          </p:txBody>
+        </p:sp>
+        <p:sp>
+          <p:nvSpPr>
+            <p:cNvPr id="21" name="직사각형 20"/>
+            <p:cNvSpPr/>
+            <p:nvPr/>
+          </p:nvSpPr>
+          <p:spPr>
+            <a:xfrm rot="10800000">
+              <a:off x="4843491" y="3711266"/>
+              <a:ext cx="712982" cy="102394"/>
+            </a:xfrm>
+            <a:prstGeom prst="rect">
+              <a:avLst/>
+            </a:prstGeom>
+            <a:gradFill flip="none" rotWithShape="1">
+              <a:gsLst>
+                <a:gs pos="0">
+                  <a:srgbClr val="646464"/>
+                </a:gs>
+                <a:gs pos="100000">
+                  <a:srgbClr val="DCDCDC"/>
+                </a:gs>
+              </a:gsLst>
+              <a:lin ang="5400000" scaled="1"/>
+              <a:tileRect/>
+            </a:gradFill>
+            <a:ln>
+              <a:noFill/>
+            </a:ln>
+          </p:spPr>
+          <p:style>
+            <a:lnRef idx="2">
+              <a:schemeClr val="accent1">
+                <a:shade val="50000"/>
+              </a:schemeClr>
+            </a:lnRef>
+            <a:fillRef idx="1">
+              <a:schemeClr val="accent1"/>
+            </a:fillRef>
+            <a:effectRef idx="0">
+              <a:schemeClr val="accent1"/>
+            </a:effectRef>
+            <a:fontRef idx="minor">
+              <a:schemeClr val="lt1"/>
+            </a:fontRef>
+          </p:style>
+          <p:txBody>
+            <a:bodyPr rtlCol="0" anchor="ctr"/>
+            <a:lstStyle/>
+            <a:p>
+              <a:pPr algn="ctr"/>
+              <a:endParaRPr lang="ko-KR" altLang="en-US"/>
+            </a:p>
+          </p:txBody>
+        </p:sp>
+        <p:grpSp>
+          <p:nvGrpSpPr>
+            <p:cNvPr id="35" name="그룹 34"/>
+            <p:cNvGrpSpPr>
+              <a:grpSpLocks noChangeAspect="1"/>
+            </p:cNvGrpSpPr>
+            <p:nvPr/>
+          </p:nvGrpSpPr>
+          <p:grpSpPr>
+            <a:xfrm>
+              <a:off x="4777740" y="2824260"/>
+              <a:ext cx="932483" cy="765332"/>
+              <a:chOff x="6008914" y="944991"/>
+              <a:chExt cx="2094766" cy="1719272"/>
+            </a:xfrm>
+          </p:grpSpPr>
+          <p:sp>
+            <p:nvSpPr>
+              <p:cNvPr id="34" name="폭발 1 33"/>
+              <p:cNvSpPr/>
+              <p:nvPr/>
+            </p:nvSpPr>
+            <p:spPr>
+              <a:xfrm>
+                <a:off x="7540166" y="944991"/>
+                <a:ext cx="563514" cy="613651"/>
+              </a:xfrm>
+              <a:prstGeom prst="irregularSeal1">
+                <a:avLst/>
+              </a:prstGeom>
+              <a:gradFill flip="none" rotWithShape="1">
+                <a:gsLst>
+                  <a:gs pos="0">
+                    <a:srgbClr val="FFFF00"/>
+                  </a:gs>
+                  <a:gs pos="97000">
+                    <a:srgbClr val="FF0000"/>
+                  </a:gs>
+                </a:gsLst>
+                <a:path path="circle">
+                  <a:fillToRect l="50000" t="50000" r="50000" b="50000"/>
+                </a:path>
+                <a:tileRect/>
+              </a:gradFill>
+              <a:ln>
+                <a:noFill/>
+              </a:ln>
+            </p:spPr>
+            <p:style>
+              <a:lnRef idx="2">
+                <a:schemeClr val="accent1">
+                  <a:shade val="50000"/>
+                </a:schemeClr>
+              </a:lnRef>
+              <a:fillRef idx="1">
+                <a:schemeClr val="accent1"/>
+              </a:fillRef>
+              <a:effectRef idx="0">
+                <a:schemeClr val="accent1"/>
+              </a:effectRef>
+              <a:fontRef idx="minor">
+                <a:schemeClr val="lt1"/>
+              </a:fontRef>
+            </p:style>
+            <p:txBody>
+              <a:bodyPr rtlCol="0" anchor="ctr"/>
+              <a:lstStyle/>
+              <a:p>
+                <a:pPr algn="ctr"/>
+                <a:endParaRPr lang="ko-KR" altLang="en-US"/>
+              </a:p>
+            </p:txBody>
+          </p:sp>
+          <p:sp>
+            <p:nvSpPr>
+              <p:cNvPr id="32" name="자유형 31"/>
+              <p:cNvSpPr/>
+              <p:nvPr/>
+            </p:nvSpPr>
+            <p:spPr>
+              <a:xfrm>
+                <a:off x="7181618" y="1104075"/>
+                <a:ext cx="612137" cy="217195"/>
+              </a:xfrm>
+              <a:custGeom>
+                <a:avLst/>
+                <a:gdLst>
+                  <a:gd name="connsiteX0" fmla="*/ 0 w 1066293"/>
+                  <a:gd name="connsiteY0" fmla="*/ 385847 h 385847"/>
+                  <a:gd name="connsiteX1" fmla="*/ 555930 w 1066293"/>
+                  <a:gd name="connsiteY1" fmla="*/ 37 h 385847"/>
+                  <a:gd name="connsiteX2" fmla="*/ 747316 w 1066293"/>
+                  <a:gd name="connsiteY2" fmla="*/ 361544 h 385847"/>
+                  <a:gd name="connsiteX3" fmla="*/ 1066293 w 1066293"/>
+                  <a:gd name="connsiteY3" fmla="*/ 221801 h 385847"/>
+                </a:gdLst>
+                <a:ahLst/>
+                <a:cxnLst>
+                  <a:cxn ang="0">
+                    <a:pos x="connsiteX0" y="connsiteY0"/>
+                  </a:cxn>
+                  <a:cxn ang="0">
+                    <a:pos x="connsiteX1" y="connsiteY1"/>
+                  </a:cxn>
+                  <a:cxn ang="0">
+                    <a:pos x="connsiteX2" y="connsiteY2"/>
+                  </a:cxn>
+                  <a:cxn ang="0">
+                    <a:pos x="connsiteX3" y="connsiteY3"/>
+                  </a:cxn>
+                </a:cxnLst>
+                <a:rect l="l" t="t" r="r" b="b"/>
+                <a:pathLst>
+                  <a:path w="1066293" h="385847">
+                    <a:moveTo>
+                      <a:pt x="0" y="385847"/>
+                    </a:moveTo>
+                    <a:cubicBezTo>
+                      <a:pt x="215688" y="194967"/>
+                      <a:pt x="431377" y="4087"/>
+                      <a:pt x="555930" y="37"/>
+                    </a:cubicBezTo>
+                    <a:cubicBezTo>
+                      <a:pt x="680483" y="-4013"/>
+                      <a:pt x="662256" y="324583"/>
+                      <a:pt x="747316" y="361544"/>
+                    </a:cubicBezTo>
+                    <a:cubicBezTo>
+                      <a:pt x="832377" y="398505"/>
+                      <a:pt x="1013130" y="242053"/>
+                      <a:pt x="1066293" y="221801"/>
+                    </a:cubicBezTo>
+                  </a:path>
+                </a:pathLst>
+              </a:custGeom>
+              <a:noFill/>
+              <a:ln w="50800" cap="rnd">
+                <a:solidFill>
+                  <a:schemeClr val="bg2">
+                    <a:lumMod val="75000"/>
+                  </a:schemeClr>
+                </a:solidFill>
+              </a:ln>
+            </p:spPr>
+            <p:style>
+              <a:lnRef idx="2">
+                <a:schemeClr val="accent1">
+                  <a:shade val="50000"/>
+                </a:schemeClr>
+              </a:lnRef>
+              <a:fillRef idx="1">
+                <a:schemeClr val="accent1"/>
+              </a:fillRef>
+              <a:effectRef idx="0">
+                <a:schemeClr val="accent1"/>
+              </a:effectRef>
+              <a:fontRef idx="minor">
+                <a:schemeClr val="lt1"/>
+              </a:fontRef>
+            </p:style>
+            <p:txBody>
+              <a:bodyPr rtlCol="0" anchor="ctr"/>
+              <a:lstStyle/>
+              <a:p>
+                <a:pPr algn="ctr"/>
+                <a:endParaRPr lang="ko-KR" altLang="en-US"/>
+              </a:p>
+            </p:txBody>
+          </p:sp>
+          <p:sp>
+            <p:nvSpPr>
+              <p:cNvPr id="27" name="타원 26"/>
+              <p:cNvSpPr/>
+              <p:nvPr/>
+            </p:nvSpPr>
+            <p:spPr>
+              <a:xfrm>
+                <a:off x="6008914" y="1224263"/>
+                <a:ext cx="1440000" cy="1440000"/>
+              </a:xfrm>
+              <a:prstGeom prst="ellipse">
+                <a:avLst/>
+              </a:prstGeom>
+              <a:solidFill>
+                <a:schemeClr val="bg2">
+                  <a:lumMod val="25000"/>
+                </a:schemeClr>
+              </a:solidFill>
+              <a:ln>
+                <a:noFill/>
+              </a:ln>
+            </p:spPr>
+            <p:style>
+              <a:lnRef idx="2">
+                <a:schemeClr val="accent1">
+                  <a:shade val="50000"/>
+                </a:schemeClr>
+              </a:lnRef>
+              <a:fillRef idx="1">
+                <a:schemeClr val="accent1"/>
+              </a:fillRef>
+              <a:effectRef idx="0">
+                <a:schemeClr val="accent1"/>
+              </a:effectRef>
+              <a:fontRef idx="minor">
+                <a:schemeClr val="lt1"/>
+              </a:fontRef>
+            </p:style>
+            <p:txBody>
+              <a:bodyPr rtlCol="0" anchor="ctr"/>
+              <a:lstStyle/>
+              <a:p>
+                <a:pPr algn="ctr"/>
+                <a:endParaRPr lang="ko-KR" altLang="en-US"/>
+              </a:p>
+            </p:txBody>
+          </p:sp>
+          <p:sp>
+            <p:nvSpPr>
+              <p:cNvPr id="28" name="타원 27"/>
+              <p:cNvSpPr/>
+              <p:nvPr/>
+            </p:nvSpPr>
+            <p:spPr>
+              <a:xfrm>
+                <a:off x="6151694" y="1436261"/>
+                <a:ext cx="720000" cy="720000"/>
+              </a:xfrm>
+              <a:prstGeom prst="ellipse">
+                <a:avLst/>
+              </a:prstGeom>
+              <a:solidFill>
+                <a:srgbClr val="6B6565"/>
+              </a:solidFill>
+              <a:ln>
+                <a:noFill/>
+              </a:ln>
+            </p:spPr>
+            <p:style>
+              <a:lnRef idx="2">
+                <a:schemeClr val="accent1">
+                  <a:shade val="50000"/>
+                </a:schemeClr>
+              </a:lnRef>
+              <a:fillRef idx="1">
+                <a:schemeClr val="accent1"/>
+              </a:fillRef>
+              <a:effectRef idx="0">
+                <a:schemeClr val="accent1"/>
+              </a:effectRef>
+              <a:fontRef idx="minor">
+                <a:schemeClr val="lt1"/>
+              </a:fontRef>
+            </p:style>
+            <p:txBody>
+              <a:bodyPr rtlCol="0" anchor="ctr"/>
+              <a:lstStyle/>
+              <a:p>
+                <a:pPr algn="ctr"/>
+                <a:endParaRPr lang="ko-KR" altLang="en-US"/>
+              </a:p>
+            </p:txBody>
+          </p:sp>
+          <p:sp>
+            <p:nvSpPr>
+              <p:cNvPr id="29" name="모서리가 둥근 직사각형 28"/>
+              <p:cNvSpPr/>
+              <p:nvPr/>
+            </p:nvSpPr>
+            <p:spPr>
+              <a:xfrm rot="2036557">
+                <a:off x="6916128" y="1210499"/>
+                <a:ext cx="473908" cy="303788"/>
+              </a:xfrm>
+              <a:prstGeom prst="roundRect">
+                <a:avLst/>
+              </a:prstGeom>
+              <a:solidFill>
+                <a:schemeClr val="bg2">
+                  <a:lumMod val="25000"/>
+                </a:schemeClr>
+              </a:solidFill>
+              <a:ln>
+                <a:noFill/>
+              </a:ln>
+            </p:spPr>
+            <p:style>
+              <a:lnRef idx="2">
+                <a:schemeClr val="accent1">
+                  <a:shade val="50000"/>
+                </a:schemeClr>
+              </a:lnRef>
+              <a:fillRef idx="1">
+                <a:schemeClr val="accent1"/>
+              </a:fillRef>
+              <a:effectRef idx="0">
+                <a:schemeClr val="accent1"/>
+              </a:effectRef>
+              <a:fontRef idx="minor">
+                <a:schemeClr val="lt1"/>
+              </a:fontRef>
+            </p:style>
+            <p:txBody>
+              <a:bodyPr rtlCol="0" anchor="ctr"/>
+              <a:lstStyle/>
+              <a:p>
+                <a:pPr algn="ctr"/>
+                <a:endParaRPr lang="ko-KR" altLang="en-US"/>
+              </a:p>
+            </p:txBody>
+          </p:sp>
+        </p:grpSp>
+      </p:grpSp>
+      <p:grpSp>
+        <p:nvGrpSpPr>
+          <p:cNvPr id="42" name="그룹 41"/>
+          <p:cNvGrpSpPr/>
+          <p:nvPr/>
+        </p:nvGrpSpPr>
+        <p:grpSpPr>
+          <a:xfrm>
+            <a:off x="2461008" y="2432457"/>
+            <a:ext cx="1487553" cy="1280271"/>
+            <a:chOff x="2461008" y="2432457"/>
             <a:chExt cx="1487553" cy="1280271"/>
           </a:xfrm>
         </p:grpSpPr>
@@ -4326,7 +4871,7 @@
           </p:nvSpPr>
           <p:spPr>
             <a:xfrm>
-              <a:off x="4232978" y="2308064"/>
+              <a:off x="2461008" y="2432457"/>
               <a:ext cx="1487553" cy="1280271"/>
             </a:xfrm>
             <a:prstGeom prst="hexagon">
@@ -4377,7 +4922,7 @@
           </p:nvSpPr>
           <p:spPr>
             <a:xfrm rot="14400000">
-              <a:off x="4132794" y="3169666"/>
+              <a:off x="2360824" y="3294059"/>
               <a:ext cx="712982" cy="103293"/>
             </a:xfrm>
             <a:prstGeom prst="rect">
@@ -4432,7 +4977,7 @@
           </p:nvSpPr>
           <p:spPr>
             <a:xfrm rot="7200000">
-              <a:off x="5114917" y="3170130"/>
+              <a:off x="3342947" y="3294523"/>
               <a:ext cx="712982" cy="101431"/>
             </a:xfrm>
             <a:prstGeom prst="rect">
@@ -4487,7 +5032,7 @@
           </p:nvSpPr>
           <p:spPr>
             <a:xfrm rot="10800000">
-              <a:off x="4624259" y="3452539"/>
+              <a:off x="2852289" y="3576932"/>
               <a:ext cx="712982" cy="102394"/>
             </a:xfrm>
             <a:prstGeom prst="rect">
@@ -4544,7 +5089,7 @@
           </p:nvGrpSpPr>
           <p:grpSpPr>
             <a:xfrm>
-              <a:off x="4592295" y="2488231"/>
+              <a:off x="2820325" y="2612624"/>
               <a:ext cx="776910" cy="784142"/>
               <a:chOff x="4309745" y="2089473"/>
               <a:chExt cx="3794034" cy="3829352"/>
@@ -4594,25 +5139,6 @@
               <a:lstStyle/>
               <a:p>
                 <a:pPr algn="ctr"/>
-                <a:r>
-                  <a:rPr lang="en-US" altLang="ko-KR" dirty="0">
-                    <a:solidFill>
-                      <a:srgbClr val="DCDCDC"/>
-                    </a:solidFill>
-                    <a:latin typeface="Bangers" panose="020B0603050302020204" pitchFamily="34" charset="0"/>
-                  </a:rPr>
-                  <a:t>100</a:t>
-                </a:r>
-                <a:r>
-                  <a:rPr lang="en-US" altLang="ko-KR" dirty="0">
-                    <a:solidFill>
-                      <a:srgbClr val="DCDCDC"/>
-                    </a:solidFill>
-                    <a:latin typeface="Adobe 고딕 Std B" panose="020B0800000000000000" pitchFamily="34" charset="-127"/>
-                    <a:ea typeface="Adobe 고딕 Std B" panose="020B0800000000000000" pitchFamily="34" charset="-127"/>
-                  </a:rPr>
-                  <a:t>t</a:t>
-                </a:r>
                 <a:endParaRPr lang="ko-KR" altLang="en-US" dirty="0">
                   <a:solidFill>
                     <a:srgbClr val="DCDCDC"/>
@@ -4733,6 +5259,142 @@
             </p:sp>
           </p:grpSp>
         </p:grpSp>
+        <p:sp>
+          <p:nvSpPr>
+            <p:cNvPr id="41" name="자유형 40"/>
+            <p:cNvSpPr/>
+            <p:nvPr/>
+          </p:nvSpPr>
+          <p:spPr>
+            <a:xfrm>
+              <a:off x="2957166" y="2882109"/>
+              <a:ext cx="300749" cy="291636"/>
+            </a:xfrm>
+            <a:custGeom>
+              <a:avLst/>
+              <a:gdLst>
+                <a:gd name="connsiteX0" fmla="*/ 0 w 504287"/>
+                <a:gd name="connsiteY0" fmla="*/ 555931 h 555931"/>
+                <a:gd name="connsiteX1" fmla="*/ 136704 w 504287"/>
+                <a:gd name="connsiteY1" fmla="*/ 118477 h 555931"/>
+                <a:gd name="connsiteX2" fmla="*/ 504287 w 504287"/>
+                <a:gd name="connsiteY2" fmla="*/ 0 h 555931"/>
+              </a:gdLst>
+              <a:ahLst/>
+              <a:cxnLst>
+                <a:cxn ang="0">
+                  <a:pos x="connsiteX0" y="connsiteY0"/>
+                </a:cxn>
+                <a:cxn ang="0">
+                  <a:pos x="connsiteX1" y="connsiteY1"/>
+                </a:cxn>
+                <a:cxn ang="0">
+                  <a:pos x="connsiteX2" y="connsiteY2"/>
+                </a:cxn>
+              </a:cxnLst>
+              <a:rect l="l" t="t" r="r" b="b"/>
+              <a:pathLst>
+                <a:path w="504287" h="555931">
+                  <a:moveTo>
+                    <a:pt x="0" y="555931"/>
+                  </a:moveTo>
+                  <a:cubicBezTo>
+                    <a:pt x="26328" y="383531"/>
+                    <a:pt x="52656" y="211132"/>
+                    <a:pt x="136704" y="118477"/>
+                  </a:cubicBezTo>
+                  <a:cubicBezTo>
+                    <a:pt x="220752" y="25822"/>
+                    <a:pt x="362519" y="12911"/>
+                    <a:pt x="504287" y="0"/>
+                  </a:cubicBezTo>
+                </a:path>
+              </a:pathLst>
+            </a:custGeom>
+            <a:noFill/>
+            <a:ln w="88900" cap="rnd">
+              <a:solidFill>
+                <a:srgbClr val="A9A5A5"/>
+              </a:solidFill>
+              <a:round/>
+            </a:ln>
+          </p:spPr>
+          <p:style>
+            <a:lnRef idx="2">
+              <a:schemeClr val="accent1">
+                <a:shade val="50000"/>
+              </a:schemeClr>
+            </a:lnRef>
+            <a:fillRef idx="1">
+              <a:schemeClr val="accent1"/>
+            </a:fillRef>
+            <a:effectRef idx="0">
+              <a:schemeClr val="accent1"/>
+            </a:effectRef>
+            <a:fontRef idx="minor">
+              <a:schemeClr val="lt1"/>
+            </a:fontRef>
+          </p:style>
+          <p:txBody>
+            <a:bodyPr rtlCol="0" anchor="ctr"/>
+            <a:lstStyle/>
+            <a:p>
+              <a:pPr algn="ctr"/>
+              <a:endParaRPr lang="ko-KR" altLang="en-US"/>
+            </a:p>
+          </p:txBody>
+        </p:sp>
+        <p:sp>
+          <p:nvSpPr>
+            <p:cNvPr id="38" name="TextBox 37"/>
+            <p:cNvSpPr txBox="1"/>
+            <p:nvPr/>
+          </p:nvSpPr>
+          <p:spPr>
+            <a:xfrm>
+              <a:off x="2924739" y="2921926"/>
+              <a:ext cx="568082" cy="369332"/>
+            </a:xfrm>
+            <a:prstGeom prst="rect">
+              <a:avLst/>
+            </a:prstGeom>
+            <a:noFill/>
+          </p:spPr>
+          <p:txBody>
+            <a:bodyPr wrap="square" rtlCol="0">
+              <a:spAutoFit/>
+            </a:bodyPr>
+            <a:lstStyle/>
+            <a:p>
+              <a:r>
+                <a:rPr lang="en-US" altLang="ko-KR" dirty="0">
+                  <a:solidFill>
+                    <a:srgbClr val="DCDCDC"/>
+                  </a:solidFill>
+                  <a:latin typeface="Bangers" panose="020B0603050302020204" pitchFamily="34" charset="0"/>
+                </a:rPr>
+                <a:t>100</a:t>
+              </a:r>
+              <a:r>
+                <a:rPr lang="en-US" altLang="ko-KR" dirty="0">
+                  <a:solidFill>
+                    <a:srgbClr val="DCDCDC"/>
+                  </a:solidFill>
+                  <a:latin typeface="Adobe 고딕 Std B" panose="020B0800000000000000" pitchFamily="34" charset="-127"/>
+                  <a:ea typeface="Adobe 고딕 Std B" panose="020B0800000000000000" pitchFamily="34" charset="-127"/>
+                </a:rPr>
+                <a:t>t</a:t>
+              </a:r>
+              <a:endParaRPr lang="ko-KR" altLang="en-US" dirty="0">
+                <a:solidFill>
+                  <a:srgbClr val="DCDCDC"/>
+                </a:solidFill>
+                <a:latin typeface="Adobe 고딕 Std B" panose="020B0800000000000000" pitchFamily="34" charset="-127"/>
+                <a:ea typeface="Adobe 고딕 Std B" panose="020B0800000000000000" pitchFamily="34" charset="-127"/>
+              </a:endParaRPr>
+            </a:p>
+          </p:txBody>
+        </p:sp>
       </p:grpSp>
     </p:spTree>
     <p:extLst>
